--- a/RAPORT/Reporting_Presentation_V2.pptx
+++ b/RAPORT/Reporting_Presentation_V2.pptx
@@ -1071,7 +1071,7 @@
 <dgm:dataModel xmlns:dgm="http://schemas.openxmlformats.org/drawingml/2006/diagram" xmlns:a="http://schemas.openxmlformats.org/drawingml/2006/main">
   <dgm:ptLst>
     <dgm:pt modelId="{0C89D310-1D9B-4CA6-AAB7-48DF3CD05573}" type="doc">
-      <dgm:prSet loTypeId="urn:microsoft.com/office/officeart/2005/8/layout/radial6" loCatId="cycle" qsTypeId="urn:microsoft.com/office/officeart/2005/8/quickstyle/3d6" qsCatId="3D" csTypeId="urn:microsoft.com/office/officeart/2005/8/colors/colorful1" csCatId="colorful" phldr="1"/>
+      <dgm:prSet loTypeId="urn:microsoft.com/office/officeart/2005/8/layout/radial5" loCatId="cycle" qsTypeId="urn:microsoft.com/office/officeart/2005/8/quickstyle/3d6" qsCatId="3D" csTypeId="urn:microsoft.com/office/officeart/2005/8/colors/colorful1" csCatId="colorful" phldr="1"/>
       <dgm:spPr/>
       <dgm:t>
         <a:bodyPr/>
@@ -1082,17 +1082,17 @@
       </dgm:t>
     </dgm:pt>
     <dgm:pt modelId="{97F7A1A4-9F17-46D6-82F4-C0EF929E59C1}">
-      <dgm:prSet phldrT="[Text]" custT="1"/>
+      <dgm:prSet phldrT="[Text]"/>
       <dgm:spPr/>
       <dgm:t>
         <a:bodyPr/>
         <a:lstStyle/>
         <a:p>
           <a:r>
-            <a:rPr lang="en-US" sz="900" b="1" dirty="0" smtClean="0"/>
+            <a:rPr lang="en-US" dirty="0" smtClean="0"/>
             <a:t>FIX</a:t>
           </a:r>
-          <a:endParaRPr lang="fr-FR" sz="900" b="1" dirty="0"/>
+          <a:endParaRPr lang="fr-FR" dirty="0"/>
         </a:p>
       </dgm:t>
     </dgm:pt>
@@ -1103,7 +1103,7 @@
         <a:bodyPr/>
         <a:lstStyle/>
         <a:p>
-          <a:endParaRPr lang="fr-FR" sz="1800"/>
+          <a:endParaRPr lang="fr-FR"/>
         </a:p>
       </dgm:t>
     </dgm:pt>
@@ -1114,22 +1114,22 @@
         <a:bodyPr/>
         <a:lstStyle/>
         <a:p>
-          <a:endParaRPr lang="fr-FR" sz="1800" b="1"/>
+          <a:endParaRPr lang="fr-FR"/>
         </a:p>
       </dgm:t>
     </dgm:pt>
     <dgm:pt modelId="{082F7FFD-9A2C-4C76-ABFE-1B2E0F004221}">
-      <dgm:prSet phldrT="[Text]" custT="1"/>
+      <dgm:prSet phldrT="[Text]"/>
       <dgm:spPr/>
       <dgm:t>
         <a:bodyPr/>
         <a:lstStyle/>
         <a:p>
           <a:r>
-            <a:rPr lang="en-US" sz="900" b="1" dirty="0" smtClean="0"/>
+            <a:rPr lang="en-US" dirty="0" smtClean="0"/>
             <a:t>1999</a:t>
           </a:r>
-          <a:endParaRPr lang="fr-FR" sz="900" b="1" dirty="0"/>
+          <a:endParaRPr lang="fr-FR" dirty="0"/>
         </a:p>
       </dgm:t>
     </dgm:pt>
@@ -1140,7 +1140,7 @@
         <a:bodyPr/>
         <a:lstStyle/>
         <a:p>
-          <a:endParaRPr lang="fr-FR" sz="1800"/>
+          <a:endParaRPr lang="fr-FR"/>
         </a:p>
       </dgm:t>
     </dgm:pt>
@@ -1151,22 +1151,22 @@
         <a:bodyPr/>
         <a:lstStyle/>
         <a:p>
-          <a:endParaRPr lang="fr-FR" sz="1800" b="1"/>
+          <a:endParaRPr lang="fr-FR"/>
         </a:p>
       </dgm:t>
     </dgm:pt>
     <dgm:pt modelId="{E362665D-7D78-44D0-A6BB-BE69AE443E49}">
-      <dgm:prSet phldrT="[Text]" custT="1"/>
+      <dgm:prSet phldrT="[Text]"/>
       <dgm:spPr/>
       <dgm:t>
         <a:bodyPr/>
         <a:lstStyle/>
         <a:p>
           <a:r>
-            <a:rPr lang="en-US" sz="900" b="1" dirty="0" smtClean="0"/>
+            <a:rPr lang="en-US" dirty="0" smtClean="0"/>
             <a:t>QA, Sales, R&amp;D, Support</a:t>
           </a:r>
-          <a:endParaRPr lang="fr-FR" sz="900" b="1" dirty="0"/>
+          <a:endParaRPr lang="fr-FR" dirty="0"/>
         </a:p>
       </dgm:t>
     </dgm:pt>
@@ -1177,7 +1177,7 @@
         <a:bodyPr/>
         <a:lstStyle/>
         <a:p>
-          <a:endParaRPr lang="fr-FR" sz="1800"/>
+          <a:endParaRPr lang="fr-FR"/>
         </a:p>
       </dgm:t>
     </dgm:pt>
@@ -1188,22 +1188,22 @@
         <a:bodyPr/>
         <a:lstStyle/>
         <a:p>
-          <a:endParaRPr lang="fr-FR" sz="1800" b="1"/>
+          <a:endParaRPr lang="fr-FR"/>
         </a:p>
       </dgm:t>
     </dgm:pt>
     <dgm:pt modelId="{788D50BA-EFE0-4E93-8399-C62DE3BD0572}">
-      <dgm:prSet phldrT="[Text]" custT="1"/>
+      <dgm:prSet phldrT="[Text]"/>
       <dgm:spPr/>
       <dgm:t>
         <a:bodyPr/>
         <a:lstStyle/>
         <a:p>
           <a:r>
-            <a:rPr lang="en-US" sz="900" b="1" dirty="0" smtClean="0"/>
+            <a:rPr lang="en-US" dirty="0" smtClean="0"/>
             <a:t>Trading Electronic</a:t>
           </a:r>
-          <a:endParaRPr lang="fr-FR" sz="900" b="1" dirty="0"/>
+          <a:endParaRPr lang="fr-FR" dirty="0"/>
         </a:p>
       </dgm:t>
     </dgm:pt>
@@ -1214,7 +1214,7 @@
         <a:bodyPr/>
         <a:lstStyle/>
         <a:p>
-          <a:endParaRPr lang="fr-FR" sz="1800"/>
+          <a:endParaRPr lang="fr-FR"/>
         </a:p>
       </dgm:t>
     </dgm:pt>
@@ -1225,27 +1225,27 @@
         <a:bodyPr/>
         <a:lstStyle/>
         <a:p>
-          <a:endParaRPr lang="fr-FR" sz="1800" b="1"/>
+          <a:endParaRPr lang="fr-FR"/>
         </a:p>
       </dgm:t>
     </dgm:pt>
     <dgm:pt modelId="{66153B92-3DCA-436A-AAB5-44A88EB9F9F5}">
-      <dgm:prSet phldrT="[Text]" custT="1"/>
+      <dgm:prSet phldrT="[Text]"/>
       <dgm:spPr/>
       <dgm:t>
         <a:bodyPr/>
         <a:lstStyle/>
         <a:p>
           <a:r>
-            <a:rPr lang="en-US" sz="900" b="1" dirty="0" smtClean="0"/>
+            <a:rPr lang="en-US" dirty="0" smtClean="0"/>
             <a:t>Tokyo, </a:t>
           </a:r>
           <a:r>
-            <a:rPr lang="en-US" sz="900" b="1" dirty="0" err="1" smtClean="0"/>
+            <a:rPr lang="en-US" dirty="0" err="1" smtClean="0"/>
             <a:t>Londres</a:t>
           </a:r>
           <a:r>
-            <a:rPr lang="en-US" sz="900" b="1" dirty="0" smtClean="0"/>
+            <a:rPr lang="en-US" dirty="0" smtClean="0"/>
             <a:t>, New York …</a:t>
           </a:r>
         </a:p>
@@ -1258,7 +1258,7 @@
         <a:bodyPr/>
         <a:lstStyle/>
         <a:p>
-          <a:endParaRPr lang="fr-FR" sz="1800"/>
+          <a:endParaRPr lang="fr-FR"/>
         </a:p>
       </dgm:t>
     </dgm:pt>
@@ -1269,19 +1269,19 @@
         <a:bodyPr/>
         <a:lstStyle/>
         <a:p>
-          <a:endParaRPr lang="fr-FR" sz="1800" b="1"/>
+          <a:endParaRPr lang="fr-FR"/>
         </a:p>
       </dgm:t>
     </dgm:pt>
     <dgm:pt modelId="{C38272ED-7C81-4DD9-9896-DD0DC897DE43}">
-      <dgm:prSet phldrT="[Text]" custT="1"/>
+      <dgm:prSet phldrT="[Text]"/>
       <dgm:spPr/>
       <dgm:t>
         <a:bodyPr/>
         <a:lstStyle/>
         <a:p>
           <a:r>
-            <a:rPr lang="en-US" sz="900" b="1" dirty="0" smtClean="0"/>
+            <a:rPr lang="en-US" dirty="0" smtClean="0"/>
             <a:t>Aix-en-Provence</a:t>
           </a:r>
         </a:p>
@@ -1294,7 +1294,7 @@
         <a:bodyPr/>
         <a:lstStyle/>
         <a:p>
-          <a:endParaRPr lang="fr-FR" sz="1800"/>
+          <a:endParaRPr lang="fr-FR"/>
         </a:p>
       </dgm:t>
     </dgm:pt>
@@ -1305,31 +1305,31 @@
         <a:bodyPr/>
         <a:lstStyle/>
         <a:p>
-          <a:endParaRPr lang="fr-FR" sz="1800" b="1"/>
+          <a:endParaRPr lang="fr-FR"/>
         </a:p>
       </dgm:t>
     </dgm:pt>
     <dgm:pt modelId="{43F16FF5-8739-4CD0-8B28-7CE0717327A6}">
-      <dgm:prSet phldrT="[Text]" custT="1"/>
+      <dgm:prSet phldrT="[Text]"/>
       <dgm:spPr/>
       <dgm:t>
         <a:bodyPr/>
         <a:lstStyle/>
         <a:p>
           <a:r>
-            <a:rPr lang="en-US" sz="900" b="1" dirty="0" err="1" smtClean="0"/>
+            <a:rPr lang="en-US" dirty="0" err="1" smtClean="0"/>
             <a:t>smartCC</a:t>
           </a:r>
           <a:r>
-            <a:rPr lang="en-US" sz="900" b="1" dirty="0" smtClean="0"/>
+            <a:rPr lang="en-US" dirty="0" smtClean="0"/>
             <a:t>, OMS, </a:t>
           </a:r>
           <a:r>
-            <a:rPr lang="en-US" sz="900" b="1" dirty="0" err="1" smtClean="0"/>
+            <a:rPr lang="en-US" dirty="0" err="1" smtClean="0"/>
             <a:t>TradingWeb</a:t>
           </a:r>
           <a:r>
-            <a:rPr lang="en-US" sz="900" b="1" dirty="0" smtClean="0"/>
+            <a:rPr lang="en-US" dirty="0" smtClean="0"/>
             <a:t>…</a:t>
           </a:r>
         </a:p>
@@ -1342,7 +1342,7 @@
         <a:bodyPr/>
         <a:lstStyle/>
         <a:p>
-          <a:endParaRPr lang="fr-FR" sz="1800"/>
+          <a:endParaRPr lang="fr-FR"/>
         </a:p>
       </dgm:t>
     </dgm:pt>
@@ -1353,12 +1353,12 @@
         <a:bodyPr/>
         <a:lstStyle/>
         <a:p>
-          <a:endParaRPr lang="fr-FR" sz="1800" b="1"/>
+          <a:endParaRPr lang="fr-FR"/>
         </a:p>
       </dgm:t>
     </dgm:pt>
     <dgm:pt modelId="{1450EE72-FAB3-414D-A4BE-47F89B122779}">
-      <dgm:prSet phldrT="[Text]" custT="1"/>
+      <dgm:prSet phldrT="[Text]"/>
       <dgm:spPr>
         <a:blipFill rotWithShape="0">
           <a:blip xmlns:r="http://schemas.openxmlformats.org/officeDocument/2006/relationships" r:embed="rId1"/>
@@ -1371,7 +1371,7 @@
         <a:bodyPr/>
         <a:lstStyle/>
         <a:p>
-          <a:endParaRPr lang="fr-FR" sz="1400" b="1" dirty="0"/>
+          <a:endParaRPr lang="fr-FR" dirty="0"/>
         </a:p>
       </dgm:t>
     </dgm:pt>
@@ -1382,7 +1382,7 @@
         <a:bodyPr/>
         <a:lstStyle/>
         <a:p>
-          <a:endParaRPr lang="fr-FR" sz="1800"/>
+          <a:endParaRPr lang="fr-FR"/>
         </a:p>
       </dgm:t>
     </dgm:pt>
@@ -1393,11 +1393,11 @@
         <a:bodyPr/>
         <a:lstStyle/>
         <a:p>
-          <a:endParaRPr lang="fr-FR" sz="1800"/>
+          <a:endParaRPr lang="fr-FR"/>
         </a:p>
       </dgm:t>
     </dgm:pt>
-    <dgm:pt modelId="{25E73AC0-2909-4047-8DA7-4340E6B860B9}" type="pres">
+    <dgm:pt modelId="{760978CE-D1AD-420F-A3F3-4B0431B03CDE}" type="pres">
       <dgm:prSet presAssocID="{0C89D310-1D9B-4CA6-AAB7-48DF3CD05573}" presName="Name0" presStyleCnt="0">
         <dgm:presLayoutVars>
           <dgm:chMax val="1"/>
@@ -1415,8 +1415,8 @@
         </a:p>
       </dgm:t>
     </dgm:pt>
-    <dgm:pt modelId="{97E5D75D-EF13-425E-8346-78FE0EEA4153}" type="pres">
-      <dgm:prSet presAssocID="{1450EE72-FAB3-414D-A4BE-47F89B122779}" presName="centerShape" presStyleLbl="node0" presStyleIdx="0" presStyleCnt="1" custScaleX="48255" custScaleY="48255" custLinFactNeighborX="3834" custLinFactNeighborY="-8824"/>
+    <dgm:pt modelId="{2956B7D1-EC8E-462A-BFB2-496362FE6313}" type="pres">
+      <dgm:prSet presAssocID="{1450EE72-FAB3-414D-A4BE-47F89B122779}" presName="centerShape" presStyleLbl="node0" presStyleIdx="0" presStyleCnt="1"/>
       <dgm:spPr/>
       <dgm:t>
         <a:bodyPr/>
@@ -1426,8 +1426,30 @@
         </a:p>
       </dgm:t>
     </dgm:pt>
-    <dgm:pt modelId="{1357EFFF-E92A-42F4-BA8B-4B0738FE1360}" type="pres">
-      <dgm:prSet presAssocID="{97F7A1A4-9F17-46D6-82F4-C0EF929E59C1}" presName="node" presStyleLbl="node1" presStyleIdx="0" presStyleCnt="7" custRadScaleRad="109887" custRadScaleInc="23339">
+    <dgm:pt modelId="{B57AB561-3773-4C06-8802-BBA511512960}" type="pres">
+      <dgm:prSet presAssocID="{0B7CCED0-713D-4E59-9F84-61E4BE9627AD}" presName="parTrans" presStyleLbl="sibTrans2D1" presStyleIdx="0" presStyleCnt="7"/>
+      <dgm:spPr/>
+      <dgm:t>
+        <a:bodyPr/>
+        <a:lstStyle/>
+        <a:p>
+          <a:endParaRPr lang="fr-FR"/>
+        </a:p>
+      </dgm:t>
+    </dgm:pt>
+    <dgm:pt modelId="{4053FB48-D4CE-4CD1-BA2B-9D57F09ED597}" type="pres">
+      <dgm:prSet presAssocID="{0B7CCED0-713D-4E59-9F84-61E4BE9627AD}" presName="connectorText" presStyleLbl="sibTrans2D1" presStyleIdx="0" presStyleCnt="7"/>
+      <dgm:spPr/>
+      <dgm:t>
+        <a:bodyPr/>
+        <a:lstStyle/>
+        <a:p>
+          <a:endParaRPr lang="fr-FR"/>
+        </a:p>
+      </dgm:t>
+    </dgm:pt>
+    <dgm:pt modelId="{E821E3F3-5763-4FC4-AC51-C325C7F4AA2B}" type="pres">
+      <dgm:prSet presAssocID="{97F7A1A4-9F17-46D6-82F4-C0EF929E59C1}" presName="node" presStyleLbl="node1" presStyleIdx="0" presStyleCnt="7">
         <dgm:presLayoutVars>
           <dgm:bulletEnabled val="1"/>
         </dgm:presLayoutVars>
@@ -1441,8 +1463,8 @@
         </a:p>
       </dgm:t>
     </dgm:pt>
-    <dgm:pt modelId="{247A5955-40D1-4748-94DA-AFFC2044DF4C}" type="pres">
-      <dgm:prSet presAssocID="{97F7A1A4-9F17-46D6-82F4-C0EF929E59C1}" presName="dummy" presStyleCnt="0"/>
+    <dgm:pt modelId="{F2437B9A-4368-4433-9B3F-BB31A8277EFF}" type="pres">
+      <dgm:prSet presAssocID="{0BBD03AC-CDFF-412C-B610-087034C8B718}" presName="parTrans" presStyleLbl="sibTrans2D1" presStyleIdx="1" presStyleCnt="7"/>
       <dgm:spPr/>
       <dgm:t>
         <a:bodyPr/>
@@ -1452,8 +1474,8 @@
         </a:p>
       </dgm:t>
     </dgm:pt>
-    <dgm:pt modelId="{10E6D506-D0A1-491B-89C1-7748857CA9B1}" type="pres">
-      <dgm:prSet presAssocID="{DFD8DB24-35CF-4C4C-83D9-4034342F2BF9}" presName="sibTrans" presStyleLbl="sibTrans2D1" presStyleIdx="0" presStyleCnt="7" custScaleY="100330"/>
+    <dgm:pt modelId="{7DFB3EEB-869A-4521-87EE-2208116CF7E6}" type="pres">
+      <dgm:prSet presAssocID="{0BBD03AC-CDFF-412C-B610-087034C8B718}" presName="connectorText" presStyleLbl="sibTrans2D1" presStyleIdx="1" presStyleCnt="7"/>
       <dgm:spPr/>
       <dgm:t>
         <a:bodyPr/>
@@ -1463,8 +1485,8 @@
         </a:p>
       </dgm:t>
     </dgm:pt>
-    <dgm:pt modelId="{E84EDEA1-CE2C-4C6B-B9E5-6FB0EDE4DD94}" type="pres">
-      <dgm:prSet presAssocID="{082F7FFD-9A2C-4C76-ABFE-1B2E0F004221}" presName="node" presStyleLbl="node1" presStyleIdx="1" presStyleCnt="7" custRadScaleRad="117344" custRadScaleInc="-25708">
+    <dgm:pt modelId="{3B9FEEF2-A32D-4A05-958D-B00BCA6DE03A}" type="pres">
+      <dgm:prSet presAssocID="{082F7FFD-9A2C-4C76-ABFE-1B2E0F004221}" presName="node" presStyleLbl="node1" presStyleIdx="1" presStyleCnt="7">
         <dgm:presLayoutVars>
           <dgm:bulletEnabled val="1"/>
         </dgm:presLayoutVars>
@@ -1478,8 +1500,8 @@
         </a:p>
       </dgm:t>
     </dgm:pt>
-    <dgm:pt modelId="{C1F5BF0A-FB45-4F2D-8546-8CE34C0C58A6}" type="pres">
-      <dgm:prSet presAssocID="{082F7FFD-9A2C-4C76-ABFE-1B2E0F004221}" presName="dummy" presStyleCnt="0"/>
+    <dgm:pt modelId="{7D8231E1-B2EC-41C4-B2C8-CDCBD84D22EB}" type="pres">
+      <dgm:prSet presAssocID="{6DC00F5D-3AC6-4ECD-AFC9-FC4EB02DAAB6}" presName="parTrans" presStyleLbl="sibTrans2D1" presStyleIdx="2" presStyleCnt="7"/>
       <dgm:spPr/>
       <dgm:t>
         <a:bodyPr/>
@@ -1489,8 +1511,8 @@
         </a:p>
       </dgm:t>
     </dgm:pt>
-    <dgm:pt modelId="{4B446243-0424-48A8-9A76-5EC8D96111A3}" type="pres">
-      <dgm:prSet presAssocID="{219E1739-E8EF-4FD8-A7D5-5F2852185A27}" presName="sibTrans" presStyleLbl="sibTrans2D1" presStyleIdx="1" presStyleCnt="7"/>
+    <dgm:pt modelId="{2B8CF640-24FF-4998-8BE6-97BAEFA6CB26}" type="pres">
+      <dgm:prSet presAssocID="{6DC00F5D-3AC6-4ECD-AFC9-FC4EB02DAAB6}" presName="connectorText" presStyleLbl="sibTrans2D1" presStyleIdx="2" presStyleCnt="7"/>
       <dgm:spPr/>
       <dgm:t>
         <a:bodyPr/>
@@ -1500,8 +1522,8 @@
         </a:p>
       </dgm:t>
     </dgm:pt>
-    <dgm:pt modelId="{BDA0A386-3182-4B09-96F2-E7F25472AA82}" type="pres">
-      <dgm:prSet presAssocID="{E362665D-7D78-44D0-A6BB-BE69AE443E49}" presName="node" presStyleLbl="node1" presStyleIdx="2" presStyleCnt="7" custRadScaleRad="105261" custRadScaleInc="-60376">
+    <dgm:pt modelId="{9DF2106A-1E47-42EF-8DF2-525C144DB5F4}" type="pres">
+      <dgm:prSet presAssocID="{E362665D-7D78-44D0-A6BB-BE69AE443E49}" presName="node" presStyleLbl="node1" presStyleIdx="2" presStyleCnt="7">
         <dgm:presLayoutVars>
           <dgm:bulletEnabled val="1"/>
         </dgm:presLayoutVars>
@@ -1515,8 +1537,8 @@
         </a:p>
       </dgm:t>
     </dgm:pt>
-    <dgm:pt modelId="{DA16A755-5C42-4AB8-AF90-CE5102FE0125}" type="pres">
-      <dgm:prSet presAssocID="{E362665D-7D78-44D0-A6BB-BE69AE443E49}" presName="dummy" presStyleCnt="0"/>
+    <dgm:pt modelId="{04377001-024F-4E59-A109-83BD8B3C552B}" type="pres">
+      <dgm:prSet presAssocID="{C2BD8ABA-139A-41AB-A311-7CA8528E87AE}" presName="parTrans" presStyleLbl="sibTrans2D1" presStyleIdx="3" presStyleCnt="7"/>
       <dgm:spPr/>
       <dgm:t>
         <a:bodyPr/>
@@ -1526,8 +1548,8 @@
         </a:p>
       </dgm:t>
     </dgm:pt>
-    <dgm:pt modelId="{1981A64E-2673-482F-B428-EA5C0012E512}" type="pres">
-      <dgm:prSet presAssocID="{C9AA227D-3B26-423E-BCF2-29AD2E9C5B64}" presName="sibTrans" presStyleLbl="sibTrans2D1" presStyleIdx="2" presStyleCnt="7"/>
+    <dgm:pt modelId="{A416971F-C102-43CF-AFBC-8C526C6E4DC6}" type="pres">
+      <dgm:prSet presAssocID="{C2BD8ABA-139A-41AB-A311-7CA8528E87AE}" presName="connectorText" presStyleLbl="sibTrans2D1" presStyleIdx="3" presStyleCnt="7"/>
       <dgm:spPr/>
       <dgm:t>
         <a:bodyPr/>
@@ -1537,8 +1559,8 @@
         </a:p>
       </dgm:t>
     </dgm:pt>
-    <dgm:pt modelId="{83318996-19E0-403F-8BB1-657DD7558259}" type="pres">
-      <dgm:prSet presAssocID="{788D50BA-EFE0-4E93-8399-C62DE3BD0572}" presName="node" presStyleLbl="node1" presStyleIdx="3" presStyleCnt="7" custRadScaleRad="88631" custRadScaleInc="-55175">
+    <dgm:pt modelId="{AD8D917A-D5FE-4141-985D-BD84931EDD60}" type="pres">
+      <dgm:prSet presAssocID="{788D50BA-EFE0-4E93-8399-C62DE3BD0572}" presName="node" presStyleLbl="node1" presStyleIdx="3" presStyleCnt="7">
         <dgm:presLayoutVars>
           <dgm:bulletEnabled val="1"/>
         </dgm:presLayoutVars>
@@ -1552,8 +1574,8 @@
         </a:p>
       </dgm:t>
     </dgm:pt>
-    <dgm:pt modelId="{909789A3-7C6B-4FD1-9487-733F41A9A269}" type="pres">
-      <dgm:prSet presAssocID="{788D50BA-EFE0-4E93-8399-C62DE3BD0572}" presName="dummy" presStyleCnt="0"/>
+    <dgm:pt modelId="{54E50320-BCE7-4460-932B-A08AAEF71E5E}" type="pres">
+      <dgm:prSet presAssocID="{FAD15993-49DC-4B3B-A41B-B4FF8270FC23}" presName="parTrans" presStyleLbl="sibTrans2D1" presStyleIdx="4" presStyleCnt="7"/>
       <dgm:spPr/>
       <dgm:t>
         <a:bodyPr/>
@@ -1563,8 +1585,8 @@
         </a:p>
       </dgm:t>
     </dgm:pt>
-    <dgm:pt modelId="{55E58892-BFF9-4F98-9C2B-B0DC2563EBFF}" type="pres">
-      <dgm:prSet presAssocID="{04F308CC-2723-49EB-BBD1-A58498428660}" presName="sibTrans" presStyleLbl="sibTrans2D1" presStyleIdx="3" presStyleCnt="7"/>
+    <dgm:pt modelId="{D3287431-DC16-4DEB-A704-82CCCE9FDB3F}" type="pres">
+      <dgm:prSet presAssocID="{FAD15993-49DC-4B3B-A41B-B4FF8270FC23}" presName="connectorText" presStyleLbl="sibTrans2D1" presStyleIdx="4" presStyleCnt="7"/>
       <dgm:spPr/>
       <dgm:t>
         <a:bodyPr/>
@@ -1574,8 +1596,8 @@
         </a:p>
       </dgm:t>
     </dgm:pt>
-    <dgm:pt modelId="{85F60AAB-EA0C-4393-83D0-A3E122A86677}" type="pres">
-      <dgm:prSet presAssocID="{66153B92-3DCA-436A-AAB5-44A88EB9F9F5}" presName="node" presStyleLbl="node1" presStyleIdx="4" presStyleCnt="7" custRadScaleRad="80776" custRadScaleInc="3099">
+    <dgm:pt modelId="{20ED2904-2EA6-4163-9D0C-4B653D2F5C75}" type="pres">
+      <dgm:prSet presAssocID="{66153B92-3DCA-436A-AAB5-44A88EB9F9F5}" presName="node" presStyleLbl="node1" presStyleIdx="4" presStyleCnt="7">
         <dgm:presLayoutVars>
           <dgm:bulletEnabled val="1"/>
         </dgm:presLayoutVars>
@@ -1589,8 +1611,8 @@
         </a:p>
       </dgm:t>
     </dgm:pt>
-    <dgm:pt modelId="{CAD2742A-4A17-47C4-84EE-E12188B64C0B}" type="pres">
-      <dgm:prSet presAssocID="{66153B92-3DCA-436A-AAB5-44A88EB9F9F5}" presName="dummy" presStyleCnt="0"/>
+    <dgm:pt modelId="{6D693851-EB78-4785-90D3-7F7181FD137D}" type="pres">
+      <dgm:prSet presAssocID="{FA10EA5C-AE05-494B-ACFD-389F1A69DF53}" presName="parTrans" presStyleLbl="sibTrans2D1" presStyleIdx="5" presStyleCnt="7"/>
       <dgm:spPr/>
       <dgm:t>
         <a:bodyPr/>
@@ -1600,8 +1622,8 @@
         </a:p>
       </dgm:t>
     </dgm:pt>
-    <dgm:pt modelId="{84D96FE1-1D33-4554-A016-6B45E6FAAB3D}" type="pres">
-      <dgm:prSet presAssocID="{9A05C38B-E424-430E-A75E-193E0F78EA49}" presName="sibTrans" presStyleLbl="sibTrans2D1" presStyleIdx="4" presStyleCnt="7"/>
+    <dgm:pt modelId="{CA031D83-B49E-4007-B065-05BD9A69BC65}" type="pres">
+      <dgm:prSet presAssocID="{FA10EA5C-AE05-494B-ACFD-389F1A69DF53}" presName="connectorText" presStyleLbl="sibTrans2D1" presStyleIdx="5" presStyleCnt="7"/>
       <dgm:spPr/>
       <dgm:t>
         <a:bodyPr/>
@@ -1611,8 +1633,8 @@
         </a:p>
       </dgm:t>
     </dgm:pt>
-    <dgm:pt modelId="{659E39AC-5E9E-46B5-B103-E3489043B2DA}" type="pres">
-      <dgm:prSet presAssocID="{C38272ED-7C81-4DD9-9896-DD0DC897DE43}" presName="node" presStyleLbl="node1" presStyleIdx="5" presStyleCnt="7" custRadScaleRad="89943" custRadScaleInc="57884">
+    <dgm:pt modelId="{CDDDFE99-EAAF-4DDE-8735-4413360A6691}" type="pres">
+      <dgm:prSet presAssocID="{C38272ED-7C81-4DD9-9896-DD0DC897DE43}" presName="node" presStyleLbl="node1" presStyleIdx="5" presStyleCnt="7">
         <dgm:presLayoutVars>
           <dgm:bulletEnabled val="1"/>
         </dgm:presLayoutVars>
@@ -1626,8 +1648,8 @@
         </a:p>
       </dgm:t>
     </dgm:pt>
-    <dgm:pt modelId="{A26210EE-6719-4A54-B1E0-B75A10E92522}" type="pres">
-      <dgm:prSet presAssocID="{C38272ED-7C81-4DD9-9896-DD0DC897DE43}" presName="dummy" presStyleCnt="0"/>
+    <dgm:pt modelId="{88CF6D67-1A22-4208-8448-47536E8D9983}" type="pres">
+      <dgm:prSet presAssocID="{FD91C0A1-2558-4726-8B8C-B30CDD12A516}" presName="parTrans" presStyleLbl="sibTrans2D1" presStyleIdx="6" presStyleCnt="7"/>
       <dgm:spPr/>
       <dgm:t>
         <a:bodyPr/>
@@ -1637,8 +1659,8 @@
         </a:p>
       </dgm:t>
     </dgm:pt>
-    <dgm:pt modelId="{D50932A4-C8EC-403B-9D8B-E28D673FF49D}" type="pres">
-      <dgm:prSet presAssocID="{9EE1F0CE-2C59-4833-A9DD-5472EB05F20D}" presName="sibTrans" presStyleLbl="sibTrans2D1" presStyleIdx="5" presStyleCnt="7"/>
+    <dgm:pt modelId="{1B6916BA-8FE6-4938-8C72-843FC3AB7B12}" type="pres">
+      <dgm:prSet presAssocID="{FD91C0A1-2558-4726-8B8C-B30CDD12A516}" presName="connectorText" presStyleLbl="sibTrans2D1" presStyleIdx="6" presStyleCnt="7"/>
       <dgm:spPr/>
       <dgm:t>
         <a:bodyPr/>
@@ -1648,8 +1670,8 @@
         </a:p>
       </dgm:t>
     </dgm:pt>
-    <dgm:pt modelId="{076CE837-9740-4D78-BEF6-A4CC072E21BE}" type="pres">
-      <dgm:prSet presAssocID="{43F16FF5-8739-4CD0-8B28-7CE0717327A6}" presName="node" presStyleLbl="node1" presStyleIdx="6" presStyleCnt="7" custRadScaleRad="106639" custRadScaleInc="58525">
+    <dgm:pt modelId="{5AD2EE95-B3D6-4E54-9654-54B86E12C2C3}" type="pres">
+      <dgm:prSet presAssocID="{43F16FF5-8739-4CD0-8B28-7CE0717327A6}" presName="node" presStyleLbl="node1" presStyleIdx="6" presStyleCnt="7">
         <dgm:presLayoutVars>
           <dgm:bulletEnabled val="1"/>
         </dgm:presLayoutVars>
@@ -1663,76 +1685,61 @@
         </a:p>
       </dgm:t>
     </dgm:pt>
-    <dgm:pt modelId="{A53195B6-45D4-45DC-AA9C-491849E413EE}" type="pres">
-      <dgm:prSet presAssocID="{43F16FF5-8739-4CD0-8B28-7CE0717327A6}" presName="dummy" presStyleCnt="0"/>
-      <dgm:spPr/>
-      <dgm:t>
-        <a:bodyPr/>
-        <a:lstStyle/>
-        <a:p>
-          <a:endParaRPr lang="fr-FR"/>
-        </a:p>
-      </dgm:t>
-    </dgm:pt>
-    <dgm:pt modelId="{ABA1BA5C-48C1-4815-BCE0-F59C8EB22704}" type="pres">
-      <dgm:prSet presAssocID="{9BE989D1-D191-41D1-ABF2-AA9F68C5EB99}" presName="sibTrans" presStyleLbl="sibTrans2D1" presStyleIdx="6" presStyleCnt="7"/>
-      <dgm:spPr/>
-      <dgm:t>
-        <a:bodyPr/>
-        <a:lstStyle/>
-        <a:p>
-          <a:endParaRPr lang="fr-FR"/>
-        </a:p>
-      </dgm:t>
-    </dgm:pt>
   </dgm:ptLst>
   <dgm:cxnLst>
-    <dgm:cxn modelId="{39C4E5F8-26AF-4B4A-A0B8-82D70EFDFA93}" type="presOf" srcId="{C9AA227D-3B26-423E-BCF2-29AD2E9C5B64}" destId="{1981A64E-2673-482F-B428-EA5C0012E512}" srcOrd="0" destOrd="0" presId="urn:microsoft.com/office/officeart/2005/8/layout/radial6"/>
+    <dgm:cxn modelId="{ED7D8455-F524-41BD-9EE8-B0E2AEDEEAB0}" type="presOf" srcId="{FAD15993-49DC-4B3B-A41B-B4FF8270FC23}" destId="{D3287431-DC16-4DEB-A704-82CCCE9FDB3F}" srcOrd="1" destOrd="0" presId="urn:microsoft.com/office/officeart/2005/8/layout/radial5"/>
     <dgm:cxn modelId="{374EAFC8-21ED-42A2-9217-1F32794563A4}" srcId="{1450EE72-FAB3-414D-A4BE-47F89B122779}" destId="{43F16FF5-8739-4CD0-8B28-7CE0717327A6}" srcOrd="6" destOrd="0" parTransId="{FD91C0A1-2558-4726-8B8C-B30CDD12A516}" sibTransId="{9BE989D1-D191-41D1-ABF2-AA9F68C5EB99}"/>
-    <dgm:cxn modelId="{BB1029CB-9D3E-4E1C-8EB6-DAEAD12D53B8}" type="presOf" srcId="{97F7A1A4-9F17-46D6-82F4-C0EF929E59C1}" destId="{1357EFFF-E92A-42F4-BA8B-4B0738FE1360}" srcOrd="0" destOrd="0" presId="urn:microsoft.com/office/officeart/2005/8/layout/radial6"/>
+    <dgm:cxn modelId="{64FC9D2C-514D-4091-A494-A36EC184A7BF}" type="presOf" srcId="{FAD15993-49DC-4B3B-A41B-B4FF8270FC23}" destId="{54E50320-BCE7-4460-932B-A08AAEF71E5E}" srcOrd="0" destOrd="0" presId="urn:microsoft.com/office/officeart/2005/8/layout/radial5"/>
+    <dgm:cxn modelId="{E3AC4BD4-4001-4353-83B3-AD6A2601C6DE}" type="presOf" srcId="{43F16FF5-8739-4CD0-8B28-7CE0717327A6}" destId="{5AD2EE95-B3D6-4E54-9654-54B86E12C2C3}" srcOrd="0" destOrd="0" presId="urn:microsoft.com/office/officeart/2005/8/layout/radial5"/>
+    <dgm:cxn modelId="{A22D25F9-BC09-4830-8E40-6857F6F93746}" type="presOf" srcId="{082F7FFD-9A2C-4C76-ABFE-1B2E0F004221}" destId="{3B9FEEF2-A32D-4A05-958D-B00BCA6DE03A}" srcOrd="0" destOrd="0" presId="urn:microsoft.com/office/officeart/2005/8/layout/radial5"/>
+    <dgm:cxn modelId="{E6B47B53-E1B3-41A0-A2C1-E247B07225E1}" type="presOf" srcId="{0BBD03AC-CDFF-412C-B610-087034C8B718}" destId="{7DFB3EEB-869A-4521-87EE-2208116CF7E6}" srcOrd="1" destOrd="0" presId="urn:microsoft.com/office/officeart/2005/8/layout/radial5"/>
+    <dgm:cxn modelId="{806DBAA8-C8C5-42EE-81E5-DCA965BC7747}" type="presOf" srcId="{FD91C0A1-2558-4726-8B8C-B30CDD12A516}" destId="{88CF6D67-1A22-4208-8448-47536E8D9983}" srcOrd="0" destOrd="0" presId="urn:microsoft.com/office/officeart/2005/8/layout/radial5"/>
     <dgm:cxn modelId="{E5267F72-2476-48FD-8503-8B1433352912}" srcId="{0C89D310-1D9B-4CA6-AAB7-48DF3CD05573}" destId="{1450EE72-FAB3-414D-A4BE-47F89B122779}" srcOrd="0" destOrd="0" parTransId="{982167A5-F898-4C44-8925-A230186E1DB1}" sibTransId="{9784FF55-EE53-4203-854A-41399B790388}"/>
-    <dgm:cxn modelId="{C609C7BE-FF09-49D4-9728-170532DE4C66}" type="presOf" srcId="{43F16FF5-8739-4CD0-8B28-7CE0717327A6}" destId="{076CE837-9740-4D78-BEF6-A4CC072E21BE}" srcOrd="0" destOrd="0" presId="urn:microsoft.com/office/officeart/2005/8/layout/radial6"/>
+    <dgm:cxn modelId="{E2637101-0B27-47FC-BB81-A0D608B9F4E3}" type="presOf" srcId="{0BBD03AC-CDFF-412C-B610-087034C8B718}" destId="{F2437B9A-4368-4433-9B3F-BB31A8277EFF}" srcOrd="0" destOrd="0" presId="urn:microsoft.com/office/officeart/2005/8/layout/radial5"/>
+    <dgm:cxn modelId="{D73AA204-ADCE-412C-8D1D-7DB4608732DA}" type="presOf" srcId="{6DC00F5D-3AC6-4ECD-AFC9-FC4EB02DAAB6}" destId="{7D8231E1-B2EC-41C4-B2C8-CDCBD84D22EB}" srcOrd="0" destOrd="0" presId="urn:microsoft.com/office/officeart/2005/8/layout/radial5"/>
     <dgm:cxn modelId="{CEB566BB-FA3F-433A-A0D5-E6F3E067F342}" srcId="{1450EE72-FAB3-414D-A4BE-47F89B122779}" destId="{082F7FFD-9A2C-4C76-ABFE-1B2E0F004221}" srcOrd="1" destOrd="0" parTransId="{0BBD03AC-CDFF-412C-B610-087034C8B718}" sibTransId="{219E1739-E8EF-4FD8-A7D5-5F2852185A27}"/>
-    <dgm:cxn modelId="{8AACBF78-F287-4588-9DDA-9E3D8DCCFE8E}" type="presOf" srcId="{04F308CC-2723-49EB-BBD1-A58498428660}" destId="{55E58892-BFF9-4F98-9C2B-B0DC2563EBFF}" srcOrd="0" destOrd="0" presId="urn:microsoft.com/office/officeart/2005/8/layout/radial6"/>
+    <dgm:cxn modelId="{E8FFDF8E-86C6-44E9-AC56-DFA98E365DE6}" type="presOf" srcId="{C38272ED-7C81-4DD9-9896-DD0DC897DE43}" destId="{CDDDFE99-EAAF-4DDE-8735-4413360A6691}" srcOrd="0" destOrd="0" presId="urn:microsoft.com/office/officeart/2005/8/layout/radial5"/>
     <dgm:cxn modelId="{EB08FFBB-AAD9-41F0-B4BF-9EFB0CBF5019}" srcId="{1450EE72-FAB3-414D-A4BE-47F89B122779}" destId="{C38272ED-7C81-4DD9-9896-DD0DC897DE43}" srcOrd="5" destOrd="0" parTransId="{FA10EA5C-AE05-494B-ACFD-389F1A69DF53}" sibTransId="{9EE1F0CE-2C59-4833-A9DD-5472EB05F20D}"/>
-    <dgm:cxn modelId="{F27C655C-9171-49C8-8B8C-C45B64E2119D}" type="presOf" srcId="{219E1739-E8EF-4FD8-A7D5-5F2852185A27}" destId="{4B446243-0424-48A8-9A76-5EC8D96111A3}" srcOrd="0" destOrd="0" presId="urn:microsoft.com/office/officeart/2005/8/layout/radial6"/>
-    <dgm:cxn modelId="{C2610A7E-03DB-4521-BD3D-0D64B8A82E6F}" type="presOf" srcId="{66153B92-3DCA-436A-AAB5-44A88EB9F9F5}" destId="{85F60AAB-EA0C-4393-83D0-A3E122A86677}" srcOrd="0" destOrd="0" presId="urn:microsoft.com/office/officeart/2005/8/layout/radial6"/>
-    <dgm:cxn modelId="{386D5FBC-6F12-47B1-896E-BF31368F2303}" type="presOf" srcId="{9BE989D1-D191-41D1-ABF2-AA9F68C5EB99}" destId="{ABA1BA5C-48C1-4815-BCE0-F59C8EB22704}" srcOrd="0" destOrd="0" presId="urn:microsoft.com/office/officeart/2005/8/layout/radial6"/>
-    <dgm:cxn modelId="{48EE8ADF-77C6-4248-84B5-2172492CB18C}" type="presOf" srcId="{DFD8DB24-35CF-4C4C-83D9-4034342F2BF9}" destId="{10E6D506-D0A1-491B-89C1-7748857CA9B1}" srcOrd="0" destOrd="0" presId="urn:microsoft.com/office/officeart/2005/8/layout/radial6"/>
+    <dgm:cxn modelId="{B8ED63DD-95F5-4620-85EF-6C9ED005C334}" type="presOf" srcId="{FA10EA5C-AE05-494B-ACFD-389F1A69DF53}" destId="{CA031D83-B49E-4007-B065-05BD9A69BC65}" srcOrd="1" destOrd="0" presId="urn:microsoft.com/office/officeart/2005/8/layout/radial5"/>
+    <dgm:cxn modelId="{FA13D17F-A3F5-4FA7-AEB4-56230FC414A1}" type="presOf" srcId="{97F7A1A4-9F17-46D6-82F4-C0EF929E59C1}" destId="{E821E3F3-5763-4FC4-AC51-C325C7F4AA2B}" srcOrd="0" destOrd="0" presId="urn:microsoft.com/office/officeart/2005/8/layout/radial5"/>
+    <dgm:cxn modelId="{E4226145-C1A2-4C7E-8019-1A02EF1FE1B9}" type="presOf" srcId="{FD91C0A1-2558-4726-8B8C-B30CDD12A516}" destId="{1B6916BA-8FE6-4938-8C72-843FC3AB7B12}" srcOrd="1" destOrd="0" presId="urn:microsoft.com/office/officeart/2005/8/layout/radial5"/>
+    <dgm:cxn modelId="{BD6343A5-CA67-419A-9C18-D8A71B0FA65C}" type="presOf" srcId="{0C89D310-1D9B-4CA6-AAB7-48DF3CD05573}" destId="{760978CE-D1AD-420F-A3F3-4B0431B03CDE}" srcOrd="0" destOrd="0" presId="urn:microsoft.com/office/officeart/2005/8/layout/radial5"/>
+    <dgm:cxn modelId="{9EDBC276-3465-47E8-9731-BD26D5266B94}" type="presOf" srcId="{788D50BA-EFE0-4E93-8399-C62DE3BD0572}" destId="{AD8D917A-D5FE-4141-985D-BD84931EDD60}" srcOrd="0" destOrd="0" presId="urn:microsoft.com/office/officeart/2005/8/layout/radial5"/>
+    <dgm:cxn modelId="{9F4B0680-775A-4860-B05E-2FFFDE0EEF51}" type="presOf" srcId="{E362665D-7D78-44D0-A6BB-BE69AE443E49}" destId="{9DF2106A-1E47-42EF-8DF2-525C144DB5F4}" srcOrd="0" destOrd="0" presId="urn:microsoft.com/office/officeart/2005/8/layout/radial5"/>
+    <dgm:cxn modelId="{1FF42ED8-F6CC-4326-BCD3-2DFB629C9BBA}" type="presOf" srcId="{6DC00F5D-3AC6-4ECD-AFC9-FC4EB02DAAB6}" destId="{2B8CF640-24FF-4998-8BE6-97BAEFA6CB26}" srcOrd="1" destOrd="0" presId="urn:microsoft.com/office/officeart/2005/8/layout/radial5"/>
+    <dgm:cxn modelId="{91F0F454-CDC0-48BB-8AED-1B5979A83BA3}" type="presOf" srcId="{C2BD8ABA-139A-41AB-A311-7CA8528E87AE}" destId="{A416971F-C102-43CF-AFBC-8C526C6E4DC6}" srcOrd="1" destOrd="0" presId="urn:microsoft.com/office/officeart/2005/8/layout/radial5"/>
     <dgm:cxn modelId="{B10B5A4C-D5DB-44EF-9FE9-765EB9854499}" srcId="{1450EE72-FAB3-414D-A4BE-47F89B122779}" destId="{66153B92-3DCA-436A-AAB5-44A88EB9F9F5}" srcOrd="4" destOrd="0" parTransId="{FAD15993-49DC-4B3B-A41B-B4FF8270FC23}" sibTransId="{9A05C38B-E424-430E-A75E-193E0F78EA49}"/>
     <dgm:cxn modelId="{4097660E-6FB4-4A3C-BB8A-6EAC4686BF9B}" srcId="{1450EE72-FAB3-414D-A4BE-47F89B122779}" destId="{E362665D-7D78-44D0-A6BB-BE69AE443E49}" srcOrd="2" destOrd="0" parTransId="{6DC00F5D-3AC6-4ECD-AFC9-FC4EB02DAAB6}" sibTransId="{C9AA227D-3B26-423E-BCF2-29AD2E9C5B64}"/>
     <dgm:cxn modelId="{48837DB8-02D6-418C-A85A-8DE5D5485EF1}" srcId="{1450EE72-FAB3-414D-A4BE-47F89B122779}" destId="{788D50BA-EFE0-4E93-8399-C62DE3BD0572}" srcOrd="3" destOrd="0" parTransId="{C2BD8ABA-139A-41AB-A311-7CA8528E87AE}" sibTransId="{04F308CC-2723-49EB-BBD1-A58498428660}"/>
-    <dgm:cxn modelId="{B0451321-B020-428A-8408-13F7D321BF17}" type="presOf" srcId="{1450EE72-FAB3-414D-A4BE-47F89B122779}" destId="{97E5D75D-EF13-425E-8346-78FE0EEA4153}" srcOrd="0" destOrd="0" presId="urn:microsoft.com/office/officeart/2005/8/layout/radial6"/>
-    <dgm:cxn modelId="{3E45CBA1-94F5-47BF-A14E-F7B56587211E}" type="presOf" srcId="{9A05C38B-E424-430E-A75E-193E0F78EA49}" destId="{84D96FE1-1D33-4554-A016-6B45E6FAAB3D}" srcOrd="0" destOrd="0" presId="urn:microsoft.com/office/officeart/2005/8/layout/radial6"/>
-    <dgm:cxn modelId="{F9B9535C-4A94-4D45-906A-F9517E37F3B8}" type="presOf" srcId="{E362665D-7D78-44D0-A6BB-BE69AE443E49}" destId="{BDA0A386-3182-4B09-96F2-E7F25472AA82}" srcOrd="0" destOrd="0" presId="urn:microsoft.com/office/officeart/2005/8/layout/radial6"/>
+    <dgm:cxn modelId="{C1FBC8A3-98A6-41D8-9349-25C3582D12CC}" type="presOf" srcId="{1450EE72-FAB3-414D-A4BE-47F89B122779}" destId="{2956B7D1-EC8E-462A-BFB2-496362FE6313}" srcOrd="0" destOrd="0" presId="urn:microsoft.com/office/officeart/2005/8/layout/radial5"/>
+    <dgm:cxn modelId="{5E26CBA8-996B-448D-ABAA-7C1BC807844A}" type="presOf" srcId="{0B7CCED0-713D-4E59-9F84-61E4BE9627AD}" destId="{B57AB561-3773-4C06-8802-BBA511512960}" srcOrd="0" destOrd="0" presId="urn:microsoft.com/office/officeart/2005/8/layout/radial5"/>
     <dgm:cxn modelId="{9D53BF1D-934C-4EC7-943C-6FAFADF0AE06}" srcId="{1450EE72-FAB3-414D-A4BE-47F89B122779}" destId="{97F7A1A4-9F17-46D6-82F4-C0EF929E59C1}" srcOrd="0" destOrd="0" parTransId="{0B7CCED0-713D-4E59-9F84-61E4BE9627AD}" sibTransId="{DFD8DB24-35CF-4C4C-83D9-4034342F2BF9}"/>
-    <dgm:cxn modelId="{21803757-7FBF-41DA-BD4F-ACE77D85DD81}" type="presOf" srcId="{9EE1F0CE-2C59-4833-A9DD-5472EB05F20D}" destId="{D50932A4-C8EC-403B-9D8B-E28D673FF49D}" srcOrd="0" destOrd="0" presId="urn:microsoft.com/office/officeart/2005/8/layout/radial6"/>
-    <dgm:cxn modelId="{4B3C7F0E-2D14-44C3-ACE5-184F9C974F1A}" type="presOf" srcId="{0C89D310-1D9B-4CA6-AAB7-48DF3CD05573}" destId="{25E73AC0-2909-4047-8DA7-4340E6B860B9}" srcOrd="0" destOrd="0" presId="urn:microsoft.com/office/officeart/2005/8/layout/radial6"/>
-    <dgm:cxn modelId="{D8EC3AEF-B652-4077-BA01-3915BF81659E}" type="presOf" srcId="{788D50BA-EFE0-4E93-8399-C62DE3BD0572}" destId="{83318996-19E0-403F-8BB1-657DD7558259}" srcOrd="0" destOrd="0" presId="urn:microsoft.com/office/officeart/2005/8/layout/radial6"/>
-    <dgm:cxn modelId="{6087FBC5-35CC-45A0-98B4-1EF1E531C7C9}" type="presOf" srcId="{082F7FFD-9A2C-4C76-ABFE-1B2E0F004221}" destId="{E84EDEA1-CE2C-4C6B-B9E5-6FB0EDE4DD94}" srcOrd="0" destOrd="0" presId="urn:microsoft.com/office/officeart/2005/8/layout/radial6"/>
-    <dgm:cxn modelId="{F82CEDD1-19BF-480E-BA1C-4505A98684A7}" type="presOf" srcId="{C38272ED-7C81-4DD9-9896-DD0DC897DE43}" destId="{659E39AC-5E9E-46B5-B103-E3489043B2DA}" srcOrd="0" destOrd="0" presId="urn:microsoft.com/office/officeart/2005/8/layout/radial6"/>
-    <dgm:cxn modelId="{0D6E2CA7-AED5-4EDC-B654-769A164E9105}" type="presParOf" srcId="{25E73AC0-2909-4047-8DA7-4340E6B860B9}" destId="{97E5D75D-EF13-425E-8346-78FE0EEA4153}" srcOrd="0" destOrd="0" presId="urn:microsoft.com/office/officeart/2005/8/layout/radial6"/>
-    <dgm:cxn modelId="{02487373-B0FE-4086-9FC0-73FB60A6F978}" type="presParOf" srcId="{25E73AC0-2909-4047-8DA7-4340E6B860B9}" destId="{1357EFFF-E92A-42F4-BA8B-4B0738FE1360}" srcOrd="1" destOrd="0" presId="urn:microsoft.com/office/officeart/2005/8/layout/radial6"/>
-    <dgm:cxn modelId="{A6774DFD-CD7C-43B4-97B7-B90584D61464}" type="presParOf" srcId="{25E73AC0-2909-4047-8DA7-4340E6B860B9}" destId="{247A5955-40D1-4748-94DA-AFFC2044DF4C}" srcOrd="2" destOrd="0" presId="urn:microsoft.com/office/officeart/2005/8/layout/radial6"/>
-    <dgm:cxn modelId="{DB3F49A0-54DB-46E0-9823-061C92A94BF3}" type="presParOf" srcId="{25E73AC0-2909-4047-8DA7-4340E6B860B9}" destId="{10E6D506-D0A1-491B-89C1-7748857CA9B1}" srcOrd="3" destOrd="0" presId="urn:microsoft.com/office/officeart/2005/8/layout/radial6"/>
-    <dgm:cxn modelId="{168E00BF-9353-4917-830F-DBBE54AF1A51}" type="presParOf" srcId="{25E73AC0-2909-4047-8DA7-4340E6B860B9}" destId="{E84EDEA1-CE2C-4C6B-B9E5-6FB0EDE4DD94}" srcOrd="4" destOrd="0" presId="urn:microsoft.com/office/officeart/2005/8/layout/radial6"/>
-    <dgm:cxn modelId="{DE428140-AEA9-46A9-BF52-23EAB2BE4075}" type="presParOf" srcId="{25E73AC0-2909-4047-8DA7-4340E6B860B9}" destId="{C1F5BF0A-FB45-4F2D-8546-8CE34C0C58A6}" srcOrd="5" destOrd="0" presId="urn:microsoft.com/office/officeart/2005/8/layout/radial6"/>
-    <dgm:cxn modelId="{1CB4D17B-028C-47F6-B4AE-81E03703D587}" type="presParOf" srcId="{25E73AC0-2909-4047-8DA7-4340E6B860B9}" destId="{4B446243-0424-48A8-9A76-5EC8D96111A3}" srcOrd="6" destOrd="0" presId="urn:microsoft.com/office/officeart/2005/8/layout/radial6"/>
-    <dgm:cxn modelId="{E1E44C8A-1B09-424D-9B70-01A0CE90F9BA}" type="presParOf" srcId="{25E73AC0-2909-4047-8DA7-4340E6B860B9}" destId="{BDA0A386-3182-4B09-96F2-E7F25472AA82}" srcOrd="7" destOrd="0" presId="urn:microsoft.com/office/officeart/2005/8/layout/radial6"/>
-    <dgm:cxn modelId="{6057A77A-150D-4856-B2BA-8143667D85DC}" type="presParOf" srcId="{25E73AC0-2909-4047-8DA7-4340E6B860B9}" destId="{DA16A755-5C42-4AB8-AF90-CE5102FE0125}" srcOrd="8" destOrd="0" presId="urn:microsoft.com/office/officeart/2005/8/layout/radial6"/>
-    <dgm:cxn modelId="{C29072F8-707B-4228-AFB7-2A6399AC39B8}" type="presParOf" srcId="{25E73AC0-2909-4047-8DA7-4340E6B860B9}" destId="{1981A64E-2673-482F-B428-EA5C0012E512}" srcOrd="9" destOrd="0" presId="urn:microsoft.com/office/officeart/2005/8/layout/radial6"/>
-    <dgm:cxn modelId="{97BBA5DC-128E-40E1-A58F-FFE4E2F48364}" type="presParOf" srcId="{25E73AC0-2909-4047-8DA7-4340E6B860B9}" destId="{83318996-19E0-403F-8BB1-657DD7558259}" srcOrd="10" destOrd="0" presId="urn:microsoft.com/office/officeart/2005/8/layout/radial6"/>
-    <dgm:cxn modelId="{EE6C914A-9CC8-464F-98C9-19667BE78E6A}" type="presParOf" srcId="{25E73AC0-2909-4047-8DA7-4340E6B860B9}" destId="{909789A3-7C6B-4FD1-9487-733F41A9A269}" srcOrd="11" destOrd="0" presId="urn:microsoft.com/office/officeart/2005/8/layout/radial6"/>
-    <dgm:cxn modelId="{817F5CF2-BCB1-4B60-B05A-875194F4D81A}" type="presParOf" srcId="{25E73AC0-2909-4047-8DA7-4340E6B860B9}" destId="{55E58892-BFF9-4F98-9C2B-B0DC2563EBFF}" srcOrd="12" destOrd="0" presId="urn:microsoft.com/office/officeart/2005/8/layout/radial6"/>
-    <dgm:cxn modelId="{F72A642F-6201-41B4-B9A0-6E4E5B0CFFCC}" type="presParOf" srcId="{25E73AC0-2909-4047-8DA7-4340E6B860B9}" destId="{85F60AAB-EA0C-4393-83D0-A3E122A86677}" srcOrd="13" destOrd="0" presId="urn:microsoft.com/office/officeart/2005/8/layout/radial6"/>
-    <dgm:cxn modelId="{1EC52D42-7EAF-4677-B17F-580E013DFD60}" type="presParOf" srcId="{25E73AC0-2909-4047-8DA7-4340E6B860B9}" destId="{CAD2742A-4A17-47C4-84EE-E12188B64C0B}" srcOrd="14" destOrd="0" presId="urn:microsoft.com/office/officeart/2005/8/layout/radial6"/>
-    <dgm:cxn modelId="{0BEE4E17-28AC-43DA-825E-971CB305F6FD}" type="presParOf" srcId="{25E73AC0-2909-4047-8DA7-4340E6B860B9}" destId="{84D96FE1-1D33-4554-A016-6B45E6FAAB3D}" srcOrd="15" destOrd="0" presId="urn:microsoft.com/office/officeart/2005/8/layout/radial6"/>
-    <dgm:cxn modelId="{6EFF8C8C-25C9-486F-8749-604E824AACAF}" type="presParOf" srcId="{25E73AC0-2909-4047-8DA7-4340E6B860B9}" destId="{659E39AC-5E9E-46B5-B103-E3489043B2DA}" srcOrd="16" destOrd="0" presId="urn:microsoft.com/office/officeart/2005/8/layout/radial6"/>
-    <dgm:cxn modelId="{8C21A04F-C393-4773-A4F5-ED9462FFA338}" type="presParOf" srcId="{25E73AC0-2909-4047-8DA7-4340E6B860B9}" destId="{A26210EE-6719-4A54-B1E0-B75A10E92522}" srcOrd="17" destOrd="0" presId="urn:microsoft.com/office/officeart/2005/8/layout/radial6"/>
-    <dgm:cxn modelId="{44A249DC-341E-4093-9636-2CDDC6232D5C}" type="presParOf" srcId="{25E73AC0-2909-4047-8DA7-4340E6B860B9}" destId="{D50932A4-C8EC-403B-9D8B-E28D673FF49D}" srcOrd="18" destOrd="0" presId="urn:microsoft.com/office/officeart/2005/8/layout/radial6"/>
-    <dgm:cxn modelId="{DAE53700-4489-4ADB-8676-ABF735E105A0}" type="presParOf" srcId="{25E73AC0-2909-4047-8DA7-4340E6B860B9}" destId="{076CE837-9740-4D78-BEF6-A4CC072E21BE}" srcOrd="19" destOrd="0" presId="urn:microsoft.com/office/officeart/2005/8/layout/radial6"/>
-    <dgm:cxn modelId="{BF96FFFE-DA92-4FD2-9429-F9417CE4D035}" type="presParOf" srcId="{25E73AC0-2909-4047-8DA7-4340E6B860B9}" destId="{A53195B6-45D4-45DC-AA9C-491849E413EE}" srcOrd="20" destOrd="0" presId="urn:microsoft.com/office/officeart/2005/8/layout/radial6"/>
-    <dgm:cxn modelId="{97EF8C6B-E63E-444A-BB69-79DA3E9E544D}" type="presParOf" srcId="{25E73AC0-2909-4047-8DA7-4340E6B860B9}" destId="{ABA1BA5C-48C1-4815-BCE0-F59C8EB22704}" srcOrd="21" destOrd="0" presId="urn:microsoft.com/office/officeart/2005/8/layout/radial6"/>
+    <dgm:cxn modelId="{9017F84A-0DF6-4480-A99E-773D4BEE2321}" type="presOf" srcId="{FA10EA5C-AE05-494B-ACFD-389F1A69DF53}" destId="{6D693851-EB78-4785-90D3-7F7181FD137D}" srcOrd="0" destOrd="0" presId="urn:microsoft.com/office/officeart/2005/8/layout/radial5"/>
+    <dgm:cxn modelId="{FAB68BC3-B6FE-4D88-8531-405299801ED7}" type="presOf" srcId="{66153B92-3DCA-436A-AAB5-44A88EB9F9F5}" destId="{20ED2904-2EA6-4163-9D0C-4B653D2F5C75}" srcOrd="0" destOrd="0" presId="urn:microsoft.com/office/officeart/2005/8/layout/radial5"/>
+    <dgm:cxn modelId="{37CC935B-5E08-465E-86D1-102EA97C704D}" type="presOf" srcId="{0B7CCED0-713D-4E59-9F84-61E4BE9627AD}" destId="{4053FB48-D4CE-4CD1-BA2B-9D57F09ED597}" srcOrd="1" destOrd="0" presId="urn:microsoft.com/office/officeart/2005/8/layout/radial5"/>
+    <dgm:cxn modelId="{B761904E-5DA7-44DA-A79F-395401665302}" type="presOf" srcId="{C2BD8ABA-139A-41AB-A311-7CA8528E87AE}" destId="{04377001-024F-4E59-A109-83BD8B3C552B}" srcOrd="0" destOrd="0" presId="urn:microsoft.com/office/officeart/2005/8/layout/radial5"/>
+    <dgm:cxn modelId="{093A4F85-7E75-4F3E-B266-1F2530FD7AE4}" type="presParOf" srcId="{760978CE-D1AD-420F-A3F3-4B0431B03CDE}" destId="{2956B7D1-EC8E-462A-BFB2-496362FE6313}" srcOrd="0" destOrd="0" presId="urn:microsoft.com/office/officeart/2005/8/layout/radial5"/>
+    <dgm:cxn modelId="{4FF87100-F87D-467C-B2A6-6FE4C35226BE}" type="presParOf" srcId="{760978CE-D1AD-420F-A3F3-4B0431B03CDE}" destId="{B57AB561-3773-4C06-8802-BBA511512960}" srcOrd="1" destOrd="0" presId="urn:microsoft.com/office/officeart/2005/8/layout/radial5"/>
+    <dgm:cxn modelId="{3EA65442-78D5-4375-B438-DD154DEF79BA}" type="presParOf" srcId="{B57AB561-3773-4C06-8802-BBA511512960}" destId="{4053FB48-D4CE-4CD1-BA2B-9D57F09ED597}" srcOrd="0" destOrd="0" presId="urn:microsoft.com/office/officeart/2005/8/layout/radial5"/>
+    <dgm:cxn modelId="{5D4C7C9C-8EA3-4087-904C-914525894687}" type="presParOf" srcId="{760978CE-D1AD-420F-A3F3-4B0431B03CDE}" destId="{E821E3F3-5763-4FC4-AC51-C325C7F4AA2B}" srcOrd="2" destOrd="0" presId="urn:microsoft.com/office/officeart/2005/8/layout/radial5"/>
+    <dgm:cxn modelId="{653BF7C2-BBD6-45D9-8748-9C926D459CD1}" type="presParOf" srcId="{760978CE-D1AD-420F-A3F3-4B0431B03CDE}" destId="{F2437B9A-4368-4433-9B3F-BB31A8277EFF}" srcOrd="3" destOrd="0" presId="urn:microsoft.com/office/officeart/2005/8/layout/radial5"/>
+    <dgm:cxn modelId="{CE11D9AA-A953-4C62-8721-BCF93A8290F0}" type="presParOf" srcId="{F2437B9A-4368-4433-9B3F-BB31A8277EFF}" destId="{7DFB3EEB-869A-4521-87EE-2208116CF7E6}" srcOrd="0" destOrd="0" presId="urn:microsoft.com/office/officeart/2005/8/layout/radial5"/>
+    <dgm:cxn modelId="{B90A0BEA-FC41-40C6-A08E-8808200AB039}" type="presParOf" srcId="{760978CE-D1AD-420F-A3F3-4B0431B03CDE}" destId="{3B9FEEF2-A32D-4A05-958D-B00BCA6DE03A}" srcOrd="4" destOrd="0" presId="urn:microsoft.com/office/officeart/2005/8/layout/radial5"/>
+    <dgm:cxn modelId="{52E39521-64AA-4C81-A187-EDF86B5654AF}" type="presParOf" srcId="{760978CE-D1AD-420F-A3F3-4B0431B03CDE}" destId="{7D8231E1-B2EC-41C4-B2C8-CDCBD84D22EB}" srcOrd="5" destOrd="0" presId="urn:microsoft.com/office/officeart/2005/8/layout/radial5"/>
+    <dgm:cxn modelId="{A2AF3C1C-7168-411D-AFD1-C9F413523047}" type="presParOf" srcId="{7D8231E1-B2EC-41C4-B2C8-CDCBD84D22EB}" destId="{2B8CF640-24FF-4998-8BE6-97BAEFA6CB26}" srcOrd="0" destOrd="0" presId="urn:microsoft.com/office/officeart/2005/8/layout/radial5"/>
+    <dgm:cxn modelId="{4AD4D851-98C7-4ADF-A1E9-83296DB5199E}" type="presParOf" srcId="{760978CE-D1AD-420F-A3F3-4B0431B03CDE}" destId="{9DF2106A-1E47-42EF-8DF2-525C144DB5F4}" srcOrd="6" destOrd="0" presId="urn:microsoft.com/office/officeart/2005/8/layout/radial5"/>
+    <dgm:cxn modelId="{94ECDE72-ACD5-4B3A-96F0-B4021A80A74B}" type="presParOf" srcId="{760978CE-D1AD-420F-A3F3-4B0431B03CDE}" destId="{04377001-024F-4E59-A109-83BD8B3C552B}" srcOrd="7" destOrd="0" presId="urn:microsoft.com/office/officeart/2005/8/layout/radial5"/>
+    <dgm:cxn modelId="{AAC73565-B010-4F14-B00C-476CB9BD73BF}" type="presParOf" srcId="{04377001-024F-4E59-A109-83BD8B3C552B}" destId="{A416971F-C102-43CF-AFBC-8C526C6E4DC6}" srcOrd="0" destOrd="0" presId="urn:microsoft.com/office/officeart/2005/8/layout/radial5"/>
+    <dgm:cxn modelId="{5B291095-7085-4BC2-B857-39DA6C05FBA5}" type="presParOf" srcId="{760978CE-D1AD-420F-A3F3-4B0431B03CDE}" destId="{AD8D917A-D5FE-4141-985D-BD84931EDD60}" srcOrd="8" destOrd="0" presId="urn:microsoft.com/office/officeart/2005/8/layout/radial5"/>
+    <dgm:cxn modelId="{5E84DD34-5083-42D6-8649-6754DE24DB39}" type="presParOf" srcId="{760978CE-D1AD-420F-A3F3-4B0431B03CDE}" destId="{54E50320-BCE7-4460-932B-A08AAEF71E5E}" srcOrd="9" destOrd="0" presId="urn:microsoft.com/office/officeart/2005/8/layout/radial5"/>
+    <dgm:cxn modelId="{76FCC875-7118-4492-BD38-4614897F4A14}" type="presParOf" srcId="{54E50320-BCE7-4460-932B-A08AAEF71E5E}" destId="{D3287431-DC16-4DEB-A704-82CCCE9FDB3F}" srcOrd="0" destOrd="0" presId="urn:microsoft.com/office/officeart/2005/8/layout/radial5"/>
+    <dgm:cxn modelId="{2F584C0C-EAAD-4223-804C-37718BE4BF64}" type="presParOf" srcId="{760978CE-D1AD-420F-A3F3-4B0431B03CDE}" destId="{20ED2904-2EA6-4163-9D0C-4B653D2F5C75}" srcOrd="10" destOrd="0" presId="urn:microsoft.com/office/officeart/2005/8/layout/radial5"/>
+    <dgm:cxn modelId="{310D4A08-8FBA-4EFF-B0C5-57EEC526A0DD}" type="presParOf" srcId="{760978CE-D1AD-420F-A3F3-4B0431B03CDE}" destId="{6D693851-EB78-4785-90D3-7F7181FD137D}" srcOrd="11" destOrd="0" presId="urn:microsoft.com/office/officeart/2005/8/layout/radial5"/>
+    <dgm:cxn modelId="{230459AE-0246-4AA7-8927-197D13426373}" type="presParOf" srcId="{6D693851-EB78-4785-90D3-7F7181FD137D}" destId="{CA031D83-B49E-4007-B065-05BD9A69BC65}" srcOrd="0" destOrd="0" presId="urn:microsoft.com/office/officeart/2005/8/layout/radial5"/>
+    <dgm:cxn modelId="{F0BF36B7-73B8-4784-9510-5A98D41EE3ED}" type="presParOf" srcId="{760978CE-D1AD-420F-A3F3-4B0431B03CDE}" destId="{CDDDFE99-EAAF-4DDE-8735-4413360A6691}" srcOrd="12" destOrd="0" presId="urn:microsoft.com/office/officeart/2005/8/layout/radial5"/>
+    <dgm:cxn modelId="{294EEFCA-B39E-4B45-8BFC-9D749A598CEA}" type="presParOf" srcId="{760978CE-D1AD-420F-A3F3-4B0431B03CDE}" destId="{88CF6D67-1A22-4208-8448-47536E8D9983}" srcOrd="13" destOrd="0" presId="urn:microsoft.com/office/officeart/2005/8/layout/radial5"/>
+    <dgm:cxn modelId="{AD9403DA-3530-4891-A06D-5799B99AFAAF}" type="presParOf" srcId="{88CF6D67-1A22-4208-8448-47536E8D9983}" destId="{1B6916BA-8FE6-4938-8C72-843FC3AB7B12}" srcOrd="0" destOrd="0" presId="urn:microsoft.com/office/officeart/2005/8/layout/radial5"/>
+    <dgm:cxn modelId="{C7DAB8DD-2552-478C-9126-D2A73DBA5D29}" type="presParOf" srcId="{760978CE-D1AD-420F-A3F3-4B0431B03CDE}" destId="{5AD2EE95-B3D6-4E54-9654-54B86E12C2C3}" srcOrd="14" destOrd="0" presId="urn:microsoft.com/office/officeart/2005/8/layout/radial5"/>
   </dgm:cxnLst>
   <dgm:bg/>
   <dgm:whole/>
@@ -1752,21 +1759,258 @@
       <dsp:cNvGrpSpPr/>
     </dsp:nvGrpSpPr>
     <dsp:grpSpPr/>
-    <dsp:sp modelId="{ABA1BA5C-48C1-4815-BCE0-F59C8EB22704}">
+    <dsp:sp modelId="{2956B7D1-EC8E-462A-BFB2-496362FE6313}">
       <dsp:nvSpPr>
         <dsp:cNvPr id="0" name=""/>
         <dsp:cNvSpPr/>
       </dsp:nvSpPr>
       <dsp:spPr>
         <a:xfrm>
-          <a:off x="2902011" y="459138"/>
-          <a:ext cx="3853270" cy="3853270"/>
+          <a:off x="4325039" y="1739788"/>
+          <a:ext cx="1336032" cy="1336032"/>
         </a:xfrm>
-        <a:prstGeom prst="blockArc">
+        <a:prstGeom prst="ellipse">
+          <a:avLst/>
+        </a:prstGeom>
+        <a:blipFill rotWithShape="0">
+          <a:blip xmlns:r="http://schemas.openxmlformats.org/officeDocument/2006/relationships" r:embed="rId1"/>
+          <a:stretch>
+            <a:fillRect/>
+          </a:stretch>
+        </a:blipFill>
+        <a:ln>
+          <a:noFill/>
+        </a:ln>
+        <a:effectLst>
+          <a:outerShdw blurRad="38100" dist="25400" dir="2700000" algn="br" rotWithShape="0">
+            <a:srgbClr val="000000">
+              <a:alpha val="60000"/>
+            </a:srgbClr>
+          </a:outerShdw>
+        </a:effectLst>
+        <a:sp3d prstMaterial="plastic">
+          <a:bevelT w="50800" h="50800"/>
+          <a:bevelB w="50800" h="50800"/>
+        </a:sp3d>
+      </dsp:spPr>
+      <dsp:style>
+        <a:lnRef idx="0">
+          <a:scrgbClr r="0" g="0" b="0"/>
+        </a:lnRef>
+        <a:fillRef idx="1">
+          <a:scrgbClr r="0" g="0" b="0"/>
+        </a:fillRef>
+        <a:effectRef idx="2">
+          <a:scrgbClr r="0" g="0" b="0"/>
+        </a:effectRef>
+        <a:fontRef idx="minor">
+          <a:schemeClr val="lt1"/>
+        </a:fontRef>
+      </dsp:style>
+      <dsp:txBody>
+        <a:bodyPr spcFirstLastPara="0" vert="horz" wrap="square" lIns="72390" tIns="72390" rIns="72390" bIns="72390" numCol="1" spcCol="1270" anchor="ctr" anchorCtr="0">
+          <a:noAutofit/>
+        </a:bodyPr>
+        <a:lstStyle/>
+        <a:p>
+          <a:pPr lvl="0" algn="ctr" defTabSz="2533650">
+            <a:lnSpc>
+              <a:spcPct val="90000"/>
+            </a:lnSpc>
+            <a:spcBef>
+              <a:spcPct val="0"/>
+            </a:spcBef>
+            <a:spcAft>
+              <a:spcPct val="35000"/>
+            </a:spcAft>
+          </a:pPr>
+          <a:endParaRPr lang="fr-FR" sz="5700" kern="1200" dirty="0"/>
+        </a:p>
+      </dsp:txBody>
+      <dsp:txXfrm>
+        <a:off x="4520696" y="1935445"/>
+        <a:ext cx="944718" cy="944718"/>
+      </dsp:txXfrm>
+    </dsp:sp>
+    <dsp:sp modelId="{B57AB561-3773-4C06-8802-BBA511512960}">
+      <dsp:nvSpPr>
+        <dsp:cNvPr id="0" name=""/>
+        <dsp:cNvSpPr/>
+      </dsp:nvSpPr>
+      <dsp:spPr>
+        <a:xfrm rot="16200000">
+          <a:off x="4851252" y="1253136"/>
+          <a:ext cx="283606" cy="454251"/>
+        </a:xfrm>
+        <a:prstGeom prst="rightArrow">
           <a:avLst>
-            <a:gd name="adj1" fmla="val 13909246"/>
-            <a:gd name="adj2" fmla="val 16765320"/>
-            <a:gd name="adj3" fmla="val 3903"/>
+            <a:gd name="adj1" fmla="val 60000"/>
+            <a:gd name="adj2" fmla="val 50000"/>
+          </a:avLst>
+        </a:prstGeom>
+        <a:solidFill>
+          <a:schemeClr val="accent2">
+            <a:hueOff val="0"/>
+            <a:satOff val="0"/>
+            <a:lumOff val="0"/>
+            <a:alphaOff val="0"/>
+          </a:schemeClr>
+        </a:solidFill>
+        <a:ln w="12700" cap="flat" cmpd="sng" algn="ctr">
+          <a:solidFill>
+            <a:schemeClr val="lt1">
+              <a:hueOff val="0"/>
+              <a:satOff val="0"/>
+              <a:lumOff val="0"/>
+              <a:alphaOff val="0"/>
+            </a:schemeClr>
+          </a:solidFill>
+          <a:prstDash val="solid"/>
+        </a:ln>
+        <a:effectLst>
+          <a:outerShdw blurRad="38100" dist="25400" dir="2700000" algn="br" rotWithShape="0">
+            <a:srgbClr val="000000">
+              <a:alpha val="60000"/>
+            </a:srgbClr>
+          </a:outerShdw>
+        </a:effectLst>
+        <a:sp3d z="-25400" prstMaterial="plastic">
+          <a:bevelT w="25400" h="25400"/>
+          <a:bevelB w="25400" h="25400"/>
+        </a:sp3d>
+      </dsp:spPr>
+      <dsp:style>
+        <a:lnRef idx="1">
+          <a:scrgbClr r="0" g="0" b="0"/>
+        </a:lnRef>
+        <a:fillRef idx="1">
+          <a:scrgbClr r="0" g="0" b="0"/>
+        </a:fillRef>
+        <a:effectRef idx="2">
+          <a:scrgbClr r="0" g="0" b="0"/>
+        </a:effectRef>
+        <a:fontRef idx="minor">
+          <a:schemeClr val="lt1"/>
+        </a:fontRef>
+      </dsp:style>
+      <dsp:txBody>
+        <a:bodyPr spcFirstLastPara="0" vert="horz" wrap="square" lIns="0" tIns="0" rIns="0" bIns="0" numCol="1" spcCol="1270" anchor="ctr" anchorCtr="0">
+          <a:noAutofit/>
+        </a:bodyPr>
+        <a:lstStyle/>
+        <a:p>
+          <a:pPr lvl="0" algn="ctr" defTabSz="488950">
+            <a:lnSpc>
+              <a:spcPct val="90000"/>
+            </a:lnSpc>
+            <a:spcBef>
+              <a:spcPct val="0"/>
+            </a:spcBef>
+            <a:spcAft>
+              <a:spcPct val="35000"/>
+            </a:spcAft>
+          </a:pPr>
+          <a:endParaRPr lang="fr-FR" sz="1100" kern="1200"/>
+        </a:p>
+      </dsp:txBody>
+      <dsp:txXfrm>
+        <a:off x="4893793" y="1386527"/>
+        <a:ext cx="198524" cy="272551"/>
+      </dsp:txXfrm>
+    </dsp:sp>
+    <dsp:sp modelId="{E821E3F3-5763-4FC4-AC51-C325C7F4AA2B}">
+      <dsp:nvSpPr>
+        <dsp:cNvPr id="0" name=""/>
+        <dsp:cNvSpPr/>
+      </dsp:nvSpPr>
+      <dsp:spPr>
+        <a:xfrm>
+          <a:off x="4391840" y="2252"/>
+          <a:ext cx="1202429" cy="1202429"/>
+        </a:xfrm>
+        <a:prstGeom prst="ellipse">
+          <a:avLst/>
+        </a:prstGeom>
+        <a:solidFill>
+          <a:schemeClr val="accent2">
+            <a:hueOff val="0"/>
+            <a:satOff val="0"/>
+            <a:lumOff val="0"/>
+            <a:alphaOff val="0"/>
+          </a:schemeClr>
+        </a:solidFill>
+        <a:ln>
+          <a:noFill/>
+        </a:ln>
+        <a:effectLst>
+          <a:outerShdw blurRad="38100" dist="25400" dir="2700000" algn="br" rotWithShape="0">
+            <a:srgbClr val="000000">
+              <a:alpha val="60000"/>
+            </a:srgbClr>
+          </a:outerShdw>
+        </a:effectLst>
+        <a:sp3d prstMaterial="plastic">
+          <a:bevelT w="50800" h="50800"/>
+          <a:bevelB w="50800" h="50800"/>
+        </a:sp3d>
+      </dsp:spPr>
+      <dsp:style>
+        <a:lnRef idx="0">
+          <a:scrgbClr r="0" g="0" b="0"/>
+        </a:lnRef>
+        <a:fillRef idx="1">
+          <a:scrgbClr r="0" g="0" b="0"/>
+        </a:fillRef>
+        <a:effectRef idx="2">
+          <a:scrgbClr r="0" g="0" b="0"/>
+        </a:effectRef>
+        <a:fontRef idx="minor">
+          <a:schemeClr val="lt1"/>
+        </a:fontRef>
+      </dsp:style>
+      <dsp:txBody>
+        <a:bodyPr spcFirstLastPara="0" vert="horz" wrap="square" lIns="13970" tIns="13970" rIns="13970" bIns="13970" numCol="1" spcCol="1270" anchor="ctr" anchorCtr="0">
+          <a:noAutofit/>
+        </a:bodyPr>
+        <a:lstStyle/>
+        <a:p>
+          <a:pPr lvl="0" algn="ctr" defTabSz="488950">
+            <a:lnSpc>
+              <a:spcPct val="90000"/>
+            </a:lnSpc>
+            <a:spcBef>
+              <a:spcPct val="0"/>
+            </a:spcBef>
+            <a:spcAft>
+              <a:spcPct val="35000"/>
+            </a:spcAft>
+          </a:pPr>
+          <a:r>
+            <a:rPr lang="en-US" sz="1100" kern="1200" dirty="0" smtClean="0"/>
+            <a:t>FIX</a:t>
+          </a:r>
+          <a:endParaRPr lang="fr-FR" sz="1100" kern="1200" dirty="0"/>
+        </a:p>
+      </dsp:txBody>
+      <dsp:txXfrm>
+        <a:off x="4567932" y="178344"/>
+        <a:ext cx="850245" cy="850245"/>
+      </dsp:txXfrm>
+    </dsp:sp>
+    <dsp:sp modelId="{F2437B9A-4368-4433-9B3F-BB31A8277EFF}">
+      <dsp:nvSpPr>
+        <dsp:cNvPr id="0" name=""/>
+        <dsp:cNvSpPr/>
+      </dsp:nvSpPr>
+      <dsp:spPr>
+        <a:xfrm rot="19285714">
+          <a:off x="5576434" y="1602365"/>
+          <a:ext cx="283606" cy="454251"/>
+        </a:xfrm>
+        <a:prstGeom prst="rightArrow">
+          <a:avLst>
+            <a:gd name="adj1" fmla="val 60000"/>
+            <a:gd name="adj2" fmla="val 50000"/>
           </a:avLst>
         </a:prstGeom>
         <a:solidFill>
@@ -1814,22 +2058,626 @@
           <a:schemeClr val="lt1"/>
         </a:fontRef>
       </dsp:style>
+      <dsp:txBody>
+        <a:bodyPr spcFirstLastPara="0" vert="horz" wrap="square" lIns="0" tIns="0" rIns="0" bIns="0" numCol="1" spcCol="1270" anchor="ctr" anchorCtr="0">
+          <a:noAutofit/>
+        </a:bodyPr>
+        <a:lstStyle/>
+        <a:p>
+          <a:pPr lvl="0" algn="ctr" defTabSz="488950">
+            <a:lnSpc>
+              <a:spcPct val="90000"/>
+            </a:lnSpc>
+            <a:spcBef>
+              <a:spcPct val="0"/>
+            </a:spcBef>
+            <a:spcAft>
+              <a:spcPct val="35000"/>
+            </a:spcAft>
+          </a:pPr>
+          <a:endParaRPr lang="fr-FR" sz="1100" kern="1200"/>
+        </a:p>
+      </dsp:txBody>
+      <dsp:txXfrm>
+        <a:off x="5585715" y="1719739"/>
+        <a:ext cx="198524" cy="272551"/>
+      </dsp:txXfrm>
     </dsp:sp>
-    <dsp:sp modelId="{D50932A4-C8EC-403B-9D8B-E28D673FF49D}">
+    <dsp:sp modelId="{3B9FEEF2-A32D-4A05-958D-B00BCA6DE03A}">
       <dsp:nvSpPr>
         <dsp:cNvPr id="0" name=""/>
         <dsp:cNvSpPr/>
       </dsp:nvSpPr>
       <dsp:spPr>
         <a:xfrm>
-          <a:off x="3211267" y="151991"/>
-          <a:ext cx="3853270" cy="3853270"/>
+          <a:off x="5802528" y="681604"/>
+          <a:ext cx="1202429" cy="1202429"/>
         </a:xfrm>
-        <a:prstGeom prst="blockArc">
+        <a:prstGeom prst="ellipse">
+          <a:avLst/>
+        </a:prstGeom>
+        <a:solidFill>
+          <a:schemeClr val="accent3">
+            <a:hueOff val="0"/>
+            <a:satOff val="0"/>
+            <a:lumOff val="0"/>
+            <a:alphaOff val="0"/>
+          </a:schemeClr>
+        </a:solidFill>
+        <a:ln>
+          <a:noFill/>
+        </a:ln>
+        <a:effectLst>
+          <a:outerShdw blurRad="38100" dist="25400" dir="2700000" algn="br" rotWithShape="0">
+            <a:srgbClr val="000000">
+              <a:alpha val="60000"/>
+            </a:srgbClr>
+          </a:outerShdw>
+        </a:effectLst>
+        <a:sp3d prstMaterial="plastic">
+          <a:bevelT w="50800" h="50800"/>
+          <a:bevelB w="50800" h="50800"/>
+        </a:sp3d>
+      </dsp:spPr>
+      <dsp:style>
+        <a:lnRef idx="0">
+          <a:scrgbClr r="0" g="0" b="0"/>
+        </a:lnRef>
+        <a:fillRef idx="1">
+          <a:scrgbClr r="0" g="0" b="0"/>
+        </a:fillRef>
+        <a:effectRef idx="2">
+          <a:scrgbClr r="0" g="0" b="0"/>
+        </a:effectRef>
+        <a:fontRef idx="minor">
+          <a:schemeClr val="lt1"/>
+        </a:fontRef>
+      </dsp:style>
+      <dsp:txBody>
+        <a:bodyPr spcFirstLastPara="0" vert="horz" wrap="square" lIns="13970" tIns="13970" rIns="13970" bIns="13970" numCol="1" spcCol="1270" anchor="ctr" anchorCtr="0">
+          <a:noAutofit/>
+        </a:bodyPr>
+        <a:lstStyle/>
+        <a:p>
+          <a:pPr lvl="0" algn="ctr" defTabSz="488950">
+            <a:lnSpc>
+              <a:spcPct val="90000"/>
+            </a:lnSpc>
+            <a:spcBef>
+              <a:spcPct val="0"/>
+            </a:spcBef>
+            <a:spcAft>
+              <a:spcPct val="35000"/>
+            </a:spcAft>
+          </a:pPr>
+          <a:r>
+            <a:rPr lang="en-US" sz="1100" kern="1200" dirty="0" smtClean="0"/>
+            <a:t>1999</a:t>
+          </a:r>
+          <a:endParaRPr lang="fr-FR" sz="1100" kern="1200" dirty="0"/>
+        </a:p>
+      </dsp:txBody>
+      <dsp:txXfrm>
+        <a:off x="5978620" y="857696"/>
+        <a:ext cx="850245" cy="850245"/>
+      </dsp:txXfrm>
+    </dsp:sp>
+    <dsp:sp modelId="{7D8231E1-B2EC-41C4-B2C8-CDCBD84D22EB}">
+      <dsp:nvSpPr>
+        <dsp:cNvPr id="0" name=""/>
+        <dsp:cNvSpPr/>
+      </dsp:nvSpPr>
+      <dsp:spPr>
+        <a:xfrm rot="771429">
+          <a:off x="5755539" y="2387077"/>
+          <a:ext cx="283606" cy="454251"/>
+        </a:xfrm>
+        <a:prstGeom prst="rightArrow">
           <a:avLst>
-            <a:gd name="adj1" fmla="val 10028582"/>
-            <a:gd name="adj2" fmla="val 13114270"/>
-            <a:gd name="adj3" fmla="val 3903"/>
+            <a:gd name="adj1" fmla="val 60000"/>
+            <a:gd name="adj2" fmla="val 50000"/>
+          </a:avLst>
+        </a:prstGeom>
+        <a:solidFill>
+          <a:schemeClr val="accent4">
+            <a:hueOff val="0"/>
+            <a:satOff val="0"/>
+            <a:lumOff val="0"/>
+            <a:alphaOff val="0"/>
+          </a:schemeClr>
+        </a:solidFill>
+        <a:ln w="12700" cap="flat" cmpd="sng" algn="ctr">
+          <a:solidFill>
+            <a:schemeClr val="lt1">
+              <a:hueOff val="0"/>
+              <a:satOff val="0"/>
+              <a:lumOff val="0"/>
+              <a:alphaOff val="0"/>
+            </a:schemeClr>
+          </a:solidFill>
+          <a:prstDash val="solid"/>
+        </a:ln>
+        <a:effectLst>
+          <a:outerShdw blurRad="38100" dist="25400" dir="2700000" algn="br" rotWithShape="0">
+            <a:srgbClr val="000000">
+              <a:alpha val="60000"/>
+            </a:srgbClr>
+          </a:outerShdw>
+        </a:effectLst>
+        <a:sp3d z="-25400" prstMaterial="plastic">
+          <a:bevelT w="25400" h="25400"/>
+          <a:bevelB w="25400" h="25400"/>
+        </a:sp3d>
+      </dsp:spPr>
+      <dsp:style>
+        <a:lnRef idx="1">
+          <a:scrgbClr r="0" g="0" b="0"/>
+        </a:lnRef>
+        <a:fillRef idx="1">
+          <a:scrgbClr r="0" g="0" b="0"/>
+        </a:fillRef>
+        <a:effectRef idx="2">
+          <a:scrgbClr r="0" g="0" b="0"/>
+        </a:effectRef>
+        <a:fontRef idx="minor">
+          <a:schemeClr val="lt1"/>
+        </a:fontRef>
+      </dsp:style>
+      <dsp:txBody>
+        <a:bodyPr spcFirstLastPara="0" vert="horz" wrap="square" lIns="0" tIns="0" rIns="0" bIns="0" numCol="1" spcCol="1270" anchor="ctr" anchorCtr="0">
+          <a:noAutofit/>
+        </a:bodyPr>
+        <a:lstStyle/>
+        <a:p>
+          <a:pPr lvl="0" algn="ctr" defTabSz="488950">
+            <a:lnSpc>
+              <a:spcPct val="90000"/>
+            </a:lnSpc>
+            <a:spcBef>
+              <a:spcPct val="0"/>
+            </a:spcBef>
+            <a:spcAft>
+              <a:spcPct val="35000"/>
+            </a:spcAft>
+          </a:pPr>
+          <a:endParaRPr lang="fr-FR" sz="1100" kern="1200"/>
+        </a:p>
+      </dsp:txBody>
+      <dsp:txXfrm>
+        <a:off x="5756606" y="2468461"/>
+        <a:ext cx="198524" cy="272551"/>
+      </dsp:txXfrm>
+    </dsp:sp>
+    <dsp:sp modelId="{9DF2106A-1E47-42EF-8DF2-525C144DB5F4}">
+      <dsp:nvSpPr>
+        <dsp:cNvPr id="0" name=""/>
+        <dsp:cNvSpPr/>
+      </dsp:nvSpPr>
+      <dsp:spPr>
+        <a:xfrm>
+          <a:off x="6150939" y="2208093"/>
+          <a:ext cx="1202429" cy="1202429"/>
+        </a:xfrm>
+        <a:prstGeom prst="ellipse">
+          <a:avLst/>
+        </a:prstGeom>
+        <a:solidFill>
+          <a:schemeClr val="accent4">
+            <a:hueOff val="0"/>
+            <a:satOff val="0"/>
+            <a:lumOff val="0"/>
+            <a:alphaOff val="0"/>
+          </a:schemeClr>
+        </a:solidFill>
+        <a:ln>
+          <a:noFill/>
+        </a:ln>
+        <a:effectLst>
+          <a:outerShdw blurRad="38100" dist="25400" dir="2700000" algn="br" rotWithShape="0">
+            <a:srgbClr val="000000">
+              <a:alpha val="60000"/>
+            </a:srgbClr>
+          </a:outerShdw>
+        </a:effectLst>
+        <a:sp3d prstMaterial="plastic">
+          <a:bevelT w="50800" h="50800"/>
+          <a:bevelB w="50800" h="50800"/>
+        </a:sp3d>
+      </dsp:spPr>
+      <dsp:style>
+        <a:lnRef idx="0">
+          <a:scrgbClr r="0" g="0" b="0"/>
+        </a:lnRef>
+        <a:fillRef idx="1">
+          <a:scrgbClr r="0" g="0" b="0"/>
+        </a:fillRef>
+        <a:effectRef idx="2">
+          <a:scrgbClr r="0" g="0" b="0"/>
+        </a:effectRef>
+        <a:fontRef idx="minor">
+          <a:schemeClr val="lt1"/>
+        </a:fontRef>
+      </dsp:style>
+      <dsp:txBody>
+        <a:bodyPr spcFirstLastPara="0" vert="horz" wrap="square" lIns="13970" tIns="13970" rIns="13970" bIns="13970" numCol="1" spcCol="1270" anchor="ctr" anchorCtr="0">
+          <a:noAutofit/>
+        </a:bodyPr>
+        <a:lstStyle/>
+        <a:p>
+          <a:pPr lvl="0" algn="ctr" defTabSz="488950">
+            <a:lnSpc>
+              <a:spcPct val="90000"/>
+            </a:lnSpc>
+            <a:spcBef>
+              <a:spcPct val="0"/>
+            </a:spcBef>
+            <a:spcAft>
+              <a:spcPct val="35000"/>
+            </a:spcAft>
+          </a:pPr>
+          <a:r>
+            <a:rPr lang="en-US" sz="1100" kern="1200" dirty="0" smtClean="0"/>
+            <a:t>QA, Sales, R&amp;D, Support</a:t>
+          </a:r>
+          <a:endParaRPr lang="fr-FR" sz="1100" kern="1200" dirty="0"/>
+        </a:p>
+      </dsp:txBody>
+      <dsp:txXfrm>
+        <a:off x="6327031" y="2384185"/>
+        <a:ext cx="850245" cy="850245"/>
+      </dsp:txXfrm>
+    </dsp:sp>
+    <dsp:sp modelId="{04377001-024F-4E59-A109-83BD8B3C552B}">
+      <dsp:nvSpPr>
+        <dsp:cNvPr id="0" name=""/>
+        <dsp:cNvSpPr/>
+      </dsp:nvSpPr>
+      <dsp:spPr>
+        <a:xfrm rot="3857143">
+          <a:off x="5253698" y="3016366"/>
+          <a:ext cx="283606" cy="454251"/>
+        </a:xfrm>
+        <a:prstGeom prst="rightArrow">
+          <a:avLst>
+            <a:gd name="adj1" fmla="val 60000"/>
+            <a:gd name="adj2" fmla="val 50000"/>
+          </a:avLst>
+        </a:prstGeom>
+        <a:solidFill>
+          <a:schemeClr val="accent5">
+            <a:hueOff val="0"/>
+            <a:satOff val="0"/>
+            <a:lumOff val="0"/>
+            <a:alphaOff val="0"/>
+          </a:schemeClr>
+        </a:solidFill>
+        <a:ln w="12700" cap="flat" cmpd="sng" algn="ctr">
+          <a:solidFill>
+            <a:schemeClr val="lt1">
+              <a:hueOff val="0"/>
+              <a:satOff val="0"/>
+              <a:lumOff val="0"/>
+              <a:alphaOff val="0"/>
+            </a:schemeClr>
+          </a:solidFill>
+          <a:prstDash val="solid"/>
+        </a:ln>
+        <a:effectLst>
+          <a:outerShdw blurRad="38100" dist="25400" dir="2700000" algn="br" rotWithShape="0">
+            <a:srgbClr val="000000">
+              <a:alpha val="60000"/>
+            </a:srgbClr>
+          </a:outerShdw>
+        </a:effectLst>
+        <a:sp3d z="-25400" prstMaterial="plastic">
+          <a:bevelT w="25400" h="25400"/>
+          <a:bevelB w="25400" h="25400"/>
+        </a:sp3d>
+      </dsp:spPr>
+      <dsp:style>
+        <a:lnRef idx="1">
+          <a:scrgbClr r="0" g="0" b="0"/>
+        </a:lnRef>
+        <a:fillRef idx="1">
+          <a:scrgbClr r="0" g="0" b="0"/>
+        </a:fillRef>
+        <a:effectRef idx="2">
+          <a:scrgbClr r="0" g="0" b="0"/>
+        </a:effectRef>
+        <a:fontRef idx="minor">
+          <a:schemeClr val="lt1"/>
+        </a:fontRef>
+      </dsp:style>
+      <dsp:txBody>
+        <a:bodyPr spcFirstLastPara="0" vert="horz" wrap="square" lIns="0" tIns="0" rIns="0" bIns="0" numCol="1" spcCol="1270" anchor="ctr" anchorCtr="0">
+          <a:noAutofit/>
+        </a:bodyPr>
+        <a:lstStyle/>
+        <a:p>
+          <a:pPr lvl="0" algn="ctr" defTabSz="488950">
+            <a:lnSpc>
+              <a:spcPct val="90000"/>
+            </a:lnSpc>
+            <a:spcBef>
+              <a:spcPct val="0"/>
+            </a:spcBef>
+            <a:spcAft>
+              <a:spcPct val="35000"/>
+            </a:spcAft>
+          </a:pPr>
+          <a:endParaRPr lang="fr-FR" sz="1100" kern="1200"/>
+        </a:p>
+      </dsp:txBody>
+      <dsp:txXfrm>
+        <a:off x="5277781" y="3068888"/>
+        <a:ext cx="198524" cy="272551"/>
+      </dsp:txXfrm>
+    </dsp:sp>
+    <dsp:sp modelId="{AD8D917A-D5FE-4141-985D-BD84931EDD60}">
+      <dsp:nvSpPr>
+        <dsp:cNvPr id="0" name=""/>
+        <dsp:cNvSpPr/>
+      </dsp:nvSpPr>
+      <dsp:spPr>
+        <a:xfrm>
+          <a:off x="5174713" y="3432242"/>
+          <a:ext cx="1202429" cy="1202429"/>
+        </a:xfrm>
+        <a:prstGeom prst="ellipse">
+          <a:avLst/>
+        </a:prstGeom>
+        <a:solidFill>
+          <a:schemeClr val="accent5">
+            <a:hueOff val="0"/>
+            <a:satOff val="0"/>
+            <a:lumOff val="0"/>
+            <a:alphaOff val="0"/>
+          </a:schemeClr>
+        </a:solidFill>
+        <a:ln>
+          <a:noFill/>
+        </a:ln>
+        <a:effectLst>
+          <a:outerShdw blurRad="38100" dist="25400" dir="2700000" algn="br" rotWithShape="0">
+            <a:srgbClr val="000000">
+              <a:alpha val="60000"/>
+            </a:srgbClr>
+          </a:outerShdw>
+        </a:effectLst>
+        <a:sp3d prstMaterial="plastic">
+          <a:bevelT w="50800" h="50800"/>
+          <a:bevelB w="50800" h="50800"/>
+        </a:sp3d>
+      </dsp:spPr>
+      <dsp:style>
+        <a:lnRef idx="0">
+          <a:scrgbClr r="0" g="0" b="0"/>
+        </a:lnRef>
+        <a:fillRef idx="1">
+          <a:scrgbClr r="0" g="0" b="0"/>
+        </a:fillRef>
+        <a:effectRef idx="2">
+          <a:scrgbClr r="0" g="0" b="0"/>
+        </a:effectRef>
+        <a:fontRef idx="minor">
+          <a:schemeClr val="lt1"/>
+        </a:fontRef>
+      </dsp:style>
+      <dsp:txBody>
+        <a:bodyPr spcFirstLastPara="0" vert="horz" wrap="square" lIns="13970" tIns="13970" rIns="13970" bIns="13970" numCol="1" spcCol="1270" anchor="ctr" anchorCtr="0">
+          <a:noAutofit/>
+        </a:bodyPr>
+        <a:lstStyle/>
+        <a:p>
+          <a:pPr lvl="0" algn="ctr" defTabSz="488950">
+            <a:lnSpc>
+              <a:spcPct val="90000"/>
+            </a:lnSpc>
+            <a:spcBef>
+              <a:spcPct val="0"/>
+            </a:spcBef>
+            <a:spcAft>
+              <a:spcPct val="35000"/>
+            </a:spcAft>
+          </a:pPr>
+          <a:r>
+            <a:rPr lang="en-US" sz="1100" kern="1200" dirty="0" smtClean="0"/>
+            <a:t>Trading Electronic</a:t>
+          </a:r>
+          <a:endParaRPr lang="fr-FR" sz="1100" kern="1200" dirty="0"/>
+        </a:p>
+      </dsp:txBody>
+      <dsp:txXfrm>
+        <a:off x="5350805" y="3608334"/>
+        <a:ext cx="850245" cy="850245"/>
+      </dsp:txXfrm>
+    </dsp:sp>
+    <dsp:sp modelId="{54E50320-BCE7-4460-932B-A08AAEF71E5E}">
+      <dsp:nvSpPr>
+        <dsp:cNvPr id="0" name=""/>
+        <dsp:cNvSpPr/>
+      </dsp:nvSpPr>
+      <dsp:spPr>
+        <a:xfrm rot="6942857">
+          <a:off x="4448806" y="3016366"/>
+          <a:ext cx="283606" cy="454251"/>
+        </a:xfrm>
+        <a:prstGeom prst="rightArrow">
+          <a:avLst>
+            <a:gd name="adj1" fmla="val 60000"/>
+            <a:gd name="adj2" fmla="val 50000"/>
+          </a:avLst>
+        </a:prstGeom>
+        <a:solidFill>
+          <a:schemeClr val="accent6">
+            <a:hueOff val="0"/>
+            <a:satOff val="0"/>
+            <a:lumOff val="0"/>
+            <a:alphaOff val="0"/>
+          </a:schemeClr>
+        </a:solidFill>
+        <a:ln w="12700" cap="flat" cmpd="sng" algn="ctr">
+          <a:solidFill>
+            <a:schemeClr val="lt1">
+              <a:hueOff val="0"/>
+              <a:satOff val="0"/>
+              <a:lumOff val="0"/>
+              <a:alphaOff val="0"/>
+            </a:schemeClr>
+          </a:solidFill>
+          <a:prstDash val="solid"/>
+        </a:ln>
+        <a:effectLst>
+          <a:outerShdw blurRad="38100" dist="25400" dir="2700000" algn="br" rotWithShape="0">
+            <a:srgbClr val="000000">
+              <a:alpha val="60000"/>
+            </a:srgbClr>
+          </a:outerShdw>
+        </a:effectLst>
+        <a:sp3d z="-25400" prstMaterial="plastic">
+          <a:bevelT w="25400" h="25400"/>
+          <a:bevelB w="25400" h="25400"/>
+        </a:sp3d>
+      </dsp:spPr>
+      <dsp:style>
+        <a:lnRef idx="1">
+          <a:scrgbClr r="0" g="0" b="0"/>
+        </a:lnRef>
+        <a:fillRef idx="1">
+          <a:scrgbClr r="0" g="0" b="0"/>
+        </a:fillRef>
+        <a:effectRef idx="2">
+          <a:scrgbClr r="0" g="0" b="0"/>
+        </a:effectRef>
+        <a:fontRef idx="minor">
+          <a:schemeClr val="lt1"/>
+        </a:fontRef>
+      </dsp:style>
+      <dsp:txBody>
+        <a:bodyPr spcFirstLastPara="0" vert="horz" wrap="square" lIns="0" tIns="0" rIns="0" bIns="0" numCol="1" spcCol="1270" anchor="ctr" anchorCtr="0">
+          <a:noAutofit/>
+        </a:bodyPr>
+        <a:lstStyle/>
+        <a:p>
+          <a:pPr lvl="0" algn="ctr" defTabSz="488950">
+            <a:lnSpc>
+              <a:spcPct val="90000"/>
+            </a:lnSpc>
+            <a:spcBef>
+              <a:spcPct val="0"/>
+            </a:spcBef>
+            <a:spcAft>
+              <a:spcPct val="35000"/>
+            </a:spcAft>
+          </a:pPr>
+          <a:endParaRPr lang="fr-FR" sz="1100" kern="1200"/>
+        </a:p>
+      </dsp:txBody>
+      <dsp:txXfrm rot="10800000">
+        <a:off x="4509805" y="3068888"/>
+        <a:ext cx="198524" cy="272551"/>
+      </dsp:txXfrm>
+    </dsp:sp>
+    <dsp:sp modelId="{20ED2904-2EA6-4163-9D0C-4B653D2F5C75}">
+      <dsp:nvSpPr>
+        <dsp:cNvPr id="0" name=""/>
+        <dsp:cNvSpPr/>
+      </dsp:nvSpPr>
+      <dsp:spPr>
+        <a:xfrm>
+          <a:off x="3608968" y="3432242"/>
+          <a:ext cx="1202429" cy="1202429"/>
+        </a:xfrm>
+        <a:prstGeom prst="ellipse">
+          <a:avLst/>
+        </a:prstGeom>
+        <a:solidFill>
+          <a:schemeClr val="accent6">
+            <a:hueOff val="0"/>
+            <a:satOff val="0"/>
+            <a:lumOff val="0"/>
+            <a:alphaOff val="0"/>
+          </a:schemeClr>
+        </a:solidFill>
+        <a:ln>
+          <a:noFill/>
+        </a:ln>
+        <a:effectLst>
+          <a:outerShdw blurRad="38100" dist="25400" dir="2700000" algn="br" rotWithShape="0">
+            <a:srgbClr val="000000">
+              <a:alpha val="60000"/>
+            </a:srgbClr>
+          </a:outerShdw>
+        </a:effectLst>
+        <a:sp3d prstMaterial="plastic">
+          <a:bevelT w="50800" h="50800"/>
+          <a:bevelB w="50800" h="50800"/>
+        </a:sp3d>
+      </dsp:spPr>
+      <dsp:style>
+        <a:lnRef idx="0">
+          <a:scrgbClr r="0" g="0" b="0"/>
+        </a:lnRef>
+        <a:fillRef idx="1">
+          <a:scrgbClr r="0" g="0" b="0"/>
+        </a:fillRef>
+        <a:effectRef idx="2">
+          <a:scrgbClr r="0" g="0" b="0"/>
+        </a:effectRef>
+        <a:fontRef idx="minor">
+          <a:schemeClr val="lt1"/>
+        </a:fontRef>
+      </dsp:style>
+      <dsp:txBody>
+        <a:bodyPr spcFirstLastPara="0" vert="horz" wrap="square" lIns="13970" tIns="13970" rIns="13970" bIns="13970" numCol="1" spcCol="1270" anchor="ctr" anchorCtr="0">
+          <a:noAutofit/>
+        </a:bodyPr>
+        <a:lstStyle/>
+        <a:p>
+          <a:pPr lvl="0" algn="ctr" defTabSz="488950">
+            <a:lnSpc>
+              <a:spcPct val="90000"/>
+            </a:lnSpc>
+            <a:spcBef>
+              <a:spcPct val="0"/>
+            </a:spcBef>
+            <a:spcAft>
+              <a:spcPct val="35000"/>
+            </a:spcAft>
+          </a:pPr>
+          <a:r>
+            <a:rPr lang="en-US" sz="1100" kern="1200" dirty="0" smtClean="0"/>
+            <a:t>Tokyo, </a:t>
+          </a:r>
+          <a:r>
+            <a:rPr lang="en-US" sz="1100" kern="1200" dirty="0" err="1" smtClean="0"/>
+            <a:t>Londres</a:t>
+          </a:r>
+          <a:r>
+            <a:rPr lang="en-US" sz="1100" kern="1200" dirty="0" smtClean="0"/>
+            <a:t>, New York …</a:t>
+          </a:r>
+        </a:p>
+      </dsp:txBody>
+      <dsp:txXfrm>
+        <a:off x="3785060" y="3608334"/>
+        <a:ext cx="850245" cy="850245"/>
+      </dsp:txXfrm>
+    </dsp:sp>
+    <dsp:sp modelId="{6D693851-EB78-4785-90D3-7F7181FD137D}">
+      <dsp:nvSpPr>
+        <dsp:cNvPr id="0" name=""/>
+        <dsp:cNvSpPr/>
+      </dsp:nvSpPr>
+      <dsp:spPr>
+        <a:xfrm rot="10028571">
+          <a:off x="3946964" y="2387077"/>
+          <a:ext cx="283606" cy="454251"/>
+        </a:xfrm>
+        <a:prstGeom prst="rightArrow">
+          <a:avLst>
+            <a:gd name="adj1" fmla="val 60000"/>
+            <a:gd name="adj2" fmla="val 50000"/>
           </a:avLst>
         </a:prstGeom>
         <a:solidFill>
@@ -1877,42 +2725,54 @@
           <a:schemeClr val="lt1"/>
         </a:fontRef>
       </dsp:style>
+      <dsp:txBody>
+        <a:bodyPr spcFirstLastPara="0" vert="horz" wrap="square" lIns="0" tIns="0" rIns="0" bIns="0" numCol="1" spcCol="1270" anchor="ctr" anchorCtr="0">
+          <a:noAutofit/>
+        </a:bodyPr>
+        <a:lstStyle/>
+        <a:p>
+          <a:pPr lvl="0" algn="ctr" defTabSz="488950">
+            <a:lnSpc>
+              <a:spcPct val="90000"/>
+            </a:lnSpc>
+            <a:spcBef>
+              <a:spcPct val="0"/>
+            </a:spcBef>
+            <a:spcAft>
+              <a:spcPct val="35000"/>
+            </a:spcAft>
+          </a:pPr>
+          <a:endParaRPr lang="fr-FR" sz="1100" kern="1200"/>
+        </a:p>
+      </dsp:txBody>
+      <dsp:txXfrm rot="10800000">
+        <a:off x="4030979" y="2468461"/>
+        <a:ext cx="198524" cy="272551"/>
+      </dsp:txXfrm>
     </dsp:sp>
-    <dsp:sp modelId="{84D96FE1-1D33-4554-A016-6B45E6FAAB3D}">
+    <dsp:sp modelId="{CDDDFE99-EAAF-4DDE-8735-4413360A6691}">
       <dsp:nvSpPr>
         <dsp:cNvPr id="0" name=""/>
         <dsp:cNvSpPr/>
       </dsp:nvSpPr>
       <dsp:spPr>
         <a:xfrm>
-          <a:off x="3211264" y="151980"/>
-          <a:ext cx="3853270" cy="3853270"/>
+          <a:off x="2632741" y="2208093"/>
+          <a:ext cx="1202429" cy="1202429"/>
         </a:xfrm>
-        <a:prstGeom prst="blockArc">
-          <a:avLst>
-            <a:gd name="adj1" fmla="val 6942855"/>
-            <a:gd name="adj2" fmla="val 10028561"/>
-            <a:gd name="adj3" fmla="val 3903"/>
-          </a:avLst>
+        <a:prstGeom prst="ellipse">
+          <a:avLst/>
         </a:prstGeom>
         <a:solidFill>
-          <a:schemeClr val="accent6">
+          <a:schemeClr val="accent2">
             <a:hueOff val="0"/>
             <a:satOff val="0"/>
             <a:lumOff val="0"/>
             <a:alphaOff val="0"/>
           </a:schemeClr>
         </a:solidFill>
-        <a:ln w="12700" cap="flat" cmpd="sng" algn="ctr">
-          <a:solidFill>
-            <a:schemeClr val="lt1">
-              <a:hueOff val="0"/>
-              <a:satOff val="0"/>
-              <a:lumOff val="0"/>
-              <a:alphaOff val="0"/>
-            </a:schemeClr>
-          </a:solidFill>
-          <a:prstDash val="solid"/>
+        <a:ln>
+          <a:noFill/>
         </a:ln>
         <a:effectLst>
           <a:outerShdw blurRad="38100" dist="25400" dir="2700000" algn="br" rotWithShape="0">
@@ -1921,13 +2781,13 @@
             </a:srgbClr>
           </a:outerShdw>
         </a:effectLst>
-        <a:sp3d z="-25400" prstMaterial="plastic">
-          <a:bevelT w="25400" h="25400"/>
-          <a:bevelB w="25400" h="25400"/>
+        <a:sp3d prstMaterial="plastic">
+          <a:bevelT w="50800" h="50800"/>
+          <a:bevelB w="50800" h="50800"/>
         </a:sp3d>
       </dsp:spPr>
       <dsp:style>
-        <a:lnRef idx="1">
+        <a:lnRef idx="0">
           <a:scrgbClr r="0" g="0" b="0"/>
         </a:lnRef>
         <a:fillRef idx="1">
@@ -1940,148 +2800,48 @@
           <a:schemeClr val="lt1"/>
         </a:fontRef>
       </dsp:style>
+      <dsp:txBody>
+        <a:bodyPr spcFirstLastPara="0" vert="horz" wrap="square" lIns="13970" tIns="13970" rIns="13970" bIns="13970" numCol="1" spcCol="1270" anchor="ctr" anchorCtr="0">
+          <a:noAutofit/>
+        </a:bodyPr>
+        <a:lstStyle/>
+        <a:p>
+          <a:pPr lvl="0" algn="ctr" defTabSz="488950">
+            <a:lnSpc>
+              <a:spcPct val="90000"/>
+            </a:lnSpc>
+            <a:spcBef>
+              <a:spcPct val="0"/>
+            </a:spcBef>
+            <a:spcAft>
+              <a:spcPct val="35000"/>
+            </a:spcAft>
+          </a:pPr>
+          <a:r>
+            <a:rPr lang="en-US" sz="1100" kern="1200" dirty="0" smtClean="0"/>
+            <a:t>Aix-en-Provence</a:t>
+          </a:r>
+        </a:p>
+      </dsp:txBody>
+      <dsp:txXfrm>
+        <a:off x="2808833" y="2384185"/>
+        <a:ext cx="850245" cy="850245"/>
+      </dsp:txXfrm>
     </dsp:sp>
-    <dsp:sp modelId="{55E58892-BFF9-4F98-9C2B-B0DC2563EBFF}">
+    <dsp:sp modelId="{88CF6D67-1A22-4208-8448-47536E8D9983}">
       <dsp:nvSpPr>
         <dsp:cNvPr id="0" name=""/>
         <dsp:cNvSpPr/>
       </dsp:nvSpPr>
       <dsp:spPr>
-        <a:xfrm>
-          <a:off x="3211259" y="151977"/>
-          <a:ext cx="3853270" cy="3853270"/>
+        <a:xfrm rot="13114286">
+          <a:off x="4126069" y="1602365"/>
+          <a:ext cx="283606" cy="454251"/>
         </a:xfrm>
-        <a:prstGeom prst="blockArc">
+        <a:prstGeom prst="rightArrow">
           <a:avLst>
-            <a:gd name="adj1" fmla="val 3857154"/>
-            <a:gd name="adj2" fmla="val 6942845"/>
-            <a:gd name="adj3" fmla="val 3903"/>
-          </a:avLst>
-        </a:prstGeom>
-        <a:solidFill>
-          <a:schemeClr val="accent5">
-            <a:hueOff val="0"/>
-            <a:satOff val="0"/>
-            <a:lumOff val="0"/>
-            <a:alphaOff val="0"/>
-          </a:schemeClr>
-        </a:solidFill>
-        <a:ln w="12700" cap="flat" cmpd="sng" algn="ctr">
-          <a:solidFill>
-            <a:schemeClr val="lt1">
-              <a:hueOff val="0"/>
-              <a:satOff val="0"/>
-              <a:lumOff val="0"/>
-              <a:alphaOff val="0"/>
-            </a:schemeClr>
-          </a:solidFill>
-          <a:prstDash val="solid"/>
-        </a:ln>
-        <a:effectLst>
-          <a:outerShdw blurRad="38100" dist="25400" dir="2700000" algn="br" rotWithShape="0">
-            <a:srgbClr val="000000">
-              <a:alpha val="60000"/>
-            </a:srgbClr>
-          </a:outerShdw>
-        </a:effectLst>
-        <a:sp3d z="-25400" prstMaterial="plastic">
-          <a:bevelT w="25400" h="25400"/>
-          <a:bevelB w="25400" h="25400"/>
-        </a:sp3d>
-      </dsp:spPr>
-      <dsp:style>
-        <a:lnRef idx="1">
-          <a:scrgbClr r="0" g="0" b="0"/>
-        </a:lnRef>
-        <a:fillRef idx="1">
-          <a:scrgbClr r="0" g="0" b="0"/>
-        </a:fillRef>
-        <a:effectRef idx="2">
-          <a:scrgbClr r="0" g="0" b="0"/>
-        </a:effectRef>
-        <a:fontRef idx="minor">
-          <a:schemeClr val="lt1"/>
-        </a:fontRef>
-      </dsp:style>
-    </dsp:sp>
-    <dsp:sp modelId="{1981A64E-2673-482F-B428-EA5C0012E512}">
-      <dsp:nvSpPr>
-        <dsp:cNvPr id="0" name=""/>
-        <dsp:cNvSpPr/>
-      </dsp:nvSpPr>
-      <dsp:spPr>
-        <a:xfrm>
-          <a:off x="3211264" y="151975"/>
-          <a:ext cx="3853270" cy="3853270"/>
-        </a:xfrm>
-        <a:prstGeom prst="blockArc">
-          <a:avLst>
-            <a:gd name="adj1" fmla="val 771453"/>
-            <a:gd name="adj2" fmla="val 3857164"/>
-            <a:gd name="adj3" fmla="val 3903"/>
-          </a:avLst>
-        </a:prstGeom>
-        <a:solidFill>
-          <a:schemeClr val="accent4">
-            <a:hueOff val="0"/>
-            <a:satOff val="0"/>
-            <a:lumOff val="0"/>
-            <a:alphaOff val="0"/>
-          </a:schemeClr>
-        </a:solidFill>
-        <a:ln w="12700" cap="flat" cmpd="sng" algn="ctr">
-          <a:solidFill>
-            <a:schemeClr val="lt1">
-              <a:hueOff val="0"/>
-              <a:satOff val="0"/>
-              <a:lumOff val="0"/>
-              <a:alphaOff val="0"/>
-            </a:schemeClr>
-          </a:solidFill>
-          <a:prstDash val="solid"/>
-        </a:ln>
-        <a:effectLst>
-          <a:outerShdw blurRad="38100" dist="25400" dir="2700000" algn="br" rotWithShape="0">
-            <a:srgbClr val="000000">
-              <a:alpha val="60000"/>
-            </a:srgbClr>
-          </a:outerShdw>
-        </a:effectLst>
-        <a:sp3d z="-25400" prstMaterial="plastic">
-          <a:bevelT w="25400" h="25400"/>
-          <a:bevelB w="25400" h="25400"/>
-        </a:sp3d>
-      </dsp:spPr>
-      <dsp:style>
-        <a:lnRef idx="1">
-          <a:scrgbClr r="0" g="0" b="0"/>
-        </a:lnRef>
-        <a:fillRef idx="1">
-          <a:scrgbClr r="0" g="0" b="0"/>
-        </a:fillRef>
-        <a:effectRef idx="2">
-          <a:scrgbClr r="0" g="0" b="0"/>
-        </a:effectRef>
-        <a:fontRef idx="minor">
-          <a:schemeClr val="lt1"/>
-        </a:fontRef>
-      </dsp:style>
-    </dsp:sp>
-    <dsp:sp modelId="{4B446243-0424-48A8-9A76-5EC8D96111A3}">
-      <dsp:nvSpPr>
-        <dsp:cNvPr id="0" name=""/>
-        <dsp:cNvSpPr/>
-      </dsp:nvSpPr>
-      <dsp:spPr>
-        <a:xfrm>
-          <a:off x="3211256" y="152009"/>
-          <a:ext cx="3853270" cy="3853270"/>
-        </a:xfrm>
-        <a:prstGeom prst="blockArc">
-          <a:avLst>
-            <a:gd name="adj1" fmla="val 19285693"/>
-            <a:gd name="adj2" fmla="val 771389"/>
-            <a:gd name="adj3" fmla="val 3903"/>
+            <a:gd name="adj1" fmla="val 60000"/>
+            <a:gd name="adj2" fmla="val 50000"/>
           </a:avLst>
         </a:prstGeom>
         <a:solidFill>
@@ -2129,125 +2889,13 @@
           <a:schemeClr val="lt1"/>
         </a:fontRef>
       </dsp:style>
-    </dsp:sp>
-    <dsp:sp modelId="{10E6D506-D0A1-491B-89C1-7748857CA9B1}">
-      <dsp:nvSpPr>
-        <dsp:cNvPr id="0" name=""/>
-        <dsp:cNvSpPr/>
-      </dsp:nvSpPr>
-      <dsp:spPr>
-        <a:xfrm>
-          <a:off x="3520496" y="452781"/>
-          <a:ext cx="3853270" cy="3865986"/>
-        </a:xfrm>
-        <a:prstGeom prst="blockArc">
-          <a:avLst>
-            <a:gd name="adj1" fmla="val 15634686"/>
-            <a:gd name="adj2" fmla="val 18490760"/>
-            <a:gd name="adj3" fmla="val 3903"/>
-          </a:avLst>
-        </a:prstGeom>
-        <a:solidFill>
-          <a:schemeClr val="accent2">
-            <a:hueOff val="0"/>
-            <a:satOff val="0"/>
-            <a:lumOff val="0"/>
-            <a:alphaOff val="0"/>
-          </a:schemeClr>
-        </a:solidFill>
-        <a:ln w="12700" cap="flat" cmpd="sng" algn="ctr">
-          <a:solidFill>
-            <a:schemeClr val="lt1">
-              <a:hueOff val="0"/>
-              <a:satOff val="0"/>
-              <a:lumOff val="0"/>
-              <a:alphaOff val="0"/>
-            </a:schemeClr>
-          </a:solidFill>
-          <a:prstDash val="solid"/>
-        </a:ln>
-        <a:effectLst>
-          <a:outerShdw blurRad="38100" dist="25400" dir="2700000" algn="br" rotWithShape="0">
-            <a:srgbClr val="000000">
-              <a:alpha val="60000"/>
-            </a:srgbClr>
-          </a:outerShdw>
-        </a:effectLst>
-        <a:sp3d z="-25400" prstMaterial="plastic">
-          <a:bevelT w="25400" h="25400"/>
-          <a:bevelB w="25400" h="25400"/>
-        </a:sp3d>
-      </dsp:spPr>
-      <dsp:style>
-        <a:lnRef idx="1">
-          <a:scrgbClr r="0" g="0" b="0"/>
-        </a:lnRef>
-        <a:fillRef idx="1">
-          <a:scrgbClr r="0" g="0" b="0"/>
-        </a:fillRef>
-        <a:effectRef idx="2">
-          <a:scrgbClr r="0" g="0" b="0"/>
-        </a:effectRef>
-        <a:fontRef idx="minor">
-          <a:schemeClr val="lt1"/>
-        </a:fontRef>
-      </dsp:style>
-    </dsp:sp>
-    <dsp:sp modelId="{97E5D75D-EF13-425E-8346-78FE0EEA4153}">
-      <dsp:nvSpPr>
-        <dsp:cNvPr id="0" name=""/>
-        <dsp:cNvSpPr/>
-      </dsp:nvSpPr>
-      <dsp:spPr>
-        <a:xfrm>
-          <a:off x="4777908" y="1718623"/>
-          <a:ext cx="719996" cy="719996"/>
-        </a:xfrm>
-        <a:prstGeom prst="ellipse">
-          <a:avLst/>
-        </a:prstGeom>
-        <a:blipFill rotWithShape="0">
-          <a:blip xmlns:r="http://schemas.openxmlformats.org/officeDocument/2006/relationships" r:embed="rId1"/>
-          <a:stretch>
-            <a:fillRect/>
-          </a:stretch>
-        </a:blipFill>
-        <a:ln>
-          <a:noFill/>
-        </a:ln>
-        <a:effectLst>
-          <a:outerShdw blurRad="38100" dist="25400" dir="2700000" algn="br" rotWithShape="0">
-            <a:srgbClr val="000000">
-              <a:alpha val="60000"/>
-            </a:srgbClr>
-          </a:outerShdw>
-        </a:effectLst>
-        <a:sp3d prstMaterial="plastic">
-          <a:bevelT w="50800" h="50800"/>
-          <a:bevelB w="50800" h="50800"/>
-        </a:sp3d>
-      </dsp:spPr>
-      <dsp:style>
-        <a:lnRef idx="0">
-          <a:scrgbClr r="0" g="0" b="0"/>
-        </a:lnRef>
-        <a:fillRef idx="1">
-          <a:scrgbClr r="0" g="0" b="0"/>
-        </a:fillRef>
-        <a:effectRef idx="2">
-          <a:scrgbClr r="0" g="0" b="0"/>
-        </a:effectRef>
-        <a:fontRef idx="minor">
-          <a:schemeClr val="lt1"/>
-        </a:fontRef>
-      </dsp:style>
       <dsp:txBody>
-        <a:bodyPr spcFirstLastPara="0" vert="horz" wrap="square" lIns="17780" tIns="17780" rIns="17780" bIns="17780" numCol="1" spcCol="1270" anchor="ctr" anchorCtr="0">
+        <a:bodyPr spcFirstLastPara="0" vert="horz" wrap="square" lIns="0" tIns="0" rIns="0" bIns="0" numCol="1" spcCol="1270" anchor="ctr" anchorCtr="0">
           <a:noAutofit/>
         </a:bodyPr>
         <a:lstStyle/>
         <a:p>
-          <a:pPr lvl="0" algn="ctr" defTabSz="622300">
+          <a:pPr lvl="0" algn="ctr" defTabSz="488950">
             <a:lnSpc>
               <a:spcPct val="90000"/>
             </a:lnSpc>
@@ -2258,102 +2906,23 @@
               <a:spcPct val="35000"/>
             </a:spcAft>
           </a:pPr>
-          <a:endParaRPr lang="fr-FR" sz="1400" b="1" kern="1200" dirty="0"/>
+          <a:endParaRPr lang="fr-FR" sz="1100" kern="1200"/>
         </a:p>
       </dsp:txBody>
-      <dsp:txXfrm>
-        <a:off x="4883349" y="1824064"/>
-        <a:ext cx="509114" cy="509114"/>
+      <dsp:txXfrm rot="10800000">
+        <a:off x="4201870" y="1719739"/>
+        <a:ext cx="198524" cy="272551"/>
       </dsp:txXfrm>
     </dsp:sp>
-    <dsp:sp modelId="{1357EFFF-E92A-42F4-BA8B-4B0738FE1360}">
+    <dsp:sp modelId="{5AD2EE95-B3D6-4E54-9654-54B86E12C2C3}">
       <dsp:nvSpPr>
         <dsp:cNvPr id="0" name=""/>
         <dsp:cNvSpPr/>
       </dsp:nvSpPr>
       <dsp:spPr>
         <a:xfrm>
-          <a:off x="4615668" y="0"/>
-          <a:ext cx="1044445" cy="1044445"/>
-        </a:xfrm>
-        <a:prstGeom prst="ellipse">
-          <a:avLst/>
-        </a:prstGeom>
-        <a:solidFill>
-          <a:schemeClr val="accent2">
-            <a:hueOff val="0"/>
-            <a:satOff val="0"/>
-            <a:lumOff val="0"/>
-            <a:alphaOff val="0"/>
-          </a:schemeClr>
-        </a:solidFill>
-        <a:ln>
-          <a:noFill/>
-        </a:ln>
-        <a:effectLst>
-          <a:outerShdw blurRad="38100" dist="25400" dir="2700000" algn="br" rotWithShape="0">
-            <a:srgbClr val="000000">
-              <a:alpha val="60000"/>
-            </a:srgbClr>
-          </a:outerShdw>
-        </a:effectLst>
-        <a:sp3d prstMaterial="plastic">
-          <a:bevelT w="50800" h="50800"/>
-          <a:bevelB w="50800" h="50800"/>
-        </a:sp3d>
-      </dsp:spPr>
-      <dsp:style>
-        <a:lnRef idx="0">
-          <a:scrgbClr r="0" g="0" b="0"/>
-        </a:lnRef>
-        <a:fillRef idx="1">
-          <a:scrgbClr r="0" g="0" b="0"/>
-        </a:fillRef>
-        <a:effectRef idx="2">
-          <a:scrgbClr r="0" g="0" b="0"/>
-        </a:effectRef>
-        <a:fontRef idx="minor">
-          <a:schemeClr val="lt1"/>
-        </a:fontRef>
-      </dsp:style>
-      <dsp:txBody>
-        <a:bodyPr spcFirstLastPara="0" vert="horz" wrap="square" lIns="11430" tIns="11430" rIns="11430" bIns="11430" numCol="1" spcCol="1270" anchor="ctr" anchorCtr="0">
-          <a:noAutofit/>
-        </a:bodyPr>
-        <a:lstStyle/>
-        <a:p>
-          <a:pPr lvl="0" algn="ctr" defTabSz="400050">
-            <a:lnSpc>
-              <a:spcPct val="90000"/>
-            </a:lnSpc>
-            <a:spcBef>
-              <a:spcPct val="0"/>
-            </a:spcBef>
-            <a:spcAft>
-              <a:spcPct val="35000"/>
-            </a:spcAft>
-          </a:pPr>
-          <a:r>
-            <a:rPr lang="en-US" sz="900" b="1" kern="1200" dirty="0" smtClean="0"/>
-            <a:t>FIX</a:t>
-          </a:r>
-          <a:endParaRPr lang="fr-FR" sz="900" b="1" kern="1200" dirty="0"/>
-        </a:p>
-      </dsp:txBody>
-      <dsp:txXfrm>
-        <a:off x="4768623" y="152955"/>
-        <a:ext cx="738535" cy="738535"/>
-      </dsp:txXfrm>
-    </dsp:sp>
-    <dsp:sp modelId="{E84EDEA1-CE2C-4C6B-B9E5-6FB0EDE4DD94}">
-      <dsp:nvSpPr>
-        <dsp:cNvPr id="0" name=""/>
-        <dsp:cNvSpPr/>
-      </dsp:nvSpPr>
-      <dsp:spPr>
-        <a:xfrm>
-          <a:off x="6092568" y="378618"/>
-          <a:ext cx="1044445" cy="1044445"/>
+          <a:off x="2981153" y="681604"/>
+          <a:ext cx="1202429" cy="1202429"/>
         </a:xfrm>
         <a:prstGeom prst="ellipse">
           <a:avLst/>
@@ -2396,12 +2965,12 @@
         </a:fontRef>
       </dsp:style>
       <dsp:txBody>
-        <a:bodyPr spcFirstLastPara="0" vert="horz" wrap="square" lIns="11430" tIns="11430" rIns="11430" bIns="11430" numCol="1" spcCol="1270" anchor="ctr" anchorCtr="0">
+        <a:bodyPr spcFirstLastPara="0" vert="horz" wrap="square" lIns="13970" tIns="13970" rIns="13970" bIns="13970" numCol="1" spcCol="1270" anchor="ctr" anchorCtr="0">
           <a:noAutofit/>
         </a:bodyPr>
         <a:lstStyle/>
         <a:p>
-          <a:pPr lvl="0" algn="ctr" defTabSz="400050">
+          <a:pPr lvl="0" algn="ctr" defTabSz="488950">
             <a:lnSpc>
               <a:spcPct val="90000"/>
             </a:lnSpc>
@@ -2413,427 +2982,26 @@
             </a:spcAft>
           </a:pPr>
           <a:r>
-            <a:rPr lang="en-US" sz="900" b="1" kern="1200" dirty="0" smtClean="0"/>
-            <a:t>1999</a:t>
-          </a:r>
-          <a:endParaRPr lang="fr-FR" sz="900" b="1" kern="1200" dirty="0"/>
-        </a:p>
-      </dsp:txBody>
-      <dsp:txXfrm>
-        <a:off x="6245523" y="531573"/>
-        <a:ext cx="738535" cy="738535"/>
-      </dsp:txXfrm>
-    </dsp:sp>
-    <dsp:sp modelId="{BDA0A386-3182-4B09-96F2-E7F25472AA82}">
-      <dsp:nvSpPr>
-        <dsp:cNvPr id="0" name=""/>
-        <dsp:cNvSpPr/>
-      </dsp:nvSpPr>
-      <dsp:spPr>
-        <a:xfrm>
-          <a:off x="6457346" y="1976751"/>
-          <a:ext cx="1044445" cy="1044445"/>
-        </a:xfrm>
-        <a:prstGeom prst="ellipse">
-          <a:avLst/>
-        </a:prstGeom>
-        <a:solidFill>
-          <a:schemeClr val="accent4">
-            <a:hueOff val="0"/>
-            <a:satOff val="0"/>
-            <a:lumOff val="0"/>
-            <a:alphaOff val="0"/>
-          </a:schemeClr>
-        </a:solidFill>
-        <a:ln>
-          <a:noFill/>
-        </a:ln>
-        <a:effectLst>
-          <a:outerShdw blurRad="38100" dist="25400" dir="2700000" algn="br" rotWithShape="0">
-            <a:srgbClr val="000000">
-              <a:alpha val="60000"/>
-            </a:srgbClr>
-          </a:outerShdw>
-        </a:effectLst>
-        <a:sp3d prstMaterial="plastic">
-          <a:bevelT w="50800" h="50800"/>
-          <a:bevelB w="50800" h="50800"/>
-        </a:sp3d>
-      </dsp:spPr>
-      <dsp:style>
-        <a:lnRef idx="0">
-          <a:scrgbClr r="0" g="0" b="0"/>
-        </a:lnRef>
-        <a:fillRef idx="1">
-          <a:scrgbClr r="0" g="0" b="0"/>
-        </a:fillRef>
-        <a:effectRef idx="2">
-          <a:scrgbClr r="0" g="0" b="0"/>
-        </a:effectRef>
-        <a:fontRef idx="minor">
-          <a:schemeClr val="lt1"/>
-        </a:fontRef>
-      </dsp:style>
-      <dsp:txBody>
-        <a:bodyPr spcFirstLastPara="0" vert="horz" wrap="square" lIns="11430" tIns="11430" rIns="11430" bIns="11430" numCol="1" spcCol="1270" anchor="ctr" anchorCtr="0">
-          <a:noAutofit/>
-        </a:bodyPr>
-        <a:lstStyle/>
-        <a:p>
-          <a:pPr lvl="0" algn="ctr" defTabSz="400050">
-            <a:lnSpc>
-              <a:spcPct val="90000"/>
-            </a:lnSpc>
-            <a:spcBef>
-              <a:spcPct val="0"/>
-            </a:spcBef>
-            <a:spcAft>
-              <a:spcPct val="35000"/>
-            </a:spcAft>
-          </a:pPr>
-          <a:r>
-            <a:rPr lang="en-US" sz="900" b="1" kern="1200" dirty="0" smtClean="0"/>
-            <a:t>QA, Sales, R&amp;D, Support</a:t>
-          </a:r>
-          <a:endParaRPr lang="fr-FR" sz="900" b="1" kern="1200" dirty="0"/>
-        </a:p>
-      </dsp:txBody>
-      <dsp:txXfrm>
-        <a:off x="6610301" y="2129706"/>
-        <a:ext cx="738535" cy="738535"/>
-      </dsp:txXfrm>
-    </dsp:sp>
-    <dsp:sp modelId="{83318996-19E0-403F-8BB1-657DD7558259}">
-      <dsp:nvSpPr>
-        <dsp:cNvPr id="0" name=""/>
-        <dsp:cNvSpPr/>
-      </dsp:nvSpPr>
-      <dsp:spPr>
-        <a:xfrm>
-          <a:off x="5435288" y="3258354"/>
-          <a:ext cx="1044445" cy="1044445"/>
-        </a:xfrm>
-        <a:prstGeom prst="ellipse">
-          <a:avLst/>
-        </a:prstGeom>
-        <a:solidFill>
-          <a:schemeClr val="accent5">
-            <a:hueOff val="0"/>
-            <a:satOff val="0"/>
-            <a:lumOff val="0"/>
-            <a:alphaOff val="0"/>
-          </a:schemeClr>
-        </a:solidFill>
-        <a:ln>
-          <a:noFill/>
-        </a:ln>
-        <a:effectLst>
-          <a:outerShdw blurRad="38100" dist="25400" dir="2700000" algn="br" rotWithShape="0">
-            <a:srgbClr val="000000">
-              <a:alpha val="60000"/>
-            </a:srgbClr>
-          </a:outerShdw>
-        </a:effectLst>
-        <a:sp3d prstMaterial="plastic">
-          <a:bevelT w="50800" h="50800"/>
-          <a:bevelB w="50800" h="50800"/>
-        </a:sp3d>
-      </dsp:spPr>
-      <dsp:style>
-        <a:lnRef idx="0">
-          <a:scrgbClr r="0" g="0" b="0"/>
-        </a:lnRef>
-        <a:fillRef idx="1">
-          <a:scrgbClr r="0" g="0" b="0"/>
-        </a:fillRef>
-        <a:effectRef idx="2">
-          <a:scrgbClr r="0" g="0" b="0"/>
-        </a:effectRef>
-        <a:fontRef idx="minor">
-          <a:schemeClr val="lt1"/>
-        </a:fontRef>
-      </dsp:style>
-      <dsp:txBody>
-        <a:bodyPr spcFirstLastPara="0" vert="horz" wrap="square" lIns="11430" tIns="11430" rIns="11430" bIns="11430" numCol="1" spcCol="1270" anchor="ctr" anchorCtr="0">
-          <a:noAutofit/>
-        </a:bodyPr>
-        <a:lstStyle/>
-        <a:p>
-          <a:pPr lvl="0" algn="ctr" defTabSz="400050">
-            <a:lnSpc>
-              <a:spcPct val="90000"/>
-            </a:lnSpc>
-            <a:spcBef>
-              <a:spcPct val="0"/>
-            </a:spcBef>
-            <a:spcAft>
-              <a:spcPct val="35000"/>
-            </a:spcAft>
-          </a:pPr>
-          <a:r>
-            <a:rPr lang="en-US" sz="900" b="1" kern="1200" dirty="0" smtClean="0"/>
-            <a:t>Trading Electronic</a:t>
-          </a:r>
-          <a:endParaRPr lang="fr-FR" sz="900" b="1" kern="1200" dirty="0"/>
-        </a:p>
-      </dsp:txBody>
-      <dsp:txXfrm>
-        <a:off x="5588243" y="3411309"/>
-        <a:ext cx="738535" cy="738535"/>
-      </dsp:txXfrm>
-    </dsp:sp>
-    <dsp:sp modelId="{85F60AAB-EA0C-4393-83D0-A3E122A86677}">
-      <dsp:nvSpPr>
-        <dsp:cNvPr id="0" name=""/>
-        <dsp:cNvSpPr/>
-      </dsp:nvSpPr>
-      <dsp:spPr>
-        <a:xfrm>
-          <a:off x="3796056" y="3258354"/>
-          <a:ext cx="1044445" cy="1044445"/>
-        </a:xfrm>
-        <a:prstGeom prst="ellipse">
-          <a:avLst/>
-        </a:prstGeom>
-        <a:solidFill>
-          <a:schemeClr val="accent6">
-            <a:hueOff val="0"/>
-            <a:satOff val="0"/>
-            <a:lumOff val="0"/>
-            <a:alphaOff val="0"/>
-          </a:schemeClr>
-        </a:solidFill>
-        <a:ln>
-          <a:noFill/>
-        </a:ln>
-        <a:effectLst>
-          <a:outerShdw blurRad="38100" dist="25400" dir="2700000" algn="br" rotWithShape="0">
-            <a:srgbClr val="000000">
-              <a:alpha val="60000"/>
-            </a:srgbClr>
-          </a:outerShdw>
-        </a:effectLst>
-        <a:sp3d prstMaterial="plastic">
-          <a:bevelT w="50800" h="50800"/>
-          <a:bevelB w="50800" h="50800"/>
-        </a:sp3d>
-      </dsp:spPr>
-      <dsp:style>
-        <a:lnRef idx="0">
-          <a:scrgbClr r="0" g="0" b="0"/>
-        </a:lnRef>
-        <a:fillRef idx="1">
-          <a:scrgbClr r="0" g="0" b="0"/>
-        </a:fillRef>
-        <a:effectRef idx="2">
-          <a:scrgbClr r="0" g="0" b="0"/>
-        </a:effectRef>
-        <a:fontRef idx="minor">
-          <a:schemeClr val="lt1"/>
-        </a:fontRef>
-      </dsp:style>
-      <dsp:txBody>
-        <a:bodyPr spcFirstLastPara="0" vert="horz" wrap="square" lIns="11430" tIns="11430" rIns="11430" bIns="11430" numCol="1" spcCol="1270" anchor="ctr" anchorCtr="0">
-          <a:noAutofit/>
-        </a:bodyPr>
-        <a:lstStyle/>
-        <a:p>
-          <a:pPr lvl="0" algn="ctr" defTabSz="400050">
-            <a:lnSpc>
-              <a:spcPct val="90000"/>
-            </a:lnSpc>
-            <a:spcBef>
-              <a:spcPct val="0"/>
-            </a:spcBef>
-            <a:spcAft>
-              <a:spcPct val="35000"/>
-            </a:spcAft>
-          </a:pPr>
-          <a:r>
-            <a:rPr lang="en-US" sz="900" b="1" kern="1200" dirty="0" smtClean="0"/>
-            <a:t>Tokyo, </a:t>
-          </a:r>
-          <a:r>
-            <a:rPr lang="en-US" sz="900" b="1" kern="1200" dirty="0" err="1" smtClean="0"/>
-            <a:t>Londres</a:t>
-          </a:r>
-          <a:r>
-            <a:rPr lang="en-US" sz="900" b="1" kern="1200" dirty="0" smtClean="0"/>
-            <a:t>, New York …</a:t>
-          </a:r>
-        </a:p>
-      </dsp:txBody>
-      <dsp:txXfrm>
-        <a:off x="3949011" y="3411309"/>
-        <a:ext cx="738535" cy="738535"/>
-      </dsp:txXfrm>
-    </dsp:sp>
-    <dsp:sp modelId="{659E39AC-5E9E-46B5-B103-E3489043B2DA}">
-      <dsp:nvSpPr>
-        <dsp:cNvPr id="0" name=""/>
-        <dsp:cNvSpPr/>
-      </dsp:nvSpPr>
-      <dsp:spPr>
-        <a:xfrm>
-          <a:off x="2774005" y="1976747"/>
-          <a:ext cx="1044445" cy="1044445"/>
-        </a:xfrm>
-        <a:prstGeom prst="ellipse">
-          <a:avLst/>
-        </a:prstGeom>
-        <a:solidFill>
-          <a:schemeClr val="accent2">
-            <a:hueOff val="0"/>
-            <a:satOff val="0"/>
-            <a:lumOff val="0"/>
-            <a:alphaOff val="0"/>
-          </a:schemeClr>
-        </a:solidFill>
-        <a:ln>
-          <a:noFill/>
-        </a:ln>
-        <a:effectLst>
-          <a:outerShdw blurRad="38100" dist="25400" dir="2700000" algn="br" rotWithShape="0">
-            <a:srgbClr val="000000">
-              <a:alpha val="60000"/>
-            </a:srgbClr>
-          </a:outerShdw>
-        </a:effectLst>
-        <a:sp3d prstMaterial="plastic">
-          <a:bevelT w="50800" h="50800"/>
-          <a:bevelB w="50800" h="50800"/>
-        </a:sp3d>
-      </dsp:spPr>
-      <dsp:style>
-        <a:lnRef idx="0">
-          <a:scrgbClr r="0" g="0" b="0"/>
-        </a:lnRef>
-        <a:fillRef idx="1">
-          <a:scrgbClr r="0" g="0" b="0"/>
-        </a:fillRef>
-        <a:effectRef idx="2">
-          <a:scrgbClr r="0" g="0" b="0"/>
-        </a:effectRef>
-        <a:fontRef idx="minor">
-          <a:schemeClr val="lt1"/>
-        </a:fontRef>
-      </dsp:style>
-      <dsp:txBody>
-        <a:bodyPr spcFirstLastPara="0" vert="horz" wrap="square" lIns="11430" tIns="11430" rIns="11430" bIns="11430" numCol="1" spcCol="1270" anchor="ctr" anchorCtr="0">
-          <a:noAutofit/>
-        </a:bodyPr>
-        <a:lstStyle/>
-        <a:p>
-          <a:pPr lvl="0" algn="ctr" defTabSz="400050">
-            <a:lnSpc>
-              <a:spcPct val="90000"/>
-            </a:lnSpc>
-            <a:spcBef>
-              <a:spcPct val="0"/>
-            </a:spcBef>
-            <a:spcAft>
-              <a:spcPct val="35000"/>
-            </a:spcAft>
-          </a:pPr>
-          <a:r>
-            <a:rPr lang="en-US" sz="900" b="1" kern="1200" dirty="0" smtClean="0"/>
-            <a:t>Aix-en-Provence</a:t>
-          </a:r>
-        </a:p>
-      </dsp:txBody>
-      <dsp:txXfrm>
-        <a:off x="2926960" y="2129702"/>
-        <a:ext cx="738535" cy="738535"/>
-      </dsp:txXfrm>
-    </dsp:sp>
-    <dsp:sp modelId="{076CE837-9740-4D78-BEF6-A4CC072E21BE}">
-      <dsp:nvSpPr>
-        <dsp:cNvPr id="0" name=""/>
-        <dsp:cNvSpPr/>
-      </dsp:nvSpPr>
-      <dsp:spPr>
-        <a:xfrm>
-          <a:off x="3138767" y="378616"/>
-          <a:ext cx="1044445" cy="1044445"/>
-        </a:xfrm>
-        <a:prstGeom prst="ellipse">
-          <a:avLst/>
-        </a:prstGeom>
-        <a:solidFill>
-          <a:schemeClr val="accent3">
-            <a:hueOff val="0"/>
-            <a:satOff val="0"/>
-            <a:lumOff val="0"/>
-            <a:alphaOff val="0"/>
-          </a:schemeClr>
-        </a:solidFill>
-        <a:ln>
-          <a:noFill/>
-        </a:ln>
-        <a:effectLst>
-          <a:outerShdw blurRad="38100" dist="25400" dir="2700000" algn="br" rotWithShape="0">
-            <a:srgbClr val="000000">
-              <a:alpha val="60000"/>
-            </a:srgbClr>
-          </a:outerShdw>
-        </a:effectLst>
-        <a:sp3d prstMaterial="plastic">
-          <a:bevelT w="50800" h="50800"/>
-          <a:bevelB w="50800" h="50800"/>
-        </a:sp3d>
-      </dsp:spPr>
-      <dsp:style>
-        <a:lnRef idx="0">
-          <a:scrgbClr r="0" g="0" b="0"/>
-        </a:lnRef>
-        <a:fillRef idx="1">
-          <a:scrgbClr r="0" g="0" b="0"/>
-        </a:fillRef>
-        <a:effectRef idx="2">
-          <a:scrgbClr r="0" g="0" b="0"/>
-        </a:effectRef>
-        <a:fontRef idx="minor">
-          <a:schemeClr val="lt1"/>
-        </a:fontRef>
-      </dsp:style>
-      <dsp:txBody>
-        <a:bodyPr spcFirstLastPara="0" vert="horz" wrap="square" lIns="11430" tIns="11430" rIns="11430" bIns="11430" numCol="1" spcCol="1270" anchor="ctr" anchorCtr="0">
-          <a:noAutofit/>
-        </a:bodyPr>
-        <a:lstStyle/>
-        <a:p>
-          <a:pPr lvl="0" algn="ctr" defTabSz="400050">
-            <a:lnSpc>
-              <a:spcPct val="90000"/>
-            </a:lnSpc>
-            <a:spcBef>
-              <a:spcPct val="0"/>
-            </a:spcBef>
-            <a:spcAft>
-              <a:spcPct val="35000"/>
-            </a:spcAft>
-          </a:pPr>
-          <a:r>
-            <a:rPr lang="en-US" sz="900" b="1" kern="1200" dirty="0" err="1" smtClean="0"/>
+            <a:rPr lang="en-US" sz="1100" kern="1200" dirty="0" err="1" smtClean="0"/>
             <a:t>smartCC</a:t>
           </a:r>
           <a:r>
-            <a:rPr lang="en-US" sz="900" b="1" kern="1200" dirty="0" smtClean="0"/>
+            <a:rPr lang="en-US" sz="1100" kern="1200" dirty="0" smtClean="0"/>
             <a:t>, OMS, </a:t>
           </a:r>
           <a:r>
-            <a:rPr lang="en-US" sz="900" b="1" kern="1200" dirty="0" err="1" smtClean="0"/>
+            <a:rPr lang="en-US" sz="1100" kern="1200" dirty="0" err="1" smtClean="0"/>
             <a:t>TradingWeb</a:t>
           </a:r>
           <a:r>
-            <a:rPr lang="en-US" sz="900" b="1" kern="1200" dirty="0" smtClean="0"/>
+            <a:rPr lang="en-US" sz="1100" kern="1200" dirty="0" smtClean="0"/>
             <a:t>…</a:t>
           </a:r>
         </a:p>
       </dsp:txBody>
       <dsp:txXfrm>
-        <a:off x="3291722" y="531571"/>
-        <a:ext cx="738535" cy="738535"/>
+        <a:off x="3157245" y="857696"/>
+        <a:ext cx="850245" cy="850245"/>
       </dsp:txXfrm>
     </dsp:sp>
   </dsp:spTree>
@@ -2841,12 +3009,12 @@
 </file>
 
 <file path=ppt/diagrams/layout1.xml><?xml version="1.0" encoding="utf-8"?>
-<dgm:layoutDef xmlns:dgm="http://schemas.openxmlformats.org/drawingml/2006/diagram" xmlns:a="http://schemas.openxmlformats.org/drawingml/2006/main" uniqueId="urn:microsoft.com/office/officeart/2005/8/layout/radial6">
+<dgm:layoutDef xmlns:dgm="http://schemas.openxmlformats.org/drawingml/2006/diagram" xmlns:a="http://schemas.openxmlformats.org/drawingml/2006/main" uniqueId="urn:microsoft.com/office/officeart/2005/8/layout/radial5">
   <dgm:title val=""/>
   <dgm:desc val=""/>
   <dgm:catLst>
-    <dgm:cat type="cycle" pri="9000"/>
-    <dgm:cat type="relationship" pri="21000"/>
+    <dgm:cat type="relationship" pri="23000"/>
+    <dgm:cat type="cycle" pri="11000"/>
   </dgm:catLst>
   <dgm:sampData>
     <dgm:dataModel>
@@ -2932,126 +3100,70 @@
     </dgm:varLst>
     <dgm:choose name="Name1">
       <dgm:if name="Name2" func="var" arg="dir" op="equ" val="norm">
-        <dgm:choose name="Name3">
-          <dgm:if name="Name4" axis="ch ch" ptType="node node" st="1 1" cnt="1 0" func="cnt" op="lte" val="1">
-            <dgm:alg type="cycle">
-              <dgm:param type="stAng" val="90"/>
-              <dgm:param type="spanAng" val="360"/>
-              <dgm:param type="ctrShpMap" val="fNode"/>
-            </dgm:alg>
-          </dgm:if>
-          <dgm:else name="Name5">
-            <dgm:alg type="cycle">
-              <dgm:param type="stAng" val="0"/>
-              <dgm:param type="spanAng" val="360"/>
-              <dgm:param type="ctrShpMap" val="fNode"/>
-            </dgm:alg>
-          </dgm:else>
-        </dgm:choose>
+        <dgm:alg type="cycle">
+          <dgm:param type="stAng" val="0"/>
+          <dgm:param type="spanAng" val="360"/>
+          <dgm:param type="ctrShpMap" val="fNode"/>
+        </dgm:alg>
       </dgm:if>
-      <dgm:else name="Name6">
-        <dgm:choose name="Name7">
-          <dgm:if name="Name8" axis="ch ch" ptType="node node" st="1 1" cnt="1 0" func="cnt" op="lte" val="1">
-            <dgm:alg type="cycle">
-              <dgm:param type="stAng" val="-90"/>
-              <dgm:param type="spanAng" val="360"/>
-              <dgm:param type="ctrShpMap" val="fNode"/>
-            </dgm:alg>
-          </dgm:if>
-          <dgm:else name="Name9">
-            <dgm:alg type="cycle">
-              <dgm:param type="stAng" val="0"/>
-              <dgm:param type="spanAng" val="-360"/>
-              <dgm:param type="ctrShpMap" val="fNode"/>
-            </dgm:alg>
-          </dgm:else>
-        </dgm:choose>
+      <dgm:else name="Name3">
+        <dgm:alg type="cycle">
+          <dgm:param type="stAng" val="0"/>
+          <dgm:param type="spanAng" val="-360"/>
+          <dgm:param type="ctrShpMap" val="fNode"/>
+        </dgm:alg>
       </dgm:else>
     </dgm:choose>
     <dgm:shape xmlns:r="http://schemas.openxmlformats.org/officeDocument/2006/relationships" r:blip="">
       <dgm:adjLst/>
     </dgm:shape>
     <dgm:presOf/>
-    <dgm:choose name="Name10">
-      <dgm:if name="Name11" func="var" arg="dir" op="equ" val="norm">
-        <dgm:choose name="Name12">
-          <dgm:if name="Name13" axis="ch ch" ptType="node node" st="1 1" cnt="1 0" func="cnt" op="equ" val="1">
-            <dgm:constrLst>
-              <dgm:constr type="diam" val="170"/>
-              <dgm:constr type="w" for="ch" forName="centerShape" refType="w"/>
-              <dgm:constr type="w" for="ch" forName="oneComp" refType="w" refFor="ch" refForName="centerShape" op="equ" fact="0.7"/>
-              <dgm:constr type="sp" refType="w" refFor="ch" refForName="oneComp" fact="0.3"/>
-              <dgm:constr type="sibSp" refType="w" refFor="ch" refForName="oneComp" fact="0.3"/>
-              <dgm:constr type="primFontSz" for="ch" forName="centerShape" val="65"/>
-              <dgm:constr type="primFontSz" for="des" forName="oneNode" refType="primFontSz" refFor="ch" refForName="centerShape" fact="0.95"/>
-              <dgm:constr type="primFontSz" for="des" forName="oneNode" refType="primFontSz" refFor="ch" refForName="centerShape" op="lte" fact="0.95"/>
-              <dgm:constr type="diam" for="ch" forName="singleconn" refType="diam" op="equ" fact="-1"/>
-              <dgm:constr type="h" for="ch" forName="singleconn" refType="w" refFor="ch" refForName="oneComp" fact="0.24"/>
-              <dgm:constr type="w" for="ch" forName="dummya" refType="w" refFor="ch" refForName="oneComp" op="equ"/>
-              <dgm:constr type="w" for="ch" forName="dummyb" refType="w" refFor="ch" refForName="oneComp" op="equ"/>
-              <dgm:constr type="w" for="ch" forName="dummyc" refType="w" refFor="ch" refForName="oneComp" op="equ"/>
-            </dgm:constrLst>
-          </dgm:if>
-          <dgm:else name="Name14">
-            <dgm:constrLst>
-              <dgm:constr type="diam" val="170"/>
-              <dgm:constr type="w" for="ch" forName="centerShape" refType="w"/>
-              <dgm:constr type="w" for="ch" forName="node" refType="w" refFor="ch" refForName="centerShape" op="equ" fact="0.7"/>
-              <dgm:constr type="sp" refType="w" refFor="ch" refForName="node" fact="0.3"/>
-              <dgm:constr type="sibSp" refType="w" refFor="ch" refForName="node" fact="0.3"/>
-              <dgm:constr type="primFontSz" for="ch" forName="centerShape" val="65"/>
-              <dgm:constr type="primFontSz" for="des" forName="node" refType="primFontSz" refFor="ch" refForName="centerShape" fact="0.78"/>
-              <dgm:constr type="primFontSz" for="ch" forName="node" refType="primFontSz" refFor="ch" refForName="centerShape" op="lte" fact="0.95"/>
-              <dgm:constr type="diam" for="ch" forName="sibTrans" refType="diam" op="equ"/>
-              <dgm:constr type="h" for="ch" forName="sibTrans" refType="w" refFor="ch" refForName="node" fact="0.24"/>
-              <dgm:constr type="w" for="ch" forName="dummy" val="1"/>
-            </dgm:constrLst>
-          </dgm:else>
-        </dgm:choose>
+    <dgm:constrLst>
+      <dgm:constr type="w" for="ch" forName="centerShape" refType="w"/>
+      <dgm:constr type="w" for="ch" forName="parTrans" refType="w" refFor="ch" refForName="centerShape" fact="0.4"/>
+      <dgm:constr type="w" for="ch" forName="node" refType="w" refFor="ch" refForName="centerShape" op="equ" fact="1.25"/>
+      <dgm:constr type="sp" refType="w" refFor="ch" refForName="centerShape" op="equ" fact="0.4"/>
+      <dgm:constr type="sibSp" refType="w" refFor="ch" refForName="node" fact="0.3"/>
+      <dgm:constr type="primFontSz" for="ch" forName="centerShape" val="65"/>
+      <dgm:constr type="primFontSz" for="des" forName="node" op="equ" val="65"/>
+      <dgm:constr type="primFontSz" for="des" forName="node" refType="primFontSz" refFor="ch" refForName="centerShape" op="lte"/>
+      <dgm:constr type="primFontSz" for="des" forName="connectorText" op="equ" val="55"/>
+      <dgm:constr type="primFontSz" for="des" forName="connectorText" refType="primFontSz" refFor="ch" refForName="centerShape" op="lte" fact="0.8"/>
+      <dgm:constr type="primFontSz" for="des" forName="connectorText" refType="primFontSz" refFor="des" refForName="node" op="lte"/>
+    </dgm:constrLst>
+    <dgm:choose name="Name4">
+      <dgm:if name="Name5" axis="ch ch" ptType="node node" st="1 1" cnt="1 0" func="cnt" op="lte" val="6">
+        <dgm:ruleLst>
+          <dgm:rule type="w" for="ch" forName="node" val="NaN" fact="1" max="NaN"/>
+        </dgm:ruleLst>
       </dgm:if>
-      <dgm:else name="Name15">
-        <dgm:choose name="Name16">
-          <dgm:if name="Name17" axis="ch ch" ptType="node node" st="1 1" cnt="1 0" func="cnt" op="equ" val="1">
-            <dgm:constrLst>
-              <dgm:constr type="diam" val="170"/>
-              <dgm:constr type="w" for="ch" forName="centerShape" refType="w"/>
-              <dgm:constr type="w" for="ch" forName="oneComp" refType="w" refFor="ch" refForName="centerShape" op="equ" fact="0.7"/>
-              <dgm:constr type="sp" refType="w" refFor="ch" refForName="oneComp" fact="0.3"/>
-              <dgm:constr type="sibSp" refType="w" refFor="ch" refForName="oneComp" fact="0.3"/>
-              <dgm:constr type="primFontSz" for="ch" forName="centerShape" val="65"/>
-              <dgm:constr type="primFontSz" for="des" forName="oneNode" refType="primFontSz" refFor="ch" refForName="centerShape" fact="0.95"/>
-              <dgm:constr type="primFontSz" for="ch" forName="oneNode" refType="primFontSz" refFor="ch" refForName="centerShape" op="lte" fact="0.95"/>
-              <dgm:constr type="diam" for="ch" forName="singleconn" refType="diam"/>
-              <dgm:constr type="h" for="ch" forName="singleconn" refType="w" refFor="ch" refForName="oneComp" fact="0.24"/>
-              <dgm:constr type="diam" for="ch" refType="diam" op="equ"/>
-              <dgm:constr type="w" for="ch" forName="dummya" refType="w" refFor="ch" refForName="oneComp" op="equ"/>
-              <dgm:constr type="w" for="ch" forName="dummyb" refType="w" refFor="ch" refForName="oneComp" op="equ"/>
-              <dgm:constr type="w" for="ch" forName="dummyc" refType="w" refFor="ch" refForName="oneComp" op="equ"/>
-            </dgm:constrLst>
-          </dgm:if>
-          <dgm:else name="Name18">
-            <dgm:constrLst>
-              <dgm:constr type="diam" val="170"/>
-              <dgm:constr type="w" for="ch" forName="centerShape" refType="w"/>
-              <dgm:constr type="w" for="ch" forName="node" refType="w" refFor="ch" refForName="centerShape" op="equ" fact="0.7"/>
-              <dgm:constr type="sp" refType="w" refFor="ch" refForName="node" fact="0.3"/>
-              <dgm:constr type="sibSp" refType="w" refFor="ch" refForName="node" fact="0.3"/>
-              <dgm:constr type="primFontSz" for="ch" forName="centerShape" val="65"/>
-              <dgm:constr type="primFontSz" for="des" forName="node" refType="primFontSz" refFor="ch" refForName="centerShape" fact="0.78"/>
-              <dgm:constr type="primFontSz" for="ch" forName="node" refType="primFontSz" refFor="ch" refForName="centerShape" op="lte" fact="0.95"/>
-              <dgm:constr type="diam" for="ch" ptType="sibTrans" refType="diam" fact="-1"/>
-              <dgm:constr type="h" for="ch" forName="sibTrans" refType="w" refFor="ch" refForName="node" fact="0.24"/>
-              <dgm:constr type="diam" for="ch" refType="diam" op="equ" fact="-1"/>
-              <dgm:constr type="w" for="ch" forName="dummy" val="1"/>
-            </dgm:constrLst>
-          </dgm:else>
-        </dgm:choose>
+      <dgm:if name="Name6" axis="ch ch" ptType="node node" st="1 1" cnt="1 0" func="cnt" op="lte" val="8">
+        <dgm:ruleLst>
+          <dgm:rule type="w" for="ch" forName="node" val="NaN" fact="0.9" max="NaN"/>
+        </dgm:ruleLst>
+      </dgm:if>
+      <dgm:if name="Name7" axis="ch ch" ptType="node node" st="1 1" cnt="1 0" func="cnt" op="lte" val="10">
+        <dgm:ruleLst>
+          <dgm:rule type="w" for="ch" forName="node" val="NaN" fact="0.8" max="NaN"/>
+        </dgm:ruleLst>
+      </dgm:if>
+      <dgm:if name="Name8" axis="ch ch" ptType="node node" st="1 1" cnt="1 0" func="cnt" op="lte" val="12">
+        <dgm:ruleLst>
+          <dgm:rule type="w" for="ch" forName="node" val="NaN" fact="0.7" max="NaN"/>
+        </dgm:ruleLst>
+      </dgm:if>
+      <dgm:if name="Name9" axis="ch ch" ptType="node node" st="1 1" cnt="1 0" func="cnt" op="lte" val="14">
+        <dgm:ruleLst>
+          <dgm:rule type="w" for="ch" forName="node" val="NaN" fact="0.6" max="NaN"/>
+        </dgm:ruleLst>
+      </dgm:if>
+      <dgm:else name="Name10">
+        <dgm:ruleLst>
+          <dgm:rule type="w" for="ch" forName="node" val="NaN" fact="0.5" max="NaN"/>
+        </dgm:ruleLst>
       </dgm:else>
     </dgm:choose>
-    <dgm:ruleLst>
-      <dgm:rule type="diam" val="INF" fact="NaN" max="NaN"/>
-    </dgm:ruleLst>
-    <dgm:forEach name="Name19" axis="ch" ptType="node" cnt="1">
+    <dgm:forEach name="Name11" axis="ch" ptType="node" cnt="1">
       <dgm:layoutNode name="centerShape" styleLbl="node0">
         <dgm:alg type="tx"/>
         <dgm:shape xmlns:r="http://schemas.openxmlformats.org/officeDocument/2006/relationships" type="ellipse" r:blip="">
@@ -3069,177 +3181,65 @@
           <dgm:rule type="primFontSz" val="5" fact="NaN" max="NaN"/>
         </dgm:ruleLst>
       </dgm:layoutNode>
-      <dgm:forEach name="Name20" axis="ch">
-        <dgm:forEach name="Name21" axis="self" ptType="node">
-          <dgm:choose name="Name22">
-            <dgm:if name="Name23" axis="par ch" ptType="node node" func="cnt" op="gt" val="1">
-              <dgm:layoutNode name="node" styleLbl="node1">
-                <dgm:varLst>
-                  <dgm:bulletEnabled val="1"/>
-                </dgm:varLst>
-                <dgm:alg type="tx">
-                  <dgm:param type="txAnchorVertCh" val="mid"/>
-                </dgm:alg>
-                <dgm:shape xmlns:r="http://schemas.openxmlformats.org/officeDocument/2006/relationships" type="ellipse" r:blip="">
-                  <dgm:adjLst/>
-                </dgm:shape>
-                <dgm:presOf axis="desOrSelf" ptType="node"/>
-                <dgm:constrLst>
-                  <dgm:constr type="h" refType="w"/>
-                  <dgm:constr type="tMarg" refType="primFontSz" fact="0.1"/>
-                  <dgm:constr type="bMarg" refType="primFontSz" fact="0.1"/>
-                  <dgm:constr type="lMarg" refType="primFontSz" fact="0.1"/>
-                  <dgm:constr type="rMarg" refType="primFontSz" fact="0.1"/>
-                </dgm:constrLst>
-                <dgm:ruleLst>
-                  <dgm:rule type="primFontSz" val="5" fact="NaN" max="NaN"/>
-                </dgm:ruleLst>
-              </dgm:layoutNode>
-              <dgm:layoutNode name="dummy">
-                <dgm:alg type="sp"/>
-                <dgm:shape xmlns:r="http://schemas.openxmlformats.org/officeDocument/2006/relationships" r:blip="">
-                  <dgm:adjLst/>
-                </dgm:shape>
-                <dgm:presOf/>
-                <dgm:constrLst>
-                  <dgm:constr type="h" refType="w"/>
-                </dgm:constrLst>
-                <dgm:ruleLst/>
-              </dgm:layoutNode>
-              <dgm:forEach name="sibTransForEach" axis="followSib" ptType="sibTrans" hideLastTrans="0" cnt="1">
-                <dgm:layoutNode name="sibTrans" styleLbl="sibTrans2D1">
-                  <dgm:alg type="conn">
-                    <dgm:param type="connRout" val="curve"/>
-                    <dgm:param type="begPts" val="ctr"/>
-                    <dgm:param type="endPts" val="ctr"/>
-                    <dgm:param type="begSty" val="noArr"/>
-                    <dgm:param type="endSty" val="noArr"/>
-                    <dgm:param type="dstNode" val="node"/>
-                  </dgm:alg>
-                  <dgm:shape xmlns:r="http://schemas.openxmlformats.org/officeDocument/2006/relationships" type="conn" r:blip="" zOrderOff="-999">
-                    <dgm:adjLst/>
-                  </dgm:shape>
-                  <dgm:presOf axis="self"/>
-                  <dgm:constrLst>
-                    <dgm:constr type="begPad"/>
-                    <dgm:constr type="endPad"/>
-                  </dgm:constrLst>
-                  <dgm:ruleLst/>
-                </dgm:layoutNode>
-              </dgm:forEach>
-            </dgm:if>
-            <dgm:if name="Name24" axis="par ch" ptType="node node" func="cnt" op="equ" val="1">
-              <dgm:layoutNode name="oneComp">
-                <dgm:alg type="composite">
-                  <dgm:param type="ar" val="1"/>
-                </dgm:alg>
-                <dgm:shape xmlns:r="http://schemas.openxmlformats.org/officeDocument/2006/relationships" r:blip="">
-                  <dgm:adjLst/>
-                </dgm:shape>
-                <dgm:presOf/>
-                <dgm:constrLst>
-                  <dgm:constr type="h" refType="w"/>
-                  <dgm:constr type="l" for="ch" forName="dummyConnPt" refType="w" fact="0.5"/>
-                  <dgm:constr type="t" for="ch" forName="dummyConnPt" refType="w" fact="0.5"/>
-                  <dgm:constr type="l" for="ch" forName="oneNode"/>
-                  <dgm:constr type="t" for="ch" forName="oneNode"/>
-                  <dgm:constr type="h" for="ch" forName="oneNode" refType="h"/>
-                  <dgm:constr type="w" for="ch" forName="oneNode" refType="w"/>
-                </dgm:constrLst>
-                <dgm:ruleLst/>
-                <dgm:layoutNode name="dummyConnPt" styleLbl="node1">
-                  <dgm:alg type="sp"/>
-                  <dgm:shape xmlns:r="http://schemas.openxmlformats.org/officeDocument/2006/relationships" r:blip="">
-                    <dgm:adjLst/>
-                  </dgm:shape>
-                  <dgm:presOf/>
-                  <dgm:constrLst>
-                    <dgm:constr type="w" val="1"/>
-                    <dgm:constr type="h" val="1"/>
-                  </dgm:constrLst>
-                  <dgm:ruleLst/>
-                </dgm:layoutNode>
-                <dgm:layoutNode name="oneNode" styleLbl="node1">
-                  <dgm:varLst>
-                    <dgm:bulletEnabled val="1"/>
-                  </dgm:varLst>
-                  <dgm:alg type="tx">
-                    <dgm:param type="txAnchorVertCh" val="mid"/>
-                  </dgm:alg>
-                  <dgm:shape xmlns:r="http://schemas.openxmlformats.org/officeDocument/2006/relationships" type="ellipse" r:blip="">
-                    <dgm:adjLst/>
-                  </dgm:shape>
-                  <dgm:presOf axis="desOrSelf" ptType="node"/>
-                  <dgm:constrLst>
-                    <dgm:constr type="h" refType="w"/>
-                    <dgm:constr type="tMarg" refType="primFontSz" fact="0.1"/>
-                    <dgm:constr type="bMarg" refType="primFontSz" fact="0.1"/>
-                    <dgm:constr type="lMarg" refType="primFontSz" fact="0.1"/>
-                    <dgm:constr type="rMarg" refType="primFontSz" fact="0.1"/>
-                  </dgm:constrLst>
-                  <dgm:ruleLst>
-                    <dgm:rule type="primFontSz" val="5" fact="NaN" max="NaN"/>
-                  </dgm:ruleLst>
-                </dgm:layoutNode>
-              </dgm:layoutNode>
-              <dgm:layoutNode name="dummya">
-                <dgm:alg type="sp"/>
-                <dgm:shape xmlns:r="http://schemas.openxmlformats.org/officeDocument/2006/relationships" r:blip="">
-                  <dgm:adjLst/>
-                </dgm:shape>
-                <dgm:presOf/>
-                <dgm:constrLst>
-                  <dgm:constr type="h" refType="w"/>
-                </dgm:constrLst>
-                <dgm:ruleLst/>
-              </dgm:layoutNode>
-              <dgm:layoutNode name="dummyb">
-                <dgm:alg type="sp"/>
-                <dgm:shape xmlns:r="http://schemas.openxmlformats.org/officeDocument/2006/relationships" r:blip="">
-                  <dgm:adjLst/>
-                </dgm:shape>
-                <dgm:presOf/>
-                <dgm:constrLst>
-                  <dgm:constr type="h" refType="w"/>
-                </dgm:constrLst>
-                <dgm:ruleLst/>
-              </dgm:layoutNode>
-              <dgm:layoutNode name="dummyc">
-                <dgm:alg type="sp"/>
-                <dgm:shape xmlns:r="http://schemas.openxmlformats.org/officeDocument/2006/relationships" r:blip="">
-                  <dgm:adjLst/>
-                </dgm:shape>
-                <dgm:presOf/>
-                <dgm:constrLst>
-                  <dgm:constr type="h" refType="w"/>
-                </dgm:constrLst>
-                <dgm:ruleLst/>
-              </dgm:layoutNode>
-              <dgm:forEach name="sibTransForEach1" axis="followSib" ptType="sibTrans" hideLastTrans="0" cnt="1">
-                <dgm:layoutNode name="singleconn" styleLbl="sibTrans2D1">
-                  <dgm:alg type="conn">
-                    <dgm:param type="connRout" val="longCurve"/>
-                    <dgm:param type="begPts" val="bCtr"/>
-                    <dgm:param type="endPts" val="tCtr"/>
-                    <dgm:param type="begSty" val="noArr"/>
-                    <dgm:param type="endSty" val="noArr"/>
-                    <dgm:param type="srcNode" val="dummyConnPt"/>
-                    <dgm:param type="dstNode" val="dummyConnPt"/>
-                  </dgm:alg>
-                  <dgm:shape xmlns:r="http://schemas.openxmlformats.org/officeDocument/2006/relationships" type="conn" r:blip="" zOrderOff="-999">
-                    <dgm:adjLst/>
-                  </dgm:shape>
-                  <dgm:presOf axis="self"/>
-                  <dgm:constrLst>
-                    <dgm:constr type="begPad"/>
-                    <dgm:constr type="endPad"/>
-                  </dgm:constrLst>
-                  <dgm:ruleLst/>
-                </dgm:layoutNode>
-              </dgm:forEach>
-            </dgm:if>
-            <dgm:else name="Name25"/>
-          </dgm:choose>
+      <dgm:forEach name="Name12" axis="ch">
+        <dgm:forEach name="Name13" axis="self" ptType="parTrans">
+          <dgm:layoutNode name="parTrans" styleLbl="sibTrans2D1">
+            <dgm:alg type="conn">
+              <dgm:param type="begPts" val="auto"/>
+              <dgm:param type="endPts" val="auto"/>
+            </dgm:alg>
+            <dgm:shape xmlns:r="http://schemas.openxmlformats.org/officeDocument/2006/relationships" type="conn" r:blip="">
+              <dgm:adjLst/>
+            </dgm:shape>
+            <dgm:presOf axis="self"/>
+            <dgm:constrLst>
+              <dgm:constr type="h" refType="w" fact="0.85"/>
+            </dgm:constrLst>
+            <dgm:ruleLst/>
+            <dgm:layoutNode name="connectorText">
+              <dgm:alg type="tx">
+                <dgm:param type="autoTxRot" val="grav"/>
+              </dgm:alg>
+              <dgm:shape xmlns:r="http://schemas.openxmlformats.org/officeDocument/2006/relationships" type="conn" r:blip="" hideGeom="1">
+                <dgm:adjLst/>
+              </dgm:shape>
+              <dgm:presOf axis="self"/>
+              <dgm:constrLst>
+                <dgm:constr type="lMarg"/>
+                <dgm:constr type="rMarg"/>
+                <dgm:constr type="tMarg"/>
+                <dgm:constr type="bMarg"/>
+              </dgm:constrLst>
+              <dgm:ruleLst>
+                <dgm:rule type="primFontSz" val="5" fact="NaN" max="NaN"/>
+              </dgm:ruleLst>
+            </dgm:layoutNode>
+          </dgm:layoutNode>
+        </dgm:forEach>
+        <dgm:forEach name="Name14" axis="self" ptType="node">
+          <dgm:layoutNode name="node" styleLbl="node1">
+            <dgm:varLst>
+              <dgm:bulletEnabled val="1"/>
+            </dgm:varLst>
+            <dgm:alg type="tx">
+              <dgm:param type="txAnchorVertCh" val="mid"/>
+            </dgm:alg>
+            <dgm:shape xmlns:r="http://schemas.openxmlformats.org/officeDocument/2006/relationships" type="ellipse" r:blip="">
+              <dgm:adjLst/>
+            </dgm:shape>
+            <dgm:presOf axis="desOrSelf" ptType="node"/>
+            <dgm:constrLst>
+              <dgm:constr type="h" refType="w"/>
+              <dgm:constr type="tMarg" refType="primFontSz" fact="0.1"/>
+              <dgm:constr type="bMarg" refType="primFontSz" fact="0.1"/>
+              <dgm:constr type="lMarg" refType="primFontSz" fact="0.1"/>
+              <dgm:constr type="rMarg" refType="primFontSz" fact="0.1"/>
+            </dgm:constrLst>
+            <dgm:ruleLst>
+              <dgm:rule type="w" val="INF" fact="NaN" max="NaN"/>
+              <dgm:rule type="primFontSz" val="5" fact="NaN" max="NaN"/>
+            </dgm:ruleLst>
+          </dgm:layoutNode>
         </dgm:forEach>
       </dgm:forEach>
     </dgm:forEach>
@@ -9196,13 +9196,13 @@
         </p:nvSpPr>
         <p:spPr>
           <a:xfrm>
-            <a:off x="1097280" y="2254296"/>
-            <a:ext cx="6538933" cy="3432252"/>
+            <a:off x="1230630" y="2254296"/>
+            <a:ext cx="6538933" cy="3550805"/>
           </a:xfrm>
         </p:spPr>
         <p:txBody>
           <a:bodyPr>
-            <a:normAutofit fontScale="62500" lnSpcReduction="20000"/>
+            <a:normAutofit fontScale="55000" lnSpcReduction="20000"/>
           </a:bodyPr>
           <a:lstStyle/>
           <a:p>
@@ -9211,7 +9211,7 @@
               <a:buChar char="Ø"/>
             </a:pPr>
             <a:r>
-              <a:rPr lang="fr-FR" dirty="0" smtClean="0"/>
+              <a:rPr lang="fr-FR" sz="2500" b="1" dirty="0" smtClean="0"/>
               <a:t>Business Intelligence</a:t>
             </a:r>
           </a:p>
@@ -9219,7 +9219,7 @@
             <a:pPr marL="0" lvl="0" indent="0">
               <a:buNone/>
             </a:pPr>
-            <a:endParaRPr lang="fr-FR" dirty="0" smtClean="0"/>
+            <a:endParaRPr lang="fr-FR" sz="2500" b="1" dirty="0" smtClean="0"/>
           </a:p>
           <a:p>
             <a:pPr lvl="0">
@@ -9227,17 +9227,17 @@
               <a:buChar char="Ø"/>
             </a:pPr>
             <a:r>
-              <a:rPr lang="fr-FR" dirty="0" smtClean="0"/>
+              <a:rPr lang="fr-FR" sz="2500" b="1" dirty="0" smtClean="0"/>
               <a:t> ETL</a:t>
             </a:r>
-            <a:endParaRPr lang="fr-FR" dirty="0"/>
+            <a:endParaRPr lang="fr-FR" sz="2500" b="1" dirty="0"/>
           </a:p>
           <a:p>
             <a:pPr>
               <a:buFont typeface="Wingdings" panose="05000000000000000000" pitchFamily="2" charset="2"/>
               <a:buChar char="Ø"/>
             </a:pPr>
-            <a:endParaRPr lang="fr-FR" dirty="0" smtClean="0"/>
+            <a:endParaRPr lang="fr-FR" sz="2500" b="1" dirty="0" smtClean="0"/>
           </a:p>
           <a:p>
             <a:pPr>
@@ -9245,7 +9245,7 @@
               <a:buChar char="Ø"/>
             </a:pPr>
             <a:r>
-              <a:rPr lang="fr-FR" dirty="0" smtClean="0"/>
+              <a:rPr lang="fr-FR" sz="2500" b="1" dirty="0" smtClean="0"/>
               <a:t>Entrepôt de données</a:t>
             </a:r>
           </a:p>
@@ -9254,7 +9254,7 @@
               <a:buFont typeface="Wingdings" panose="05000000000000000000" pitchFamily="2" charset="2"/>
               <a:buChar char="Ø"/>
             </a:pPr>
-            <a:endParaRPr lang="fr-FR" dirty="0" smtClean="0"/>
+            <a:endParaRPr lang="fr-FR" sz="2500" b="1" dirty="0" smtClean="0"/>
           </a:p>
           <a:p>
             <a:pPr lvl="0">
@@ -9262,17 +9262,17 @@
               <a:buChar char="Ø"/>
             </a:pPr>
             <a:r>
-              <a:rPr lang="fr-FR" dirty="0" smtClean="0"/>
+              <a:rPr lang="fr-FR" sz="2500" b="1" dirty="0" smtClean="0"/>
               <a:t> OLAP (ROLAP, MOLAP, HOLAP)</a:t>
             </a:r>
-            <a:endParaRPr lang="fr-FR" dirty="0"/>
+            <a:endParaRPr lang="fr-FR" sz="2500" b="1" dirty="0"/>
           </a:p>
           <a:p>
             <a:pPr>
               <a:buFont typeface="Wingdings" panose="05000000000000000000" pitchFamily="2" charset="2"/>
               <a:buChar char="Ø"/>
             </a:pPr>
-            <a:endParaRPr lang="fr-FR" dirty="0" smtClean="0"/>
+            <a:endParaRPr lang="fr-FR" sz="2500" b="1" dirty="0" smtClean="0"/>
           </a:p>
           <a:p>
             <a:pPr lvl="0">
@@ -9280,7 +9280,7 @@
               <a:buChar char="Ø"/>
             </a:pPr>
             <a:r>
-              <a:rPr lang="fr-FR" dirty="0" smtClean="0"/>
+              <a:rPr lang="fr-FR" sz="2500" b="1" dirty="0" smtClean="0"/>
               <a:t> Mondrian</a:t>
             </a:r>
           </a:p>
@@ -9289,7 +9289,7 @@
               <a:buFont typeface="Wingdings" panose="05000000000000000000" pitchFamily="2" charset="2"/>
               <a:buChar char="Ø"/>
             </a:pPr>
-            <a:endParaRPr lang="fr-FR" dirty="0"/>
+            <a:endParaRPr lang="fr-FR" sz="2500" b="1" dirty="0"/>
           </a:p>
           <a:p>
             <a:pPr>
@@ -9297,10 +9297,10 @@
               <a:buChar char="Ø"/>
             </a:pPr>
             <a:r>
-              <a:rPr lang="fr-FR" dirty="0" smtClean="0"/>
+              <a:rPr lang="fr-FR" sz="2500" b="1" dirty="0" smtClean="0"/>
               <a:t> SmartCC</a:t>
             </a:r>
-            <a:endParaRPr lang="fr-FR" dirty="0"/>
+            <a:endParaRPr lang="fr-FR" sz="2500" b="1" dirty="0"/>
           </a:p>
           <a:p>
             <a:pPr marL="0" lvl="0" indent="0">
@@ -9513,7 +9513,7 @@
         </p:nvSpPr>
         <p:spPr>
           <a:xfrm>
-            <a:off x="1097280" y="2254296"/>
+            <a:off x="1240155" y="2244771"/>
             <a:ext cx="6538933" cy="3432252"/>
           </a:xfrm>
         </p:spPr>
@@ -9521,33 +9521,78 @@
           <a:bodyPr/>
           <a:lstStyle/>
           <a:p>
+            <a:pPr>
+              <a:buFont typeface="Wingdings" panose="05000000000000000000" pitchFamily="2" charset="2"/>
+              <a:buChar char="Ø"/>
+            </a:pPr>
+            <a:r>
+              <a:rPr lang="fr-FR" sz="1400" b="1" dirty="0"/>
+              <a:t> </a:t>
+            </a:r>
+            <a:r>
+              <a:rPr lang="fr-FR" sz="1400" b="1" dirty="0"/>
+              <a:t>L</a:t>
+            </a:r>
+            <a:r>
+              <a:rPr lang="fr-FR" sz="1400" b="1" dirty="0"/>
+              <a:t>a </a:t>
+            </a:r>
+            <a:r>
+              <a:rPr lang="fr-FR" sz="1400" b="1" dirty="0"/>
+              <a:t>mise en place d’un entrepôt de données avec </a:t>
+            </a:r>
+            <a:r>
+              <a:rPr lang="fr-FR" sz="1400" b="1" dirty="0" err="1"/>
+              <a:t>MySql</a:t>
+            </a:r>
+            <a:r>
+              <a:rPr lang="fr-FR" sz="1400" b="1" dirty="0"/>
+              <a:t>.</a:t>
+            </a:r>
+          </a:p>
+          <a:p>
             <a:pPr lvl="0">
               <a:buFont typeface="Wingdings" panose="05000000000000000000" pitchFamily="2" charset="2"/>
               <a:buChar char="Ø"/>
             </a:pPr>
-            <a:r>
-              <a:rPr lang="fr-FR" dirty="0" smtClean="0"/>
+            <a:endParaRPr lang="fr-FR" sz="1400" b="1" dirty="0" smtClean="0"/>
+          </a:p>
+          <a:p>
+            <a:pPr lvl="0">
+              <a:buFont typeface="Wingdings" panose="05000000000000000000" pitchFamily="2" charset="2"/>
+              <a:buChar char="Ø"/>
+            </a:pPr>
+            <a:r>
+              <a:rPr lang="fr-FR" sz="1400" b="1" dirty="0" smtClean="0"/>
               <a:t> </a:t>
             </a:r>
             <a:r>
-              <a:rPr lang="fr-FR" dirty="0"/>
+              <a:rPr lang="fr-FR" sz="1400" b="1" dirty="0"/>
               <a:t>L</a:t>
             </a:r>
             <a:r>
-              <a:rPr lang="fr-FR" dirty="0" smtClean="0"/>
+              <a:rPr lang="fr-FR" sz="1400" b="1" dirty="0" smtClean="0"/>
               <a:t>a </a:t>
             </a:r>
             <a:r>
-              <a:rPr lang="fr-FR" dirty="0"/>
-              <a:t>mise en place d’un entrepôt de données avec </a:t>
-            </a:r>
-            <a:r>
-              <a:rPr lang="fr-FR" dirty="0" err="1"/>
-              <a:t>MySql</a:t>
-            </a:r>
-            <a:r>
-              <a:rPr lang="fr-FR" dirty="0"/>
-              <a:t>.</a:t>
+              <a:rPr lang="fr-FR" sz="1400" b="1" dirty="0"/>
+              <a:t>mise en place d’une ETL avec </a:t>
+            </a:r>
+            <a:r>
+              <a:rPr lang="fr-FR" sz="1400" b="1" dirty="0" err="1"/>
+              <a:t>Pentaho</a:t>
+            </a:r>
+            <a:r>
+              <a:rPr lang="fr-FR" sz="1400" b="1" dirty="0"/>
+              <a:t> </a:t>
+            </a:r>
+            <a:r>
+              <a:rPr lang="fr-FR" sz="1400" b="1" dirty="0" err="1"/>
+              <a:t>Kettle</a:t>
+            </a:r>
+            <a:r>
+              <a:rPr lang="fr-FR" sz="1400" b="1" dirty="0"/>
+              <a:t> </a:t>
             </a:r>
           </a:p>
           <a:p>
@@ -9555,7 +9600,7 @@
               <a:buFont typeface="Wingdings" panose="05000000000000000000" pitchFamily="2" charset="2"/>
               <a:buChar char="Ø"/>
             </a:pPr>
-            <a:endParaRPr lang="fr-FR" dirty="0" smtClean="0"/>
+            <a:endParaRPr lang="fr-FR" sz="1400" b="1" dirty="0" smtClean="0"/>
           </a:p>
           <a:p>
             <a:pPr lvl="0">
@@ -9563,89 +9608,44 @@
               <a:buChar char="Ø"/>
             </a:pPr>
             <a:r>
-              <a:rPr lang="fr-FR" dirty="0" smtClean="0"/>
-              <a:t> </a:t>
-            </a:r>
-            <a:r>
-              <a:rPr lang="fr-FR" dirty="0"/>
-              <a:t>L</a:t>
-            </a:r>
-            <a:r>
-              <a:rPr lang="fr-FR" dirty="0" smtClean="0"/>
-              <a:t>a </a:t>
-            </a:r>
-            <a:r>
-              <a:rPr lang="fr-FR" dirty="0"/>
-              <a:t>mise en place d’une ETL avec </a:t>
-            </a:r>
-            <a:r>
-              <a:rPr lang="fr-FR" dirty="0" err="1"/>
-              <a:t>Pentaho</a:t>
-            </a:r>
-            <a:r>
-              <a:rPr lang="fr-FR" dirty="0"/>
-              <a:t> </a:t>
-            </a:r>
-            <a:r>
-              <a:rPr lang="fr-FR" dirty="0" err="1"/>
-              <a:t>Kettle</a:t>
-            </a:r>
-            <a:r>
-              <a:rPr lang="fr-FR" dirty="0"/>
-              <a:t> </a:t>
-            </a:r>
+              <a:rPr lang="fr-FR" sz="1400" b="1" dirty="0" smtClean="0"/>
+              <a:t>Le </a:t>
+            </a:r>
+            <a:r>
+              <a:rPr lang="fr-FR" sz="1400" b="1" dirty="0"/>
+              <a:t>déploiement d’un moteur </a:t>
+            </a:r>
+            <a:r>
+              <a:rPr lang="fr-FR" sz="1400" b="1" dirty="0" smtClean="0"/>
+              <a:t>ROLAP </a:t>
+            </a:r>
+            <a:r>
+              <a:rPr lang="fr-FR" sz="1400" b="1" dirty="0"/>
+              <a:t>avec </a:t>
+            </a:r>
+            <a:r>
+              <a:rPr lang="fr-FR" sz="1400" b="1" dirty="0" smtClean="0"/>
+              <a:t>Mondrian</a:t>
+            </a:r>
+          </a:p>
+          <a:p>
+            <a:pPr lvl="0">
+              <a:buFont typeface="Wingdings" panose="05000000000000000000" pitchFamily="2" charset="2"/>
+              <a:buChar char="Ø"/>
+            </a:pPr>
+            <a:endParaRPr lang="fr-FR" sz="1400" b="1" dirty="0"/>
           </a:p>
           <a:p>
             <a:pPr>
               <a:buFont typeface="Wingdings" panose="05000000000000000000" pitchFamily="2" charset="2"/>
               <a:buChar char="Ø"/>
             </a:pPr>
-            <a:endParaRPr lang="fr-FR" dirty="0" smtClean="0"/>
-          </a:p>
-          <a:p>
-            <a:pPr lvl="0">
-              <a:buFont typeface="Wingdings" panose="05000000000000000000" pitchFamily="2" charset="2"/>
-              <a:buChar char="Ø"/>
-            </a:pPr>
-            <a:r>
-              <a:rPr lang="fr-FR" dirty="0" smtClean="0"/>
+            <a:r>
+              <a:rPr lang="fr-FR" sz="1400" b="1" dirty="0" smtClean="0"/>
               <a:t>Le </a:t>
             </a:r>
             <a:r>
-              <a:rPr lang="fr-FR" dirty="0"/>
-              <a:t>déploiement d’un moteur </a:t>
-            </a:r>
-            <a:r>
-              <a:rPr lang="fr-FR" dirty="0" smtClean="0"/>
-              <a:t>ROLAP </a:t>
-            </a:r>
-            <a:r>
-              <a:rPr lang="fr-FR" dirty="0"/>
-              <a:t>avec </a:t>
-            </a:r>
-            <a:r>
-              <a:rPr lang="fr-FR" dirty="0" smtClean="0"/>
-              <a:t>Mondrian</a:t>
-            </a:r>
-          </a:p>
-          <a:p>
-            <a:pPr lvl="0">
-              <a:buFont typeface="Wingdings" panose="05000000000000000000" pitchFamily="2" charset="2"/>
-              <a:buChar char="Ø"/>
-            </a:pPr>
-            <a:endParaRPr lang="fr-FR" dirty="0"/>
-          </a:p>
-          <a:p>
-            <a:pPr>
-              <a:buFont typeface="Wingdings" panose="05000000000000000000" pitchFamily="2" charset="2"/>
-              <a:buChar char="Ø"/>
-            </a:pPr>
-            <a:r>
-              <a:rPr lang="fr-FR" dirty="0" smtClean="0"/>
-              <a:t>Le </a:t>
-            </a:r>
-            <a:r>
-              <a:rPr lang="fr-FR" dirty="0"/>
+              <a:rPr lang="fr-FR" sz="1400" b="1" dirty="0"/>
               <a:t>développement d’un client OLAP sur SmartCC</a:t>
             </a:r>
           </a:p>
@@ -9653,7 +9653,7 @@
             <a:pPr marL="0" lvl="0" indent="0">
               <a:buNone/>
             </a:pPr>
-            <a:endParaRPr lang="fr-FR" dirty="0"/>
+            <a:endParaRPr lang="fr-FR" sz="1400" b="1" dirty="0"/>
           </a:p>
           <a:p>
             <a:pPr marL="0" indent="0">
@@ -10047,7 +10047,7 @@
               <a:buChar char="Ø"/>
             </a:pPr>
             <a:r>
-              <a:rPr lang="fr-FR" dirty="0" smtClean="0"/>
+              <a:rPr lang="fr-FR" sz="1400" b="1" dirty="0" smtClean="0"/>
               <a:t>Flexibilité :</a:t>
             </a:r>
           </a:p>
@@ -10055,7 +10055,7 @@
             <a:pPr marL="0" indent="0">
               <a:buNone/>
             </a:pPr>
-            <a:endParaRPr lang="fr-FR" dirty="0"/>
+            <a:endParaRPr lang="fr-FR" sz="1400" b="1" dirty="0"/>
           </a:p>
           <a:p>
             <a:pPr lvl="1">
@@ -10063,14 +10063,14 @@
               <a:buChar char="Ø"/>
             </a:pPr>
             <a:r>
-              <a:rPr lang="fr-FR" dirty="0"/>
+              <a:rPr lang="fr-FR" sz="1400" b="1" dirty="0"/>
               <a:t>   </a:t>
             </a:r>
             <a:r>
-              <a:rPr lang="fr-FR" dirty="0" smtClean="0"/>
+              <a:rPr lang="fr-FR" sz="1400" b="1" dirty="0" smtClean="0"/>
               <a:t>Changement et évolution du client OLAP</a:t>
             </a:r>
-            <a:endParaRPr lang="fr-FR" dirty="0">
+            <a:endParaRPr lang="fr-FR" sz="1400" b="1" dirty="0">
               <a:solidFill>
                 <a:schemeClr val="tx1"/>
               </a:solidFill>
@@ -10081,7 +10081,7 @@
               <a:buFont typeface="Wingdings" panose="05000000000000000000" pitchFamily="2" charset="2"/>
               <a:buChar char="Ø"/>
             </a:pPr>
-            <a:endParaRPr lang="fr-FR" dirty="0"/>
+            <a:endParaRPr lang="fr-FR" sz="1400" b="1" dirty="0"/>
           </a:p>
           <a:p>
             <a:pPr lvl="1">
@@ -10089,21 +10089,21 @@
               <a:buChar char="Ø"/>
             </a:pPr>
             <a:r>
-              <a:rPr lang="fr-FR" dirty="0"/>
+              <a:rPr lang="fr-FR" sz="1400" b="1" dirty="0"/>
               <a:t>   </a:t>
             </a:r>
             <a:r>
-              <a:rPr lang="fr-FR" dirty="0" smtClean="0"/>
+              <a:rPr lang="fr-FR" sz="1400" b="1" dirty="0" smtClean="0"/>
               <a:t>Compatibilité avec tout client respectant le standard XMLA</a:t>
             </a:r>
-            <a:endParaRPr lang="fr-FR" dirty="0"/>
+            <a:endParaRPr lang="fr-FR" sz="1400" b="1" dirty="0"/>
           </a:p>
           <a:p>
             <a:pPr lvl="1">
               <a:buFont typeface="Wingdings" panose="05000000000000000000" pitchFamily="2" charset="2"/>
               <a:buChar char="Ø"/>
             </a:pPr>
-            <a:endParaRPr lang="fr-FR" dirty="0"/>
+            <a:endParaRPr lang="fr-FR" sz="1400" b="1" dirty="0"/>
           </a:p>
           <a:p>
             <a:pPr lvl="1">
@@ -10111,16 +10111,16 @@
               <a:buChar char="Ø"/>
             </a:pPr>
             <a:r>
-              <a:rPr lang="fr-FR" dirty="0" smtClean="0"/>
+              <a:rPr lang="fr-FR" sz="1400" b="1" dirty="0" smtClean="0"/>
               <a:t>  Possibilité de changer de moteur OLAP (de Mondrian à PALO ?).</a:t>
             </a:r>
-            <a:endParaRPr lang="fr-FR" dirty="0"/>
+            <a:endParaRPr lang="fr-FR" sz="1400" b="1" dirty="0"/>
           </a:p>
           <a:p>
             <a:pPr marL="0" indent="0">
               <a:buNone/>
             </a:pPr>
-            <a:endParaRPr lang="fr-FR" dirty="0" smtClean="0"/>
+            <a:endParaRPr lang="fr-FR" sz="1400" b="1" dirty="0" smtClean="0"/>
           </a:p>
           <a:p>
             <a:pPr marL="0" indent="0">
@@ -10520,14 +10520,14 @@
               <a:buChar char="Ø"/>
             </a:pPr>
             <a:r>
-              <a:rPr lang="fr-FR" dirty="0"/>
+              <a:rPr lang="fr-FR" b="1" dirty="0"/>
               <a:t> </a:t>
             </a:r>
             <a:r>
-              <a:rPr lang="fr-FR" dirty="0" smtClean="0"/>
+              <a:rPr lang="fr-FR" b="1" dirty="0" smtClean="0"/>
               <a:t>Espace Disque</a:t>
             </a:r>
-            <a:endParaRPr lang="fr-FR" dirty="0"/>
+            <a:endParaRPr lang="fr-FR" b="1" dirty="0"/>
           </a:p>
           <a:p>
             <a:pPr>
@@ -10535,24 +10535,24 @@
               <a:buChar char="Ø"/>
             </a:pPr>
             <a:r>
-              <a:rPr lang="fr-FR" dirty="0" smtClean="0"/>
+              <a:rPr lang="fr-FR" b="1" dirty="0" smtClean="0"/>
               <a:t> ROLAP</a:t>
             </a:r>
-            <a:endParaRPr lang="fr-FR" dirty="0"/>
+            <a:endParaRPr lang="fr-FR" b="1" dirty="0"/>
           </a:p>
           <a:p>
             <a:pPr marL="201168" lvl="1" indent="0">
               <a:buNone/>
             </a:pPr>
             <a:r>
-              <a:rPr lang="fr-FR" dirty="0"/>
+              <a:rPr lang="fr-FR" b="1" dirty="0"/>
               <a:t> </a:t>
             </a:r>
             <a:r>
-              <a:rPr lang="fr-FR" dirty="0" smtClean="0"/>
+              <a:rPr lang="fr-FR" b="1" dirty="0" smtClean="0"/>
               <a:t>  	Gestion du cache</a:t>
             </a:r>
-            <a:endParaRPr lang="fr-FR" dirty="0">
+            <a:endParaRPr lang="fr-FR" b="1" dirty="0">
               <a:solidFill>
                 <a:schemeClr val="tx1"/>
               </a:solidFill>
@@ -10563,14 +10563,14 @@
               <a:buFont typeface="Wingdings" panose="05000000000000000000" pitchFamily="2" charset="2"/>
               <a:buChar char="Ø"/>
             </a:pPr>
-            <a:endParaRPr lang="fr-FR" dirty="0"/>
+            <a:endParaRPr lang="fr-FR" b="1" dirty="0"/>
           </a:p>
           <a:p>
             <a:pPr marL="201168" lvl="1" indent="0">
               <a:buNone/>
             </a:pPr>
             <a:r>
-              <a:rPr lang="fr-FR" dirty="0" smtClean="0"/>
+              <a:rPr lang="fr-FR" b="1" dirty="0" smtClean="0"/>
               <a:t>	 Tables d'agrégation (Espace Disque !!!)</a:t>
             </a:r>
           </a:p>
@@ -10579,21 +10579,21 @@
               <a:buFont typeface="Wingdings" panose="05000000000000000000" pitchFamily="2" charset="2"/>
               <a:buChar char="Ø"/>
             </a:pPr>
-            <a:endParaRPr lang="fr-FR" dirty="0"/>
+            <a:endParaRPr lang="fr-FR" b="1" dirty="0"/>
           </a:p>
           <a:p>
             <a:pPr marL="201168" lvl="1" indent="0">
               <a:buNone/>
             </a:pPr>
             <a:r>
-              <a:rPr lang="fr-FR" dirty="0"/>
+              <a:rPr lang="fr-FR" b="1" dirty="0"/>
               <a:t>	</a:t>
             </a:r>
             <a:r>
-              <a:rPr lang="fr-FR" dirty="0" smtClean="0"/>
+              <a:rPr lang="fr-FR" b="1" dirty="0" smtClean="0"/>
               <a:t>De ROLAP à MOLAP</a:t>
             </a:r>
-            <a:endParaRPr lang="fr-FR" dirty="0"/>
+            <a:endParaRPr lang="fr-FR" b="1" dirty="0"/>
           </a:p>
           <a:p>
             <a:pPr>
@@ -15427,9 +15427,18 @@
   <p:clrMapOvr>
     <a:masterClrMapping/>
   </p:clrMapOvr>
-  <p:transition spd="slow">
-    <p:wipe/>
-  </p:transition>
+  <mc:AlternateContent xmlns:mc="http://schemas.openxmlformats.org/markup-compatibility/2006" xmlns:p14="http://schemas.microsoft.com/office/powerpoint/2010/main">
+    <mc:Choice Requires="p14">
+      <p:transition spd="slow" p14:dur="800">
+        <p:circle/>
+      </p:transition>
+    </mc:Choice>
+    <mc:Fallback xmlns="">
+      <p:transition spd="slow">
+        <p:circle/>
+      </p:transition>
+    </mc:Fallback>
+  </mc:AlternateContent>
   <p:timing>
     <p:tnLst>
       <p:par>
@@ -15714,7 +15723,7 @@
           <a:graphicData uri="http://schemas.openxmlformats.org/presentationml/2006/ole">
             <mc:AlternateContent xmlns:mc="http://schemas.openxmlformats.org/markup-compatibility/2006">
               <mc:Choice xmlns:v="urn:schemas-microsoft-com:vml" Requires="v">
-                <p:oleObj spid="_x0000_s4242" r:id="rId3" imgW="5807964" imgH="5433060" progId="Unknown">
+                <p:oleObj spid="_x0000_s4267" r:id="rId3" imgW="5807964" imgH="5433060" progId="Unknown">
                   <p:embed/>
                 </p:oleObj>
               </mc:Choice>
@@ -15899,7 +15908,7 @@
             <a:pPr marL="566928" lvl="3" indent="0">
               <a:buNone/>
             </a:pPr>
-            <a:endParaRPr lang="fr-FR" dirty="0"/>
+            <a:endParaRPr lang="fr-FR" b="1" dirty="0"/>
           </a:p>
           <a:p>
             <a:pPr lvl="1">
@@ -15907,7 +15916,7 @@
               <a:buChar char="Ø"/>
             </a:pPr>
             <a:r>
-              <a:rPr lang="fr-FR" dirty="0" smtClean="0"/>
+              <a:rPr lang="fr-FR" sz="1400" b="1" dirty="0" smtClean="0"/>
               <a:t>Design Pattern</a:t>
             </a:r>
           </a:p>
@@ -15916,7 +15925,7 @@
               <a:buFont typeface="Wingdings" panose="05000000000000000000" pitchFamily="2" charset="2"/>
               <a:buChar char="Ø"/>
             </a:pPr>
-            <a:endParaRPr lang="fr-FR" dirty="0" smtClean="0"/>
+            <a:endParaRPr lang="fr-FR" sz="1400" b="1" dirty="0" smtClean="0"/>
           </a:p>
           <a:p>
             <a:pPr lvl="2">
@@ -15924,7 +15933,7 @@
               <a:buChar char="Ø"/>
             </a:pPr>
             <a:r>
-              <a:rPr lang="fr-FR" dirty="0" smtClean="0"/>
+              <a:rPr lang="fr-FR" b="1" dirty="0" smtClean="0"/>
               <a:t>Singleton</a:t>
             </a:r>
           </a:p>
@@ -15934,10 +15943,10 @@
               <a:buChar char="Ø"/>
             </a:pPr>
             <a:r>
-              <a:rPr lang="fr-FR" dirty="0" err="1" smtClean="0"/>
+              <a:rPr lang="fr-FR" b="1" dirty="0" err="1" smtClean="0"/>
               <a:t>Factory</a:t>
             </a:r>
-            <a:endParaRPr lang="fr-FR" dirty="0" smtClean="0"/>
+            <a:endParaRPr lang="fr-FR" b="1" dirty="0" smtClean="0"/>
           </a:p>
           <a:p>
             <a:pPr lvl="2">
@@ -15945,14 +15954,14 @@
               <a:buChar char="Ø"/>
             </a:pPr>
             <a:r>
-              <a:rPr lang="fr-FR" dirty="0" smtClean="0"/>
+              <a:rPr lang="fr-FR" b="1" dirty="0" smtClean="0"/>
               <a:t>Abstract </a:t>
             </a:r>
             <a:r>
-              <a:rPr lang="fr-FR" dirty="0" err="1" smtClean="0"/>
+              <a:rPr lang="fr-FR" b="1" dirty="0" err="1" smtClean="0"/>
               <a:t>Factory</a:t>
             </a:r>
-            <a:endParaRPr lang="fr-FR" dirty="0" smtClean="0"/>
+            <a:endParaRPr lang="fr-FR" b="1" dirty="0" smtClean="0"/>
           </a:p>
           <a:p>
             <a:pPr lvl="2">
@@ -15960,10 +15969,10 @@
               <a:buChar char="Ø"/>
             </a:pPr>
             <a:r>
-              <a:rPr lang="fr-FR" dirty="0" err="1" smtClean="0"/>
+              <a:rPr lang="fr-FR" b="1" dirty="0" err="1" smtClean="0"/>
               <a:t>Builder</a:t>
             </a:r>
-            <a:endParaRPr lang="fr-FR" dirty="0" smtClean="0"/>
+            <a:endParaRPr lang="fr-FR" b="1" dirty="0" smtClean="0"/>
           </a:p>
           <a:p>
             <a:pPr lvl="2">
@@ -15971,7 +15980,7 @@
               <a:buChar char="Ø"/>
             </a:pPr>
             <a:r>
-              <a:rPr lang="fr-FR" dirty="0" smtClean="0"/>
+              <a:rPr lang="fr-FR" b="1" dirty="0" smtClean="0"/>
               <a:t>DAO</a:t>
             </a:r>
           </a:p>
@@ -16210,7 +16219,7 @@
         </p:nvSpPr>
         <p:spPr>
           <a:xfrm>
-            <a:off x="6322966" y="3078511"/>
+            <a:off x="6322966" y="3204240"/>
             <a:ext cx="3035218" cy="894332"/>
           </a:xfrm>
           <a:prstGeom prst="rect">
@@ -16472,7 +16481,7 @@
               <a:buNone/>
             </a:pPr>
             <a:r>
-              <a:rPr lang="fr-FR" sz="2400" dirty="0">
+              <a:rPr lang="fr-FR" sz="1400" b="1" dirty="0">
                 <a:solidFill>
                   <a:srgbClr val="00B050"/>
                 </a:solidFill>
@@ -16634,14 +16643,14 @@
               <a:buChar char="Ø"/>
             </a:pPr>
             <a:r>
-              <a:rPr lang="fr-FR" dirty="0"/>
+              <a:rPr lang="fr-FR" b="1" dirty="0"/>
               <a:t> </a:t>
             </a:r>
             <a:r>
-              <a:rPr lang="fr-FR" dirty="0" smtClean="0"/>
+              <a:rPr lang="fr-FR" b="1" dirty="0" smtClean="0"/>
               <a:t>Domaine fonctionnel</a:t>
             </a:r>
-            <a:endParaRPr lang="fr-FR" dirty="0"/>
+            <a:endParaRPr lang="fr-FR" b="1" dirty="0"/>
           </a:p>
           <a:p>
             <a:pPr lvl="3">
@@ -16649,7 +16658,7 @@
               <a:buChar char="Ø"/>
             </a:pPr>
             <a:r>
-              <a:rPr lang="fr-FR" dirty="0" smtClean="0"/>
+              <a:rPr lang="fr-FR" b="1" dirty="0" smtClean="0"/>
               <a:t>Finance</a:t>
             </a:r>
           </a:p>
@@ -16658,7 +16667,7 @@
               <a:buFont typeface="Wingdings" panose="05000000000000000000" pitchFamily="2" charset="2"/>
               <a:buChar char="Ø"/>
             </a:pPr>
-            <a:endParaRPr lang="fr-FR" dirty="0" smtClean="0"/>
+            <a:endParaRPr lang="fr-FR" b="1" dirty="0" smtClean="0"/>
           </a:p>
           <a:p>
             <a:pPr lvl="1">
@@ -16666,7 +16675,7 @@
               <a:buChar char="Ø"/>
             </a:pPr>
             <a:r>
-              <a:rPr lang="fr-FR" dirty="0" smtClean="0"/>
+              <a:rPr lang="fr-FR" b="1" dirty="0" smtClean="0"/>
               <a:t> Business Intelligence</a:t>
             </a:r>
           </a:p>
@@ -16676,7 +16685,7 @@
               <a:buChar char="Ø"/>
             </a:pPr>
             <a:r>
-              <a:rPr lang="fr-FR" dirty="0" smtClean="0">
+              <a:rPr lang="fr-FR" b="1" dirty="0" smtClean="0">
                 <a:sym typeface="Wingdings" panose="05000000000000000000" pitchFamily="2" charset="2"/>
               </a:rPr>
               <a:t>Initiation</a:t>
@@ -16688,14 +16697,14 @@
               <a:buChar char="Ø"/>
             </a:pPr>
             <a:r>
-              <a:rPr lang="fr-FR" dirty="0"/>
+              <a:rPr lang="fr-FR" b="1" dirty="0"/>
               <a:t>Certains </a:t>
             </a:r>
             <a:r>
-              <a:rPr lang="fr-FR" dirty="0" smtClean="0"/>
+              <a:rPr lang="fr-FR" b="1" dirty="0" smtClean="0"/>
               <a:t>concepts</a:t>
             </a:r>
-            <a:endParaRPr lang="fr-FR" dirty="0"/>
+            <a:endParaRPr lang="fr-FR" b="1" dirty="0"/>
           </a:p>
           <a:p>
             <a:pPr marL="566928" lvl="3" indent="0">
@@ -17035,15 +17044,16 @@
               <a:buChar char="Ø"/>
             </a:pPr>
             <a:r>
-              <a:rPr lang="fr-FR" dirty="0" smtClean="0"/>
-              <a:t>Opérateur:</a:t>
-            </a:r>
+              <a:rPr lang="fr-FR" b="1" dirty="0" smtClean="0"/>
+              <a:t>Opérateurs</a:t>
+            </a:r>
+            <a:endParaRPr lang="fr-FR" b="1" dirty="0" smtClean="0"/>
           </a:p>
           <a:p>
             <a:pPr marL="0" indent="0">
               <a:buNone/>
             </a:pPr>
-            <a:endParaRPr lang="fr-FR" dirty="0"/>
+            <a:endParaRPr lang="fr-FR" b="1" dirty="0"/>
           </a:p>
           <a:p>
             <a:pPr lvl="1">
@@ -17051,7 +17061,7 @@
               <a:buChar char="Ø"/>
             </a:pPr>
             <a:r>
-              <a:rPr lang="fr-FR" dirty="0"/>
+              <a:rPr lang="fr-FR" b="1" dirty="0"/>
               <a:t>Roll-up </a:t>
             </a:r>
           </a:p>
@@ -17061,10 +17071,10 @@
               <a:buChar char="Ø"/>
             </a:pPr>
             <a:r>
-              <a:rPr lang="fr-FR" dirty="0"/>
+              <a:rPr lang="fr-FR" b="1" dirty="0"/>
               <a:t>Drill-down </a:t>
             </a:r>
-            <a:endParaRPr lang="fr-FR" dirty="0" smtClean="0"/>
+            <a:endParaRPr lang="fr-FR" b="1" dirty="0" smtClean="0"/>
           </a:p>
           <a:p>
             <a:pPr lvl="1">
@@ -17072,7 +17082,7 @@
               <a:buChar char="Ø"/>
             </a:pPr>
             <a:r>
-              <a:rPr lang="fr-FR" dirty="0"/>
+              <a:rPr lang="fr-FR" b="1" dirty="0"/>
               <a:t>Drill Position </a:t>
             </a:r>
           </a:p>
@@ -17082,14 +17092,14 @@
               <a:buChar char="Ø"/>
             </a:pPr>
             <a:r>
-              <a:rPr lang="fr-FR" dirty="0"/>
+              <a:rPr lang="fr-FR" b="1" dirty="0"/>
               <a:t>Drill </a:t>
             </a:r>
             <a:r>
-              <a:rPr lang="fr-FR" dirty="0" err="1" smtClean="0"/>
+              <a:rPr lang="fr-FR" b="1" dirty="0" err="1" smtClean="0"/>
               <a:t>Member</a:t>
             </a:r>
-            <a:endParaRPr lang="fr-FR" dirty="0"/>
+            <a:endParaRPr lang="fr-FR" b="1" dirty="0"/>
           </a:p>
           <a:p>
             <a:pPr lvl="1">
@@ -17097,11 +17107,11 @@
               <a:buChar char="Ø"/>
             </a:pPr>
             <a:r>
-              <a:rPr lang="fr-FR" dirty="0"/>
+              <a:rPr lang="fr-FR" b="1" dirty="0"/>
               <a:t>Drill </a:t>
             </a:r>
             <a:r>
-              <a:rPr lang="fr-FR" dirty="0" smtClean="0"/>
+              <a:rPr lang="fr-FR" b="1" dirty="0" smtClean="0"/>
               <a:t>Replace</a:t>
             </a:r>
           </a:p>
@@ -17111,10 +17121,10 @@
               <a:buChar char="Ø"/>
             </a:pPr>
             <a:r>
-              <a:rPr lang="fr-FR" dirty="0" err="1" smtClean="0"/>
+              <a:rPr lang="fr-FR" b="1" dirty="0" err="1" smtClean="0"/>
               <a:t>Slicing</a:t>
             </a:r>
-            <a:endParaRPr lang="fr-FR" dirty="0"/>
+            <a:endParaRPr lang="fr-FR" b="1" dirty="0"/>
           </a:p>
           <a:p>
             <a:pPr lvl="1">
@@ -17122,10 +17132,10 @@
               <a:buChar char="Ø"/>
             </a:pPr>
             <a:r>
-              <a:rPr lang="fr-FR" dirty="0" err="1" smtClean="0"/>
+              <a:rPr lang="fr-FR" b="1" dirty="0" err="1" smtClean="0"/>
               <a:t>Dice</a:t>
             </a:r>
-            <a:endParaRPr lang="fr-FR" dirty="0"/>
+            <a:endParaRPr lang="fr-FR" b="1" dirty="0"/>
           </a:p>
           <a:p>
             <a:pPr lvl="1">
@@ -17549,8 +17559,8 @@
         </p:blipFill>
         <p:spPr bwMode="auto">
           <a:xfrm>
-            <a:off x="1787611" y="1851665"/>
-            <a:ext cx="7376280" cy="4367904"/>
+            <a:off x="1800225" y="1851665"/>
+            <a:ext cx="7363666" cy="4263385"/>
           </a:xfrm>
           <a:prstGeom prst="rect">
             <a:avLst/>
@@ -17759,8 +17769,8 @@
         </p:blipFill>
         <p:spPr>
           <a:xfrm>
-            <a:off x="1820562" y="1812324"/>
-            <a:ext cx="7340137" cy="4464908"/>
+            <a:off x="1819276" y="1812324"/>
+            <a:ext cx="7341424" cy="4331301"/>
           </a:xfrm>
           <a:prstGeom prst="rect">
             <a:avLst/>
@@ -18272,7 +18282,7 @@
             <a:pPr marL="201168" lvl="1" indent="0">
               <a:buNone/>
             </a:pPr>
-            <a:endParaRPr lang="fr-FR" dirty="0" smtClean="0"/>
+            <a:endParaRPr lang="fr-FR" b="1" dirty="0" smtClean="0"/>
           </a:p>
           <a:p>
             <a:pPr lvl="1">
@@ -18280,12 +18290,12 @@
               <a:buChar char="Ø"/>
             </a:pPr>
             <a:r>
-              <a:rPr lang="fr-FR" dirty="0"/>
-              <a:t> C</a:t>
-            </a:r>
-            <a:r>
-              <a:rPr lang="fr-FR" dirty="0" smtClean="0"/>
-              <a:t>ode interne</a:t>
+              <a:rPr lang="fr-FR" b="1" dirty="0" smtClean="0"/>
+              <a:t>Code </a:t>
+            </a:r>
+            <a:r>
+              <a:rPr lang="fr-FR" b="1" dirty="0" smtClean="0"/>
+              <a:t>interne</a:t>
             </a:r>
           </a:p>
           <a:p>
@@ -18294,7 +18304,7 @@
               <a:buChar char="Ø"/>
             </a:pPr>
             <a:r>
-              <a:rPr lang="fr-FR" dirty="0" smtClean="0">
+              <a:rPr lang="fr-FR" b="1" dirty="0" smtClean="0">
                 <a:sym typeface="Wingdings" panose="05000000000000000000" pitchFamily="2" charset="2"/>
               </a:rPr>
               <a:t>Des milliers de classe</a:t>
@@ -18304,7 +18314,7 @@
             <a:pPr marL="566928" lvl="3" indent="0">
               <a:buNone/>
             </a:pPr>
-            <a:endParaRPr lang="fr-FR" dirty="0">
+            <a:endParaRPr lang="fr-FR" b="1" dirty="0">
               <a:sym typeface="Wingdings" panose="05000000000000000000" pitchFamily="2" charset="2"/>
             </a:endParaRPr>
           </a:p>
@@ -18314,10 +18324,10 @@
               <a:buChar char="Ø"/>
             </a:pPr>
             <a:r>
-              <a:rPr lang="fr-FR" dirty="0" smtClean="0"/>
+              <a:rPr lang="fr-FR" b="1" dirty="0" smtClean="0"/>
               <a:t>API externe</a:t>
             </a:r>
-            <a:endParaRPr lang="fr-FR" dirty="0"/>
+            <a:endParaRPr lang="fr-FR" b="1" dirty="0"/>
           </a:p>
           <a:p>
             <a:pPr lvl="3">
@@ -18325,16 +18335,16 @@
               <a:buChar char="Ø"/>
             </a:pPr>
             <a:r>
-              <a:rPr lang="fr-FR" dirty="0" smtClean="0"/>
+              <a:rPr lang="fr-FR" b="1" dirty="0" smtClean="0"/>
               <a:t>Pivot4J mal documenter</a:t>
             </a:r>
-            <a:endParaRPr lang="fr-FR" dirty="0"/>
+            <a:endParaRPr lang="fr-FR" b="1" dirty="0"/>
           </a:p>
           <a:p>
             <a:pPr marL="566928" lvl="3" indent="0">
               <a:buNone/>
             </a:pPr>
-            <a:endParaRPr lang="fr-FR" dirty="0"/>
+            <a:endParaRPr lang="fr-FR" b="1" dirty="0"/>
           </a:p>
           <a:p>
             <a:pPr lvl="1">
@@ -18342,14 +18352,14 @@
               <a:buChar char="Ø"/>
             </a:pPr>
             <a:r>
-              <a:rPr lang="fr-FR" dirty="0"/>
+              <a:rPr lang="fr-FR" b="1" dirty="0"/>
               <a:t> </a:t>
             </a:r>
             <a:r>
-              <a:rPr lang="fr-FR" dirty="0" smtClean="0"/>
+              <a:rPr lang="fr-FR" b="1" dirty="0" smtClean="0"/>
               <a:t>Conséquences</a:t>
             </a:r>
-            <a:endParaRPr lang="fr-FR" dirty="0"/>
+            <a:endParaRPr lang="fr-FR" b="1" dirty="0"/>
           </a:p>
           <a:p>
             <a:pPr lvl="3">
@@ -18357,7 +18367,7 @@
               <a:buChar char="Ø"/>
             </a:pPr>
             <a:r>
-              <a:rPr lang="fr-FR" dirty="0" smtClean="0">
+              <a:rPr lang="fr-FR" b="1" dirty="0" smtClean="0">
                 <a:sym typeface="Wingdings" panose="05000000000000000000" pitchFamily="2" charset="2"/>
               </a:rPr>
               <a:t>Perte de temps</a:t>
@@ -18642,49 +18652,55 @@
             <a:endParaRPr lang="fr-FR" dirty="0"/>
           </a:p>
           <a:p>
-            <a:pPr lvl="2">
+            <a:pPr lvl="4">
               <a:buFont typeface="Wingdings" panose="05000000000000000000" pitchFamily="2" charset="2"/>
               <a:buChar char="Ø"/>
             </a:pPr>
             <a:r>
-              <a:rPr lang="fr-FR" sz="2400" dirty="0" smtClean="0"/>
-              <a:t> Le </a:t>
-            </a:r>
-            <a:r>
-              <a:rPr lang="fr-FR" sz="2400" dirty="0"/>
+              <a:rPr lang="fr-FR" b="1" dirty="0" smtClean="0"/>
+              <a:t>Le </a:t>
+            </a:r>
+            <a:r>
+              <a:rPr lang="fr-FR" b="1" dirty="0"/>
               <a:t>projet consiste à créer un outil </a:t>
             </a:r>
             <a:r>
-              <a:rPr lang="fr-FR" sz="2400" dirty="0" smtClean="0"/>
+              <a:rPr lang="fr-FR" b="1" dirty="0" smtClean="0"/>
               <a:t>de </a:t>
             </a:r>
             <a:r>
-              <a:rPr lang="fr-FR" sz="2400" dirty="0" err="1" smtClean="0"/>
+              <a:rPr lang="fr-FR" b="1" dirty="0" err="1" smtClean="0"/>
               <a:t>reporting</a:t>
             </a:r>
             <a:r>
-              <a:rPr lang="fr-FR" sz="2400" dirty="0" smtClean="0"/>
+              <a:rPr lang="fr-FR" b="1" dirty="0" smtClean="0"/>
               <a:t>.</a:t>
             </a:r>
           </a:p>
           <a:p>
-            <a:pPr lvl="2">
+            <a:pPr marL="749808" lvl="4" indent="0">
+              <a:buNone/>
+            </a:pPr>
+            <a:endParaRPr lang="fr-FR" b="1" dirty="0" smtClean="0"/>
+          </a:p>
+          <a:p>
+            <a:pPr lvl="4">
               <a:buFont typeface="Wingdings" panose="05000000000000000000" pitchFamily="2" charset="2"/>
               <a:buChar char="Ø"/>
             </a:pPr>
             <a:r>
-              <a:rPr lang="fr-FR" sz="2400" dirty="0" smtClean="0"/>
+              <a:rPr lang="fr-FR" b="1" dirty="0" smtClean="0"/>
               <a:t> Il </a:t>
             </a:r>
             <a:r>
-              <a:rPr lang="fr-FR" sz="2400" dirty="0"/>
+              <a:rPr lang="fr-FR" b="1" dirty="0"/>
               <a:t>sera utilisé par </a:t>
             </a:r>
             <a:r>
-              <a:rPr lang="fr-FR" sz="2400" dirty="0" smtClean="0"/>
+              <a:rPr lang="fr-FR" b="1" dirty="0" smtClean="0"/>
               <a:t>les clients de Smart Trade Technologies.</a:t>
             </a:r>
-            <a:endParaRPr lang="fr-FR" sz="2400" dirty="0"/>
+            <a:endParaRPr lang="fr-FR" b="1" dirty="0"/>
           </a:p>
           <a:p>
             <a:pPr lvl="2">
@@ -18862,7 +18878,7 @@
               <a:buChar char="Ø"/>
             </a:pPr>
             <a:r>
-              <a:rPr lang="fr-FR" sz="2000" dirty="0" smtClean="0"/>
+              <a:rPr lang="fr-FR" sz="2000" b="1" dirty="0" smtClean="0"/>
               <a:t>Projet</a:t>
             </a:r>
           </a:p>
@@ -18872,7 +18888,7 @@
               <a:buChar char="Ø"/>
             </a:pPr>
             <a:r>
-              <a:rPr lang="fr-FR" sz="1600" dirty="0" smtClean="0"/>
+              <a:rPr lang="fr-FR" sz="1600" b="1" dirty="0" smtClean="0"/>
               <a:t>Méthode de travail efficace</a:t>
             </a:r>
           </a:p>
@@ -18882,7 +18898,7 @@
               <a:buChar char="Ø"/>
             </a:pPr>
             <a:r>
-              <a:rPr lang="fr-FR" sz="1600" dirty="0" smtClean="0"/>
+              <a:rPr lang="fr-FR" sz="1600" b="1" dirty="0" smtClean="0"/>
               <a:t>Travail réussi, objectif atteint</a:t>
             </a:r>
           </a:p>
@@ -18891,26 +18907,26 @@
               <a:buFont typeface="Wingdings" panose="05000000000000000000" pitchFamily="2" charset="2"/>
               <a:buChar char="Ø"/>
             </a:pPr>
-            <a:endParaRPr lang="fr-FR" sz="2000" dirty="0" smtClean="0"/>
+            <a:endParaRPr lang="fr-FR" sz="2000" b="1" dirty="0" smtClean="0"/>
           </a:p>
           <a:p>
             <a:pPr marL="566928" lvl="3" indent="0">
               <a:buNone/>
             </a:pPr>
-            <a:endParaRPr lang="fr-FR" sz="1600" dirty="0" smtClean="0"/>
+            <a:endParaRPr lang="fr-FR" sz="1600" b="1" dirty="0" smtClean="0"/>
           </a:p>
           <a:p>
             <a:pPr lvl="3">
               <a:buFont typeface="Wingdings" panose="05000000000000000000" pitchFamily="2" charset="2"/>
               <a:buChar char="Ø"/>
             </a:pPr>
-            <a:endParaRPr lang="fr-FR" dirty="0" smtClean="0"/>
+            <a:endParaRPr lang="fr-FR" b="1" dirty="0" smtClean="0"/>
           </a:p>
           <a:p>
             <a:pPr marL="384048" lvl="2" indent="0">
               <a:buNone/>
             </a:pPr>
-            <a:endParaRPr lang="fr-FR" dirty="0"/>
+            <a:endParaRPr lang="fr-FR" b="1" dirty="0"/>
           </a:p>
         </p:txBody>
       </p:sp>
@@ -19260,11 +19276,11 @@
               <a:buChar char="Ø"/>
             </a:pPr>
             <a:r>
-              <a:rPr lang="fr-FR" sz="2000" dirty="0"/>
+              <a:rPr lang="fr-FR" sz="2000" b="1" dirty="0"/>
               <a:t>S</a:t>
             </a:r>
             <a:r>
-              <a:rPr lang="fr-FR" sz="2000" dirty="0" smtClean="0"/>
+              <a:rPr lang="fr-FR" sz="2000" b="1" dirty="0" smtClean="0"/>
               <a:t>tage</a:t>
             </a:r>
           </a:p>
@@ -19274,11 +19290,11 @@
               <a:buChar char="Ø"/>
             </a:pPr>
             <a:r>
-              <a:rPr lang="fr-FR" sz="1600" dirty="0"/>
+              <a:rPr lang="fr-FR" sz="1600" b="1" dirty="0"/>
               <a:t>Familiarisation avec le monde du </a:t>
             </a:r>
             <a:r>
-              <a:rPr lang="fr-FR" sz="1600" dirty="0" smtClean="0"/>
+              <a:rPr lang="fr-FR" sz="1600" b="1" dirty="0" smtClean="0"/>
               <a:t>travail</a:t>
             </a:r>
           </a:p>
@@ -19288,11 +19304,11 @@
               <a:buChar char="Ø"/>
             </a:pPr>
             <a:r>
-              <a:rPr lang="fr-FR" sz="1600" dirty="0"/>
+              <a:rPr lang="fr-FR" sz="1600" b="1" dirty="0"/>
               <a:t>Travail en </a:t>
             </a:r>
             <a:r>
-              <a:rPr lang="fr-FR" sz="1600" dirty="0" smtClean="0"/>
+              <a:rPr lang="fr-FR" sz="1600" b="1" dirty="0" smtClean="0"/>
               <a:t>équipe</a:t>
             </a:r>
           </a:p>
@@ -19302,15 +19318,15 @@
               <a:buChar char="Ø"/>
             </a:pPr>
             <a:r>
-              <a:rPr lang="fr-FR" sz="1600" dirty="0" smtClean="0"/>
+              <a:rPr lang="fr-FR" sz="1600" b="1" dirty="0" smtClean="0"/>
               <a:t>Maîtrise </a:t>
             </a:r>
             <a:r>
-              <a:rPr lang="fr-FR" sz="1600" dirty="0"/>
+              <a:rPr lang="fr-FR" sz="1600" b="1" dirty="0"/>
               <a:t>de plusieurs </a:t>
             </a:r>
             <a:r>
-              <a:rPr lang="fr-FR" sz="1600" dirty="0" smtClean="0"/>
+              <a:rPr lang="fr-FR" sz="1600" b="1" dirty="0" smtClean="0"/>
               <a:t>nouvelles technologies</a:t>
             </a:r>
           </a:p>
@@ -19479,19 +19495,19 @@
               <a:buNone/>
             </a:pPr>
             <a:r>
-              <a:rPr lang="fr-FR" sz="4800" dirty="0" smtClean="0">
+              <a:rPr lang="fr-FR" sz="4800" b="1" dirty="0" smtClean="0">
                 <a:solidFill>
                   <a:schemeClr val="tx1"/>
                 </a:solidFill>
-                <a:latin typeface="Monotype Corsiva" panose="03010101010201010101" pitchFamily="66" charset="0"/>
+                <a:latin typeface="Brush Script MT" panose="03060802040406070304" pitchFamily="66" charset="0"/>
               </a:rPr>
               <a:t>Merci pour votre attention</a:t>
             </a:r>
-            <a:endParaRPr lang="fr-FR" sz="4800" dirty="0">
+            <a:endParaRPr lang="fr-FR" sz="4800" b="1" dirty="0">
               <a:solidFill>
                 <a:schemeClr val="tx1"/>
               </a:solidFill>
-              <a:latin typeface="Monotype Corsiva" panose="03010101010201010101" pitchFamily="66" charset="0"/>
+              <a:latin typeface="Brush Script MT" panose="03060802040406070304" pitchFamily="66" charset="0"/>
             </a:endParaRPr>
           </a:p>
         </p:txBody>
@@ -19740,7 +19756,7 @@
           <p:nvPr>
             <p:extLst>
               <p:ext uri="{D42A27DB-BD31-4B8C-83A1-F6EECF244321}">
-                <p14:modId xmlns:p14="http://schemas.microsoft.com/office/powerpoint/2010/main" val="3937540060"/>
+                <p14:modId xmlns:p14="http://schemas.microsoft.com/office/powerpoint/2010/main" val="2846977362"/>
               </p:ext>
             </p:extLst>
           </p:nvPr>
@@ -19929,18 +19945,9 @@
   <p:clrMapOvr>
     <a:masterClrMapping/>
   </p:clrMapOvr>
-  <mc:AlternateContent xmlns:mc="http://schemas.openxmlformats.org/markup-compatibility/2006" xmlns:p14="http://schemas.microsoft.com/office/powerpoint/2010/main">
-    <mc:Choice Requires="p14">
-      <p:transition spd="med" p14:dur="700">
-        <p:fade/>
-      </p:transition>
-    </mc:Choice>
-    <mc:Fallback xmlns="">
-      <p:transition spd="med">
-        <p:fade/>
-      </p:transition>
-    </mc:Fallback>
-  </mc:AlternateContent>
+  <p:transition spd="slow">
+    <p:randomBar dir="vert"/>
+  </p:transition>
   <p:timing>
     <p:tnLst>
       <p:par>
@@ -20003,8 +20010,8 @@
         </p:nvSpPr>
         <p:spPr>
           <a:xfrm>
-            <a:off x="1097280" y="1972194"/>
-            <a:ext cx="6022645" cy="4023360"/>
+            <a:off x="1259205" y="1962669"/>
+            <a:ext cx="7132320" cy="4023360"/>
           </a:xfrm>
         </p:spPr>
         <p:txBody>
@@ -20016,7 +20023,7 @@
               <a:buChar char="Ø"/>
             </a:pPr>
             <a:r>
-              <a:rPr lang="fr-FR" dirty="0" smtClean="0"/>
+              <a:rPr lang="fr-FR" sz="1400" b="1" dirty="0" smtClean="0"/>
               <a:t> Générateur de rapport</a:t>
             </a:r>
           </a:p>
@@ -20025,7 +20032,7 @@
               <a:buFont typeface="Wingdings" panose="05000000000000000000" pitchFamily="2" charset="2"/>
               <a:buChar char="Ø"/>
             </a:pPr>
-            <a:endParaRPr lang="fr-FR" dirty="0" smtClean="0"/>
+            <a:endParaRPr lang="fr-FR" sz="1400" b="1" dirty="0" smtClean="0"/>
           </a:p>
           <a:p>
             <a:pPr>
@@ -20033,7 +20040,7 @@
               <a:buChar char="Ø"/>
             </a:pPr>
             <a:r>
-              <a:rPr lang="fr-FR" dirty="0" smtClean="0"/>
+              <a:rPr lang="fr-FR" sz="1400" b="1" dirty="0" smtClean="0"/>
               <a:t> Modification simple des rapports </a:t>
             </a:r>
           </a:p>
@@ -20041,7 +20048,7 @@
             <a:pPr marL="0" indent="0">
               <a:buNone/>
             </a:pPr>
-            <a:endParaRPr lang="fr-FR" dirty="0"/>
+            <a:endParaRPr lang="fr-FR" sz="1400" b="1" dirty="0"/>
           </a:p>
           <a:p>
             <a:pPr>
@@ -20049,15 +20056,23 @@
               <a:buChar char="Ø"/>
             </a:pPr>
             <a:r>
-              <a:rPr lang="fr-FR" dirty="0" smtClean="0"/>
-              <a:t> Remplacer ou compléter sur le long terme les         différentes solutions de </a:t>
-            </a:r>
-            <a:r>
-              <a:rPr lang="fr-FR" dirty="0" err="1" smtClean="0"/>
+              <a:rPr lang="fr-FR" sz="1400" b="1" dirty="0" smtClean="0"/>
+              <a:t> Remplacer ou compléter sur le long terme les </a:t>
+            </a:r>
+            <a:r>
+              <a:rPr lang="fr-FR" sz="1400" b="1" dirty="0" smtClean="0"/>
+              <a:t>différentes </a:t>
+            </a:r>
+            <a:r>
+              <a:rPr lang="fr-FR" sz="1400" b="1" dirty="0" smtClean="0"/>
+              <a:t>solutions de </a:t>
+            </a:r>
+            <a:r>
+              <a:rPr lang="fr-FR" sz="1400" b="1" dirty="0" err="1" smtClean="0"/>
               <a:t>reporting</a:t>
             </a:r>
             <a:r>
-              <a:rPr lang="fr-FR" dirty="0" smtClean="0"/>
+              <a:rPr lang="fr-FR" sz="1400" b="1" dirty="0" smtClean="0"/>
               <a:t> existantes</a:t>
             </a:r>
           </a:p>
@@ -20341,7 +20356,7 @@
         </p:blipFill>
         <p:spPr bwMode="auto">
           <a:xfrm>
-            <a:off x="990600" y="1823987"/>
+            <a:off x="1219200" y="1865207"/>
             <a:ext cx="5285072" cy="3252838"/>
           </a:xfrm>
           <a:prstGeom prst="rect">
@@ -20373,8 +20388,8 @@
         </p:blipFill>
         <p:spPr>
           <a:xfrm>
-            <a:off x="5892557" y="3283323"/>
-            <a:ext cx="4768172" cy="3012340"/>
+            <a:off x="5892557" y="3391237"/>
+            <a:ext cx="4768172" cy="2857163"/>
           </a:xfrm>
           <a:prstGeom prst="rect">
             <a:avLst/>
@@ -20503,15 +20518,20 @@
               <a:buChar char="Ø"/>
             </a:pPr>
             <a:r>
-              <a:rPr lang="fr-FR" dirty="0" smtClean="0"/>
-              <a:t>Etat de l’art:</a:t>
-            </a:r>
+              <a:rPr lang="fr-FR" b="1" dirty="0" smtClean="0"/>
+              <a:t>Etat de </a:t>
+            </a:r>
+            <a:r>
+              <a:rPr lang="fr-FR" b="1" dirty="0" smtClean="0"/>
+              <a:t>l’art</a:t>
+            </a:r>
+            <a:endParaRPr lang="fr-FR" b="1" dirty="0" smtClean="0"/>
           </a:p>
           <a:p>
             <a:pPr marL="0" indent="0">
               <a:buNone/>
             </a:pPr>
-            <a:endParaRPr lang="fr-FR" dirty="0" smtClean="0"/>
+            <a:endParaRPr lang="fr-FR" b="1" dirty="0" smtClean="0"/>
           </a:p>
           <a:p>
             <a:pPr lvl="1">
@@ -20519,30 +20539,30 @@
               <a:buChar char="Ø"/>
             </a:pPr>
             <a:r>
-              <a:rPr lang="fr-FR" dirty="0" smtClean="0"/>
+              <a:rPr lang="fr-FR" b="1" dirty="0" smtClean="0"/>
               <a:t>   Recherche sur les différents outils de </a:t>
             </a:r>
             <a:r>
-              <a:rPr lang="fr-FR" dirty="0" err="1" smtClean="0"/>
+              <a:rPr lang="fr-FR" b="1" dirty="0" err="1" smtClean="0"/>
               <a:t>reporting</a:t>
             </a:r>
             <a:r>
-              <a:rPr lang="fr-FR" dirty="0" smtClean="0"/>
+              <a:rPr lang="fr-FR" b="1" dirty="0" smtClean="0"/>
               <a:t> : BIRT, </a:t>
             </a:r>
             <a:r>
-              <a:rPr lang="fr-FR" dirty="0" err="1" smtClean="0"/>
+              <a:rPr lang="fr-FR" b="1" dirty="0" err="1" smtClean="0"/>
               <a:t>JasperReports</a:t>
             </a:r>
             <a:r>
-              <a:rPr lang="fr-FR" dirty="0" smtClean="0">
+              <a:rPr lang="fr-FR" b="1" dirty="0" smtClean="0">
                 <a:solidFill>
                   <a:schemeClr val="tx1"/>
                 </a:solidFill>
               </a:rPr>
               <a:t>, ...</a:t>
             </a:r>
-            <a:endParaRPr lang="fr-FR" dirty="0">
+            <a:endParaRPr lang="fr-FR" b="1" dirty="0">
               <a:solidFill>
                 <a:schemeClr val="tx1"/>
               </a:solidFill>
@@ -20553,7 +20573,7 @@
               <a:buFont typeface="Wingdings" panose="05000000000000000000" pitchFamily="2" charset="2"/>
               <a:buChar char="Ø"/>
             </a:pPr>
-            <a:endParaRPr lang="fr-FR" dirty="0" smtClean="0"/>
+            <a:endParaRPr lang="fr-FR" b="1" dirty="0" smtClean="0"/>
           </a:p>
           <a:p>
             <a:pPr lvl="1">
@@ -20561,7 +20581,7 @@
               <a:buChar char="Ø"/>
             </a:pPr>
             <a:r>
-              <a:rPr lang="fr-FR" dirty="0" smtClean="0"/>
+              <a:rPr lang="fr-FR" b="1" dirty="0" smtClean="0"/>
               <a:t>   Etude de la Business Intelligence</a:t>
             </a:r>
           </a:p>
@@ -20570,7 +20590,7 @@
               <a:buFont typeface="Wingdings" panose="05000000000000000000" pitchFamily="2" charset="2"/>
               <a:buChar char="Ø"/>
             </a:pPr>
-            <a:endParaRPr lang="fr-FR" dirty="0"/>
+            <a:endParaRPr lang="fr-FR" b="1" dirty="0"/>
           </a:p>
           <a:p>
             <a:pPr lvl="1">
@@ -20578,11 +20598,11 @@
               <a:buChar char="Ø"/>
             </a:pPr>
             <a:r>
-              <a:rPr lang="fr-FR" dirty="0" smtClean="0"/>
+              <a:rPr lang="fr-FR" b="1" dirty="0" smtClean="0"/>
               <a:t>   Java </a:t>
             </a:r>
             <a:r>
-              <a:rPr lang="fr-FR" dirty="0"/>
+              <a:rPr lang="fr-FR" b="1" dirty="0"/>
               <a:t>et la Business Intelligence</a:t>
             </a:r>
           </a:p>
@@ -20983,7 +21003,7 @@
         </p:spPr>
         <p:txBody>
           <a:bodyPr>
-            <a:normAutofit fontScale="55000" lnSpcReduction="20000"/>
+            <a:normAutofit fontScale="47500" lnSpcReduction="20000"/>
           </a:bodyPr>
           <a:lstStyle/>
           <a:p>
@@ -20992,15 +21012,15 @@
               <a:buChar char="Ø"/>
             </a:pPr>
             <a:r>
-              <a:rPr lang="fr-FR" dirty="0" smtClean="0"/>
+              <a:rPr lang="fr-FR" sz="2500" b="1" dirty="0" smtClean="0"/>
               <a:t>Utilisation de </a:t>
             </a:r>
             <a:r>
-              <a:rPr lang="fr-FR" dirty="0" err="1" smtClean="0"/>
+              <a:rPr lang="fr-FR" sz="2500" b="1" dirty="0" err="1" smtClean="0"/>
               <a:t>PonySDK</a:t>
             </a:r>
             <a:r>
-              <a:rPr lang="fr-FR" dirty="0" smtClean="0"/>
+              <a:rPr lang="fr-FR" sz="2500" b="1" dirty="0" smtClean="0"/>
               <a:t> en front end.</a:t>
             </a:r>
           </a:p>
@@ -21009,7 +21029,7 @@
               <a:buFont typeface="Wingdings" panose="05000000000000000000" pitchFamily="2" charset="2"/>
               <a:buChar char="Ø"/>
             </a:pPr>
-            <a:endParaRPr lang="fr-FR" dirty="0" smtClean="0"/>
+            <a:endParaRPr lang="fr-FR" sz="2500" b="1" dirty="0" smtClean="0"/>
           </a:p>
           <a:p>
             <a:pPr lvl="0">
@@ -21017,15 +21037,15 @@
               <a:buChar char="Ø"/>
             </a:pPr>
             <a:r>
-              <a:rPr lang="fr-FR" dirty="0" smtClean="0"/>
+              <a:rPr lang="fr-FR" sz="2500" b="1" dirty="0" smtClean="0"/>
               <a:t>Interface </a:t>
             </a:r>
             <a:r>
-              <a:rPr lang="fr-FR" dirty="0"/>
+              <a:rPr lang="fr-FR" sz="2500" b="1" dirty="0"/>
               <a:t>graphique </a:t>
             </a:r>
             <a:r>
-              <a:rPr lang="fr-FR" dirty="0" smtClean="0"/>
+              <a:rPr lang="fr-FR" sz="2500" b="1" dirty="0" smtClean="0"/>
               <a:t>ergonomique</a:t>
             </a:r>
           </a:p>
@@ -21033,7 +21053,7 @@
             <a:pPr marL="0" lvl="0" indent="0">
               <a:buNone/>
             </a:pPr>
-            <a:endParaRPr lang="fr-FR" dirty="0" smtClean="0"/>
+            <a:endParaRPr lang="fr-FR" sz="2500" b="1" dirty="0" smtClean="0"/>
           </a:p>
           <a:p>
             <a:pPr lvl="0">
@@ -21041,11 +21061,11 @@
               <a:buChar char="Ø"/>
             </a:pPr>
             <a:r>
-              <a:rPr lang="fr-FR" dirty="0" smtClean="0"/>
+              <a:rPr lang="fr-FR" sz="2500" b="1" dirty="0" smtClean="0"/>
               <a:t> </a:t>
             </a:r>
             <a:r>
-              <a:rPr lang="fr-FR" dirty="0"/>
+              <a:rPr lang="fr-FR" sz="2500" b="1" dirty="0"/>
               <a:t>Base de données MySQL</a:t>
             </a:r>
           </a:p>
@@ -21054,7 +21074,7 @@
               <a:buFont typeface="Wingdings" panose="05000000000000000000" pitchFamily="2" charset="2"/>
               <a:buChar char="Ø"/>
             </a:pPr>
-            <a:endParaRPr lang="fr-FR" dirty="0" smtClean="0"/>
+            <a:endParaRPr lang="fr-FR" sz="2500" b="1" dirty="0" smtClean="0"/>
           </a:p>
           <a:p>
             <a:pPr lvl="0">
@@ -21062,21 +21082,21 @@
               <a:buChar char="Ø"/>
             </a:pPr>
             <a:r>
-              <a:rPr lang="fr-FR" dirty="0" smtClean="0"/>
+              <a:rPr lang="fr-FR" sz="2500" b="1" dirty="0" smtClean="0"/>
               <a:t> </a:t>
             </a:r>
             <a:r>
-              <a:rPr lang="fr-FR" dirty="0"/>
+              <a:rPr lang="fr-FR" sz="2500" b="1" dirty="0"/>
               <a:t>API et Framework open source avec des licences non restrictives pour les entreprises. </a:t>
             </a:r>
-            <a:endParaRPr lang="fr-FR" dirty="0" smtClean="0"/>
+            <a:endParaRPr lang="fr-FR" sz="2500" b="1" dirty="0" smtClean="0"/>
           </a:p>
           <a:p>
             <a:pPr lvl="0">
               <a:buFont typeface="Wingdings" panose="05000000000000000000" pitchFamily="2" charset="2"/>
               <a:buChar char="Ø"/>
             </a:pPr>
-            <a:endParaRPr lang="fr-FR" dirty="0"/>
+            <a:endParaRPr lang="fr-FR" sz="2500" b="1" dirty="0"/>
           </a:p>
           <a:p>
             <a:pPr>
@@ -21084,7 +21104,7 @@
               <a:buChar char="Ø"/>
             </a:pPr>
             <a:r>
-              <a:rPr lang="fr-FR" dirty="0"/>
+              <a:rPr lang="fr-FR" sz="2500" b="1" dirty="0"/>
               <a:t>Respect des standards de la Business Intelligence </a:t>
             </a:r>
           </a:p>
